--- a/scikit-tda/presentation.pptx
+++ b/scikit-tda/presentation.pptx
@@ -1,33 +1,33 @@
 
 <file path=ppt/presentation.xml><?xml version="1.0" encoding="utf-8"?>
-<p:presentation xmlns:a="http://schemas.openxmlformats.org/drawingml/2006/main" xmlns:r="http://schemas.openxmlformats.org/officeDocument/2006/relationships" xmlns:mc="http://schemas.openxmlformats.org/markup-compatibility/2006" xmlns:mv="urn:schemas-microsoft-com:mac:vml" xmlns:p="http://schemas.openxmlformats.org/presentationml/2006/main" xmlns:c="http://schemas.openxmlformats.org/drawingml/2006/chart" xmlns:dgm="http://schemas.openxmlformats.org/drawingml/2006/diagram" xmlns:o="urn:schemas-microsoft-com:office:office" xmlns:v="urn:schemas-microsoft-com:vml" xmlns:pvml="urn:schemas-microsoft-com:office:powerpoint" xmlns:com="http://schemas.openxmlformats.org/drawingml/2006/compatibility" xmlns:p14="http://schemas.microsoft.com/office/powerpoint/2010/main" xmlns:p15="http://schemas.microsoft.com/office/powerpoint/2012/main" autoCompressPictures="0" strictFirstAndLastChars="0" saveSubsetFonts="1">
+<p:presentation xmlns:a="http://schemas.openxmlformats.org/drawingml/2006/main" xmlns:r="http://schemas.openxmlformats.org/officeDocument/2006/relationships" xmlns:p="http://schemas.openxmlformats.org/presentationml/2006/main" strictFirstAndLastChars="0" saveSubsetFonts="1" autoCompressPictures="0">
   <p:sldMasterIdLst>
-    <p:sldMasterId id="2147483659" r:id="rId4"/>
+    <p:sldMasterId id="2147483659" r:id="rId1"/>
   </p:sldMasterIdLst>
   <p:notesMasterIdLst>
-    <p:notesMasterId r:id="rId5"/>
+    <p:notesMasterId r:id="rId17"/>
   </p:notesMasterIdLst>
   <p:sldIdLst>
-    <p:sldId id="256" r:id="rId6"/>
-    <p:sldId id="257" r:id="rId7"/>
-    <p:sldId id="258" r:id="rId8"/>
-    <p:sldId id="259" r:id="rId9"/>
-    <p:sldId id="260" r:id="rId10"/>
-    <p:sldId id="261" r:id="rId11"/>
-    <p:sldId id="262" r:id="rId12"/>
-    <p:sldId id="263" r:id="rId13"/>
-    <p:sldId id="264" r:id="rId14"/>
-    <p:sldId id="265" r:id="rId15"/>
-    <p:sldId id="266" r:id="rId16"/>
-    <p:sldId id="267" r:id="rId17"/>
-    <p:sldId id="268" r:id="rId18"/>
-    <p:sldId id="269" r:id="rId19"/>
-    <p:sldId id="270" r:id="rId20"/>
+    <p:sldId id="256" r:id="rId2"/>
+    <p:sldId id="257" r:id="rId3"/>
+    <p:sldId id="258" r:id="rId4"/>
+    <p:sldId id="259" r:id="rId5"/>
+    <p:sldId id="260" r:id="rId6"/>
+    <p:sldId id="261" r:id="rId7"/>
+    <p:sldId id="262" r:id="rId8"/>
+    <p:sldId id="263" r:id="rId9"/>
+    <p:sldId id="264" r:id="rId10"/>
+    <p:sldId id="265" r:id="rId11"/>
+    <p:sldId id="266" r:id="rId12"/>
+    <p:sldId id="267" r:id="rId13"/>
+    <p:sldId id="268" r:id="rId14"/>
+    <p:sldId id="269" r:id="rId15"/>
+    <p:sldId id="270" r:id="rId16"/>
   </p:sldIdLst>
-  <p:sldSz cy="5143500" cx="9144000"/>
+  <p:sldSz cx="9144000" cy="5143500" type="screen16x9"/>
   <p:notesSz cx="6858000" cy="9144000"/>
   <p:defaultTextStyle>
-    <a:defPPr lvl="0" marR="0" rtl="0" algn="l">
+    <a:defPPr marR="0" lvl="0" algn="l" rtl="0">
       <a:lnSpc>
         <a:spcPct val="100000"/>
       </a:lnSpc>
@@ -38,7 +38,7 @@
         <a:spcPts val="0"/>
       </a:spcAft>
     </a:defPPr>
-    <a:lvl1pPr lvl="0" marR="0" rtl="0" algn="l">
+    <a:lvl1pPr marR="0" lvl="0" algn="l" rtl="0">
       <a:lnSpc>
         <a:spcPct val="100000"/>
       </a:lnSpc>
@@ -52,7 +52,7 @@
         <a:srgbClr val="000000"/>
       </a:buClr>
       <a:buFont typeface="Arial"/>
-      <a:defRPr b="0" i="0" sz="1400" u="none" cap="none" strike="noStrike">
+      <a:defRPr sz="1400" b="0" i="0" u="none" strike="noStrike" cap="none">
         <a:solidFill>
           <a:srgbClr val="000000"/>
         </a:solidFill>
@@ -62,7 +62,7 @@
         <a:sym typeface="Arial"/>
       </a:defRPr>
     </a:lvl1pPr>
-    <a:lvl2pPr lvl="1" marR="0" rtl="0" algn="l">
+    <a:lvl2pPr marR="0" lvl="1" algn="l" rtl="0">
       <a:lnSpc>
         <a:spcPct val="100000"/>
       </a:lnSpc>
@@ -76,7 +76,7 @@
         <a:srgbClr val="000000"/>
       </a:buClr>
       <a:buFont typeface="Arial"/>
-      <a:defRPr b="0" i="0" sz="1400" u="none" cap="none" strike="noStrike">
+      <a:defRPr sz="1400" b="0" i="0" u="none" strike="noStrike" cap="none">
         <a:solidFill>
           <a:srgbClr val="000000"/>
         </a:solidFill>
@@ -86,7 +86,7 @@
         <a:sym typeface="Arial"/>
       </a:defRPr>
     </a:lvl2pPr>
-    <a:lvl3pPr lvl="2" marR="0" rtl="0" algn="l">
+    <a:lvl3pPr marR="0" lvl="2" algn="l" rtl="0">
       <a:lnSpc>
         <a:spcPct val="100000"/>
       </a:lnSpc>
@@ -100,7 +100,7 @@
         <a:srgbClr val="000000"/>
       </a:buClr>
       <a:buFont typeface="Arial"/>
-      <a:defRPr b="0" i="0" sz="1400" u="none" cap="none" strike="noStrike">
+      <a:defRPr sz="1400" b="0" i="0" u="none" strike="noStrike" cap="none">
         <a:solidFill>
           <a:srgbClr val="000000"/>
         </a:solidFill>
@@ -110,7 +110,7 @@
         <a:sym typeface="Arial"/>
       </a:defRPr>
     </a:lvl3pPr>
-    <a:lvl4pPr lvl="3" marR="0" rtl="0" algn="l">
+    <a:lvl4pPr marR="0" lvl="3" algn="l" rtl="0">
       <a:lnSpc>
         <a:spcPct val="100000"/>
       </a:lnSpc>
@@ -124,7 +124,7 @@
         <a:srgbClr val="000000"/>
       </a:buClr>
       <a:buFont typeface="Arial"/>
-      <a:defRPr b="0" i="0" sz="1400" u="none" cap="none" strike="noStrike">
+      <a:defRPr sz="1400" b="0" i="0" u="none" strike="noStrike" cap="none">
         <a:solidFill>
           <a:srgbClr val="000000"/>
         </a:solidFill>
@@ -134,7 +134,7 @@
         <a:sym typeface="Arial"/>
       </a:defRPr>
     </a:lvl4pPr>
-    <a:lvl5pPr lvl="4" marR="0" rtl="0" algn="l">
+    <a:lvl5pPr marR="0" lvl="4" algn="l" rtl="0">
       <a:lnSpc>
         <a:spcPct val="100000"/>
       </a:lnSpc>
@@ -148,7 +148,7 @@
         <a:srgbClr val="000000"/>
       </a:buClr>
       <a:buFont typeface="Arial"/>
-      <a:defRPr b="0" i="0" sz="1400" u="none" cap="none" strike="noStrike">
+      <a:defRPr sz="1400" b="0" i="0" u="none" strike="noStrike" cap="none">
         <a:solidFill>
           <a:srgbClr val="000000"/>
         </a:solidFill>
@@ -158,7 +158,7 @@
         <a:sym typeface="Arial"/>
       </a:defRPr>
     </a:lvl5pPr>
-    <a:lvl6pPr lvl="5" marR="0" rtl="0" algn="l">
+    <a:lvl6pPr marR="0" lvl="5" algn="l" rtl="0">
       <a:lnSpc>
         <a:spcPct val="100000"/>
       </a:lnSpc>
@@ -172,7 +172,7 @@
         <a:srgbClr val="000000"/>
       </a:buClr>
       <a:buFont typeface="Arial"/>
-      <a:defRPr b="0" i="0" sz="1400" u="none" cap="none" strike="noStrike">
+      <a:defRPr sz="1400" b="0" i="0" u="none" strike="noStrike" cap="none">
         <a:solidFill>
           <a:srgbClr val="000000"/>
         </a:solidFill>
@@ -182,7 +182,7 @@
         <a:sym typeface="Arial"/>
       </a:defRPr>
     </a:lvl6pPr>
-    <a:lvl7pPr lvl="6" marR="0" rtl="0" algn="l">
+    <a:lvl7pPr marR="0" lvl="6" algn="l" rtl="0">
       <a:lnSpc>
         <a:spcPct val="100000"/>
       </a:lnSpc>
@@ -196,7 +196,7 @@
         <a:srgbClr val="000000"/>
       </a:buClr>
       <a:buFont typeface="Arial"/>
-      <a:defRPr b="0" i="0" sz="1400" u="none" cap="none" strike="noStrike">
+      <a:defRPr sz="1400" b="0" i="0" u="none" strike="noStrike" cap="none">
         <a:solidFill>
           <a:srgbClr val="000000"/>
         </a:solidFill>
@@ -206,7 +206,7 @@
         <a:sym typeface="Arial"/>
       </a:defRPr>
     </a:lvl7pPr>
-    <a:lvl8pPr lvl="7" marR="0" rtl="0" algn="l">
+    <a:lvl8pPr marR="0" lvl="7" algn="l" rtl="0">
       <a:lnSpc>
         <a:spcPct val="100000"/>
       </a:lnSpc>
@@ -220,7 +220,7 @@
         <a:srgbClr val="000000"/>
       </a:buClr>
       <a:buFont typeface="Arial"/>
-      <a:defRPr b="0" i="0" sz="1400" u="none" cap="none" strike="noStrike">
+      <a:defRPr sz="1400" b="0" i="0" u="none" strike="noStrike" cap="none">
         <a:solidFill>
           <a:srgbClr val="000000"/>
         </a:solidFill>
@@ -230,7 +230,7 @@
         <a:sym typeface="Arial"/>
       </a:defRPr>
     </a:lvl8pPr>
-    <a:lvl9pPr lvl="8" marR="0" rtl="0" algn="l">
+    <a:lvl9pPr marR="0" lvl="8" algn="l" rtl="0">
       <a:lnSpc>
         <a:spcPct val="100000"/>
       </a:lnSpc>
@@ -244,7 +244,7 @@
         <a:srgbClr val="000000"/>
       </a:buClr>
       <a:buFont typeface="Arial"/>
-      <a:defRPr b="0" i="0" sz="1400" u="none" cap="none" strike="noStrike">
+      <a:defRPr sz="1400" b="0" i="0" u="none" strike="noStrike" cap="none">
         <a:solidFill>
           <a:srgbClr val="000000"/>
         </a:solidFill>
@@ -257,7 +257,7 @@
   </p:defaultTextStyle>
   <p:extLst>
     <p:ext uri="{EFAFB233-063F-42B5-8137-9DF3F51BA10A}">
-      <p15:sldGuideLst>
+      <p15:sldGuideLst xmlns:p15="http://schemas.microsoft.com/office/powerpoint/2012/main">
         <p15:guide id="1" orient="horz" pos="1620">
           <p15:clr>
             <a:srgbClr val="A4A3A4"/>
@@ -275,11 +275,16 @@
 </file>
 
 <file path=ppt/notesMasters/notesMaster1.xml><?xml version="1.0" encoding="utf-8"?>
-<p:notesMaster xmlns:a="http://schemas.openxmlformats.org/drawingml/2006/main" xmlns:r="http://schemas.openxmlformats.org/officeDocument/2006/relationships" xmlns:mc="http://schemas.openxmlformats.org/markup-compatibility/2006" xmlns:mv="urn:schemas-microsoft-com:mac:vml" xmlns:p="http://schemas.openxmlformats.org/presentationml/2006/main" xmlns:c="http://schemas.openxmlformats.org/drawingml/2006/chart" xmlns:dgm="http://schemas.openxmlformats.org/drawingml/2006/diagram" xmlns:o="urn:schemas-microsoft-com:office:office" xmlns:v="urn:schemas-microsoft-com:vml" xmlns:pvml="urn:schemas-microsoft-com:office:powerpoint" xmlns:com="http://schemas.openxmlformats.org/drawingml/2006/compatibility" xmlns:p14="http://schemas.microsoft.com/office/powerpoint/2010/main" xmlns:p15="http://schemas.microsoft.com/office/powerpoint/2012/main">
+<p:notesMaster xmlns:a="http://schemas.openxmlformats.org/drawingml/2006/main" xmlns:r="http://schemas.openxmlformats.org/officeDocument/2006/relationships" xmlns:p="http://schemas.openxmlformats.org/presentationml/2006/main">
   <p:cSld>
+    <p:bg>
+      <p:bgRef idx="1001">
+        <a:schemeClr val="bg1"/>
+      </p:bgRef>
+    </p:bg>
     <p:spTree>
       <p:nvGrpSpPr>
-        <p:cNvPr id="2" name="Shape 2"/>
+        <p:cNvPr id="1" name="Shape 2"/>
         <p:cNvGrpSpPr/>
         <p:nvPr/>
       </p:nvGrpSpPr>
@@ -294,9 +299,11 @@
       <p:sp>
         <p:nvSpPr>
           <p:cNvPr id="3" name="Google Shape;3;n"/>
-          <p:cNvSpPr/>
+          <p:cNvSpPr>
+            <a:spLocks noGrp="1" noRot="1" noChangeAspect="1"/>
+          </p:cNvSpPr>
           <p:nvPr>
-            <p:ph idx="2" type="sldImg"/>
+            <p:ph type="sldImg" idx="2"/>
           </p:nvPr>
         </p:nvSpPr>
         <p:spPr>
@@ -305,9 +312,13 @@
             <a:ext cx="6096075" cy="3429000"/>
           </a:xfrm>
           <a:custGeom>
-            <a:rect b="b" l="l" r="r" t="t"/>
+            <a:avLst/>
+            <a:gdLst/>
+            <a:ahLst/>
+            <a:cxnLst/>
+            <a:rect l="l" t="t" r="r" b="b"/>
             <a:pathLst>
-              <a:path extrusionOk="0" h="120000" w="120000">
+              <a:path w="120000" h="120000" extrusionOk="0">
                 <a:moveTo>
                   <a:pt x="0" y="0"/>
                 </a:moveTo>
@@ -325,23 +336,25 @@
             </a:pathLst>
           </a:custGeom>
           <a:noFill/>
-          <a:ln cap="flat" cmpd="sng" w="9525">
+          <a:ln w="9525" cap="flat" cmpd="sng">
             <a:solidFill>
               <a:srgbClr val="000000"/>
             </a:solidFill>
             <a:prstDash val="solid"/>
             <a:round/>
-            <a:headEnd len="sm" w="sm" type="none"/>
-            <a:tailEnd len="sm" w="sm" type="none"/>
+            <a:headEnd type="none" w="sm" len="sm"/>
+            <a:tailEnd type="none" w="sm" len="sm"/>
           </a:ln>
         </p:spPr>
       </p:sp>
       <p:sp>
         <p:nvSpPr>
           <p:cNvPr id="4" name="Google Shape;4;n"/>
-          <p:cNvSpPr txBox="1"/>
+          <p:cNvSpPr txBox="1">
+            <a:spLocks noGrp="1"/>
+          </p:cNvSpPr>
           <p:nvPr>
-            <p:ph idx="1" type="body"/>
+            <p:ph type="body" idx="1"/>
           </p:nvPr>
         </p:nvSpPr>
         <p:spPr>
@@ -358,11 +371,11 @@
           </a:ln>
         </p:spPr>
         <p:txBody>
-          <a:bodyPr anchorCtr="0" anchor="t" bIns="91425" lIns="91425" spcFirstLastPara="1" rIns="91425" wrap="square" tIns="91425">
+          <a:bodyPr spcFirstLastPara="1" wrap="square" lIns="91425" tIns="91425" rIns="91425" bIns="91425" anchor="t" anchorCtr="0">
             <a:noAutofit/>
           </a:bodyPr>
           <a:lstStyle>
-            <a:lvl1pPr indent="-298450" lvl="0" marL="457200">
+            <a:lvl1pPr marL="457200" lvl="0" indent="-298450">
               <a:spcBef>
                 <a:spcPts val="0"/>
               </a:spcBef>
@@ -373,7 +386,7 @@
               <a:buChar char="●"/>
               <a:defRPr sz="1100"/>
             </a:lvl1pPr>
-            <a:lvl2pPr indent="-298450" lvl="1" marL="914400">
+            <a:lvl2pPr marL="914400" lvl="1" indent="-298450">
               <a:spcBef>
                 <a:spcPts val="0"/>
               </a:spcBef>
@@ -384,7 +397,7 @@
               <a:buChar char="○"/>
               <a:defRPr sz="1100"/>
             </a:lvl2pPr>
-            <a:lvl3pPr indent="-298450" lvl="2" marL="1371600">
+            <a:lvl3pPr marL="1371600" lvl="2" indent="-298450">
               <a:spcBef>
                 <a:spcPts val="0"/>
               </a:spcBef>
@@ -395,7 +408,7 @@
               <a:buChar char="■"/>
               <a:defRPr sz="1100"/>
             </a:lvl3pPr>
-            <a:lvl4pPr indent="-298450" lvl="3" marL="1828800">
+            <a:lvl4pPr marL="1828800" lvl="3" indent="-298450">
               <a:spcBef>
                 <a:spcPts val="0"/>
               </a:spcBef>
@@ -406,7 +419,7 @@
               <a:buChar char="●"/>
               <a:defRPr sz="1100"/>
             </a:lvl4pPr>
-            <a:lvl5pPr indent="-298450" lvl="4" marL="2286000">
+            <a:lvl5pPr marL="2286000" lvl="4" indent="-298450">
               <a:spcBef>
                 <a:spcPts val="0"/>
               </a:spcBef>
@@ -417,7 +430,7 @@
               <a:buChar char="○"/>
               <a:defRPr sz="1100"/>
             </a:lvl5pPr>
-            <a:lvl6pPr indent="-298450" lvl="5" marL="2743200">
+            <a:lvl6pPr marL="2743200" lvl="5" indent="-298450">
               <a:spcBef>
                 <a:spcPts val="0"/>
               </a:spcBef>
@@ -428,7 +441,7 @@
               <a:buChar char="■"/>
               <a:defRPr sz="1100"/>
             </a:lvl6pPr>
-            <a:lvl7pPr indent="-298450" lvl="6" marL="3200400">
+            <a:lvl7pPr marL="3200400" lvl="6" indent="-298450">
               <a:spcBef>
                 <a:spcPts val="0"/>
               </a:spcBef>
@@ -439,7 +452,7 @@
               <a:buChar char="●"/>
               <a:defRPr sz="1100"/>
             </a:lvl7pPr>
-            <a:lvl8pPr indent="-298450" lvl="7" marL="3657600">
+            <a:lvl8pPr marL="3657600" lvl="7" indent="-298450">
               <a:spcBef>
                 <a:spcPts val="0"/>
               </a:spcBef>
@@ -450,7 +463,7 @@
               <a:buChar char="○"/>
               <a:defRPr sz="1100"/>
             </a:lvl8pPr>
-            <a:lvl9pPr indent="-298450" lvl="8" marL="4114800">
+            <a:lvl9pPr marL="4114800" lvl="8" indent="-298450">
               <a:spcBef>
                 <a:spcPts val="0"/>
               </a:spcBef>
@@ -462,14 +475,16 @@
               <a:defRPr sz="1100"/>
             </a:lvl9pPr>
           </a:lstStyle>
-          <a:p/>
+          <a:p>
+            <a:endParaRPr/>
+          </a:p>
         </p:txBody>
       </p:sp>
     </p:spTree>
   </p:cSld>
-  <p:clrMap accent1="accent1" accent2="accent2" accent3="accent3" accent4="accent4" accent5="accent5" accent6="accent6" bg1="lt1" bg2="dk2" tx1="dk1" tx2="lt2" folHlink="folHlink" hlink="hlink"/>
+  <p:clrMap bg1="lt1" tx1="dk1" bg2="dk2" tx2="lt2" accent1="accent1" accent2="accent2" accent3="accent3" accent4="accent4" accent5="accent5" accent6="accent6" hlink="hlink" folHlink="folHlink"/>
   <p:notesStyle>
-    <a:defPPr lvl="0" marR="0" rtl="0" algn="l">
+    <a:defPPr marR="0" lvl="0" algn="l" rtl="0">
       <a:lnSpc>
         <a:spcPct val="100000"/>
       </a:lnSpc>
@@ -480,7 +495,7 @@
         <a:spcPts val="0"/>
       </a:spcAft>
     </a:defPPr>
-    <a:lvl1pPr lvl="0" marR="0" rtl="0" algn="l">
+    <a:lvl1pPr marR="0" lvl="0" algn="l" rtl="0">
       <a:lnSpc>
         <a:spcPct val="100000"/>
       </a:lnSpc>
@@ -494,7 +509,7 @@
         <a:srgbClr val="000000"/>
       </a:buClr>
       <a:buFont typeface="Arial"/>
-      <a:defRPr b="0" i="0" sz="1400" u="none" cap="none" strike="noStrike">
+      <a:defRPr sz="1400" b="0" i="0" u="none" strike="noStrike" cap="none">
         <a:solidFill>
           <a:srgbClr val="000000"/>
         </a:solidFill>
@@ -504,7 +519,7 @@
         <a:sym typeface="Arial"/>
       </a:defRPr>
     </a:lvl1pPr>
-    <a:lvl2pPr lvl="1" marR="0" rtl="0" algn="l">
+    <a:lvl2pPr marR="0" lvl="1" algn="l" rtl="0">
       <a:lnSpc>
         <a:spcPct val="100000"/>
       </a:lnSpc>
@@ -518,7 +533,7 @@
         <a:srgbClr val="000000"/>
       </a:buClr>
       <a:buFont typeface="Arial"/>
-      <a:defRPr b="0" i="0" sz="1400" u="none" cap="none" strike="noStrike">
+      <a:defRPr sz="1400" b="0" i="0" u="none" strike="noStrike" cap="none">
         <a:solidFill>
           <a:srgbClr val="000000"/>
         </a:solidFill>
@@ -528,7 +543,7 @@
         <a:sym typeface="Arial"/>
       </a:defRPr>
     </a:lvl2pPr>
-    <a:lvl3pPr lvl="2" marR="0" rtl="0" algn="l">
+    <a:lvl3pPr marR="0" lvl="2" algn="l" rtl="0">
       <a:lnSpc>
         <a:spcPct val="100000"/>
       </a:lnSpc>
@@ -542,7 +557,7 @@
         <a:srgbClr val="000000"/>
       </a:buClr>
       <a:buFont typeface="Arial"/>
-      <a:defRPr b="0" i="0" sz="1400" u="none" cap="none" strike="noStrike">
+      <a:defRPr sz="1400" b="0" i="0" u="none" strike="noStrike" cap="none">
         <a:solidFill>
           <a:srgbClr val="000000"/>
         </a:solidFill>
@@ -552,7 +567,7 @@
         <a:sym typeface="Arial"/>
       </a:defRPr>
     </a:lvl3pPr>
-    <a:lvl4pPr lvl="3" marR="0" rtl="0" algn="l">
+    <a:lvl4pPr marR="0" lvl="3" algn="l" rtl="0">
       <a:lnSpc>
         <a:spcPct val="100000"/>
       </a:lnSpc>
@@ -566,7 +581,7 @@
         <a:srgbClr val="000000"/>
       </a:buClr>
       <a:buFont typeface="Arial"/>
-      <a:defRPr b="0" i="0" sz="1400" u="none" cap="none" strike="noStrike">
+      <a:defRPr sz="1400" b="0" i="0" u="none" strike="noStrike" cap="none">
         <a:solidFill>
           <a:srgbClr val="000000"/>
         </a:solidFill>
@@ -576,7 +591,7 @@
         <a:sym typeface="Arial"/>
       </a:defRPr>
     </a:lvl4pPr>
-    <a:lvl5pPr lvl="4" marR="0" rtl="0" algn="l">
+    <a:lvl5pPr marR="0" lvl="4" algn="l" rtl="0">
       <a:lnSpc>
         <a:spcPct val="100000"/>
       </a:lnSpc>
@@ -590,7 +605,7 @@
         <a:srgbClr val="000000"/>
       </a:buClr>
       <a:buFont typeface="Arial"/>
-      <a:defRPr b="0" i="0" sz="1400" u="none" cap="none" strike="noStrike">
+      <a:defRPr sz="1400" b="0" i="0" u="none" strike="noStrike" cap="none">
         <a:solidFill>
           <a:srgbClr val="000000"/>
         </a:solidFill>
@@ -600,7 +615,7 @@
         <a:sym typeface="Arial"/>
       </a:defRPr>
     </a:lvl5pPr>
-    <a:lvl6pPr lvl="5" marR="0" rtl="0" algn="l">
+    <a:lvl6pPr marR="0" lvl="5" algn="l" rtl="0">
       <a:lnSpc>
         <a:spcPct val="100000"/>
       </a:lnSpc>
@@ -614,7 +629,7 @@
         <a:srgbClr val="000000"/>
       </a:buClr>
       <a:buFont typeface="Arial"/>
-      <a:defRPr b="0" i="0" sz="1400" u="none" cap="none" strike="noStrike">
+      <a:defRPr sz="1400" b="0" i="0" u="none" strike="noStrike" cap="none">
         <a:solidFill>
           <a:srgbClr val="000000"/>
         </a:solidFill>
@@ -624,7 +639,7 @@
         <a:sym typeface="Arial"/>
       </a:defRPr>
     </a:lvl6pPr>
-    <a:lvl7pPr lvl="6" marR="0" rtl="0" algn="l">
+    <a:lvl7pPr marR="0" lvl="6" algn="l" rtl="0">
       <a:lnSpc>
         <a:spcPct val="100000"/>
       </a:lnSpc>
@@ -638,7 +653,7 @@
         <a:srgbClr val="000000"/>
       </a:buClr>
       <a:buFont typeface="Arial"/>
-      <a:defRPr b="0" i="0" sz="1400" u="none" cap="none" strike="noStrike">
+      <a:defRPr sz="1400" b="0" i="0" u="none" strike="noStrike" cap="none">
         <a:solidFill>
           <a:srgbClr val="000000"/>
         </a:solidFill>
@@ -648,7 +663,7 @@
         <a:sym typeface="Arial"/>
       </a:defRPr>
     </a:lvl7pPr>
-    <a:lvl8pPr lvl="7" marR="0" rtl="0" algn="l">
+    <a:lvl8pPr marR="0" lvl="7" algn="l" rtl="0">
       <a:lnSpc>
         <a:spcPct val="100000"/>
       </a:lnSpc>
@@ -662,7 +677,7 @@
         <a:srgbClr val="000000"/>
       </a:buClr>
       <a:buFont typeface="Arial"/>
-      <a:defRPr b="0" i="0" sz="1400" u="none" cap="none" strike="noStrike">
+      <a:defRPr sz="1400" b="0" i="0" u="none" strike="noStrike" cap="none">
         <a:solidFill>
           <a:srgbClr val="000000"/>
         </a:solidFill>
@@ -672,7 +687,7 @@
         <a:sym typeface="Arial"/>
       </a:defRPr>
     </a:lvl8pPr>
-    <a:lvl9pPr lvl="8" marR="0" rtl="0" algn="l">
+    <a:lvl9pPr marR="0" lvl="8" algn="l" rtl="0">
       <a:lnSpc>
         <a:spcPct val="100000"/>
       </a:lnSpc>
@@ -686,7 +701,7 @@
         <a:srgbClr val="000000"/>
       </a:buClr>
       <a:buFont typeface="Arial"/>
-      <a:defRPr b="0" i="0" sz="1400" u="none" cap="none" strike="noStrike">
+      <a:defRPr sz="1400" b="0" i="0" u="none" strike="noStrike" cap="none">
         <a:solidFill>
           <a:srgbClr val="000000"/>
         </a:solidFill>
@@ -701,11 +716,11 @@
 </file>
 
 <file path=ppt/notesSlides/notesSlide1.xml><?xml version="1.0" encoding="utf-8"?>
-<p:notes xmlns:a="http://schemas.openxmlformats.org/drawingml/2006/main" xmlns:r="http://schemas.openxmlformats.org/officeDocument/2006/relationships" xmlns:mc="http://schemas.openxmlformats.org/markup-compatibility/2006" xmlns:mv="urn:schemas-microsoft-com:mac:vml" xmlns:p="http://schemas.openxmlformats.org/presentationml/2006/main" xmlns:c="http://schemas.openxmlformats.org/drawingml/2006/chart" xmlns:dgm="http://schemas.openxmlformats.org/drawingml/2006/diagram" xmlns:o="urn:schemas-microsoft-com:office:office" xmlns:v="urn:schemas-microsoft-com:vml" xmlns:pvml="urn:schemas-microsoft-com:office:powerpoint" xmlns:com="http://schemas.openxmlformats.org/drawingml/2006/compatibility" xmlns:p14="http://schemas.microsoft.com/office/powerpoint/2010/main" xmlns:p15="http://schemas.microsoft.com/office/powerpoint/2012/main" showMasterPhAnim="0" showMasterSp="0">
+<p:notes xmlns:a="http://schemas.openxmlformats.org/drawingml/2006/main" xmlns:r="http://schemas.openxmlformats.org/officeDocument/2006/relationships" xmlns:p="http://schemas.openxmlformats.org/presentationml/2006/main" showMasterSp="0" showMasterPhAnim="0">
   <p:cSld>
     <p:spTree>
       <p:nvGrpSpPr>
-        <p:cNvPr id="50" name="Shape 50"/>
+        <p:cNvPr id="1" name="Shape 50"/>
         <p:cNvGrpSpPr/>
         <p:nvPr/>
       </p:nvGrpSpPr>
@@ -720,9 +735,11 @@
       <p:sp>
         <p:nvSpPr>
           <p:cNvPr id="51" name="Google Shape;51;p:notes"/>
-          <p:cNvSpPr/>
+          <p:cNvSpPr>
+            <a:spLocks noGrp="1" noRot="1" noChangeAspect="1"/>
+          </p:cNvSpPr>
           <p:nvPr>
-            <p:ph idx="2" type="sldImg"/>
+            <p:ph type="sldImg" idx="2"/>
           </p:nvPr>
         </p:nvSpPr>
         <p:spPr>
@@ -731,9 +748,13 @@
             <a:ext cx="6096075" cy="3429000"/>
           </a:xfrm>
           <a:custGeom>
-            <a:rect b="b" l="l" r="r" t="t"/>
+            <a:avLst/>
+            <a:gdLst/>
+            <a:ahLst/>
+            <a:cxnLst/>
+            <a:rect l="l" t="t" r="r" b="b"/>
             <a:pathLst>
-              <a:path extrusionOk="0" h="120000" w="120000">
+              <a:path w="120000" h="120000" extrusionOk="0">
                 <a:moveTo>
                   <a:pt x="0" y="0"/>
                 </a:moveTo>
@@ -755,9 +776,11 @@
       <p:sp>
         <p:nvSpPr>
           <p:cNvPr id="52" name="Google Shape;52;p:notes"/>
-          <p:cNvSpPr txBox="1"/>
+          <p:cNvSpPr txBox="1">
+            <a:spLocks noGrp="1"/>
+          </p:cNvSpPr>
           <p:nvPr>
-            <p:ph idx="1" type="body"/>
+            <p:ph type="body" idx="1"/>
           </p:nvPr>
         </p:nvSpPr>
         <p:spPr>
@@ -770,23 +793,20 @@
           </a:prstGeom>
         </p:spPr>
         <p:txBody>
-          <a:bodyPr anchorCtr="0" anchor="t" bIns="91425" lIns="91425" spcFirstLastPara="1" rIns="91425" wrap="square" tIns="91425">
+          <a:bodyPr spcFirstLastPara="1" wrap="square" lIns="91425" tIns="91425" rIns="91425" bIns="91425" anchor="t" anchorCtr="0">
             <a:noAutofit/>
           </a:bodyPr>
           <a:lstStyle/>
           <a:p>
-            <a:pPr indent="0" lvl="0" marL="0" rtl="0" algn="l">
-              <a:spcBef>
-                <a:spcPts val="0"/>
-              </a:spcBef>
-              <a:spcAft>
-                <a:spcPts val="0"/>
-              </a:spcAft>
-              <a:buNone/>
-            </a:pPr>
-            <a:r>
-              <a:t/>
-            </a:r>
+            <a:pPr marL="0" lvl="0" indent="0" algn="l" rtl="0">
+              <a:spcBef>
+                <a:spcPts val="0"/>
+              </a:spcBef>
+              <a:spcAft>
+                <a:spcPts val="0"/>
+              </a:spcAft>
+              <a:buNone/>
+            </a:pPr>
             <a:endParaRPr/>
           </a:p>
         </p:txBody>
@@ -800,11 +820,11 @@
 </file>
 
 <file path=ppt/notesSlides/notesSlide10.xml><?xml version="1.0" encoding="utf-8"?>
-<p:notes xmlns:a="http://schemas.openxmlformats.org/drawingml/2006/main" xmlns:r="http://schemas.openxmlformats.org/officeDocument/2006/relationships" xmlns:mc="http://schemas.openxmlformats.org/markup-compatibility/2006" xmlns:mv="urn:schemas-microsoft-com:mac:vml" xmlns:p="http://schemas.openxmlformats.org/presentationml/2006/main" xmlns:c="http://schemas.openxmlformats.org/drawingml/2006/chart" xmlns:dgm="http://schemas.openxmlformats.org/drawingml/2006/diagram" xmlns:o="urn:schemas-microsoft-com:office:office" xmlns:v="urn:schemas-microsoft-com:vml" xmlns:pvml="urn:schemas-microsoft-com:office:powerpoint" xmlns:com="http://schemas.openxmlformats.org/drawingml/2006/compatibility" xmlns:p14="http://schemas.microsoft.com/office/powerpoint/2010/main" xmlns:p15="http://schemas.microsoft.com/office/powerpoint/2012/main" showMasterPhAnim="0" showMasterSp="0">
+<p:notes xmlns:a="http://schemas.openxmlformats.org/drawingml/2006/main" xmlns:r="http://schemas.openxmlformats.org/officeDocument/2006/relationships" xmlns:p="http://schemas.openxmlformats.org/presentationml/2006/main" showMasterSp="0" showMasterPhAnim="0">
   <p:cSld>
     <p:spTree>
       <p:nvGrpSpPr>
-        <p:cNvPr id="108" name="Shape 108"/>
+        <p:cNvPr id="1" name="Shape 108"/>
         <p:cNvGrpSpPr/>
         <p:nvPr/>
       </p:nvGrpSpPr>
@@ -819,20 +839,26 @@
       <p:sp>
         <p:nvSpPr>
           <p:cNvPr id="109" name="Google Shape;109;g70c18c2f6f_0_63:notes"/>
-          <p:cNvSpPr/>
+          <p:cNvSpPr>
+            <a:spLocks noGrp="1" noRot="1" noChangeAspect="1"/>
+          </p:cNvSpPr>
           <p:nvPr>
-            <p:ph idx="2" type="sldImg"/>
+            <p:ph type="sldImg" idx="2"/>
           </p:nvPr>
         </p:nvSpPr>
         <p:spPr>
           <a:xfrm>
-            <a:off x="381300" y="685800"/>
+            <a:off x="381000" y="685800"/>
             <a:ext cx="6096000" cy="3429000"/>
           </a:xfrm>
           <a:custGeom>
-            <a:rect b="b" l="l" r="r" t="t"/>
+            <a:avLst/>
+            <a:gdLst/>
+            <a:ahLst/>
+            <a:cxnLst/>
+            <a:rect l="l" t="t" r="r" b="b"/>
             <a:pathLst>
-              <a:path extrusionOk="0" h="120000" w="120000">
+              <a:path w="120000" h="120000" extrusionOk="0">
                 <a:moveTo>
                   <a:pt x="0" y="0"/>
                 </a:moveTo>
@@ -854,9 +880,11 @@
       <p:sp>
         <p:nvSpPr>
           <p:cNvPr id="110" name="Google Shape;110;g70c18c2f6f_0_63:notes"/>
-          <p:cNvSpPr txBox="1"/>
+          <p:cNvSpPr txBox="1">
+            <a:spLocks noGrp="1"/>
+          </p:cNvSpPr>
           <p:nvPr>
-            <p:ph idx="1" type="body"/>
+            <p:ph type="body" idx="1"/>
           </p:nvPr>
         </p:nvSpPr>
         <p:spPr>
@@ -869,23 +897,20 @@
           </a:prstGeom>
         </p:spPr>
         <p:txBody>
-          <a:bodyPr anchorCtr="0" anchor="t" bIns="91425" lIns="91425" spcFirstLastPara="1" rIns="91425" wrap="square" tIns="91425">
+          <a:bodyPr spcFirstLastPara="1" wrap="square" lIns="91425" tIns="91425" rIns="91425" bIns="91425" anchor="t" anchorCtr="0">
             <a:noAutofit/>
           </a:bodyPr>
           <a:lstStyle/>
           <a:p>
-            <a:pPr indent="0" lvl="0" marL="0" rtl="0" algn="l">
-              <a:spcBef>
-                <a:spcPts val="0"/>
-              </a:spcBef>
-              <a:spcAft>
-                <a:spcPts val="0"/>
-              </a:spcAft>
-              <a:buNone/>
-            </a:pPr>
-            <a:r>
-              <a:t/>
-            </a:r>
+            <a:pPr marL="0" lvl="0" indent="0" algn="l" rtl="0">
+              <a:spcBef>
+                <a:spcPts val="0"/>
+              </a:spcBef>
+              <a:spcAft>
+                <a:spcPts val="0"/>
+              </a:spcAft>
+              <a:buNone/>
+            </a:pPr>
             <a:endParaRPr/>
           </a:p>
         </p:txBody>
@@ -899,11 +924,11 @@
 </file>
 
 <file path=ppt/notesSlides/notesSlide11.xml><?xml version="1.0" encoding="utf-8"?>
-<p:notes xmlns:a="http://schemas.openxmlformats.org/drawingml/2006/main" xmlns:r="http://schemas.openxmlformats.org/officeDocument/2006/relationships" xmlns:mc="http://schemas.openxmlformats.org/markup-compatibility/2006" xmlns:mv="urn:schemas-microsoft-com:mac:vml" xmlns:p="http://schemas.openxmlformats.org/presentationml/2006/main" xmlns:c="http://schemas.openxmlformats.org/drawingml/2006/chart" xmlns:dgm="http://schemas.openxmlformats.org/drawingml/2006/diagram" xmlns:o="urn:schemas-microsoft-com:office:office" xmlns:v="urn:schemas-microsoft-com:vml" xmlns:pvml="urn:schemas-microsoft-com:office:powerpoint" xmlns:com="http://schemas.openxmlformats.org/drawingml/2006/compatibility" xmlns:p14="http://schemas.microsoft.com/office/powerpoint/2010/main" xmlns:p15="http://schemas.microsoft.com/office/powerpoint/2012/main" showMasterPhAnim="0" showMasterSp="0">
+<p:notes xmlns:a="http://schemas.openxmlformats.org/drawingml/2006/main" xmlns:r="http://schemas.openxmlformats.org/officeDocument/2006/relationships" xmlns:p="http://schemas.openxmlformats.org/presentationml/2006/main" showMasterSp="0" showMasterPhAnim="0">
   <p:cSld>
     <p:spTree>
       <p:nvGrpSpPr>
-        <p:cNvPr id="114" name="Shape 114"/>
+        <p:cNvPr id="1" name="Shape 114"/>
         <p:cNvGrpSpPr/>
         <p:nvPr/>
       </p:nvGrpSpPr>
@@ -918,9 +943,11 @@
       <p:sp>
         <p:nvSpPr>
           <p:cNvPr id="115" name="Google Shape;115;g70c18c2f6f_0_70:notes"/>
-          <p:cNvSpPr/>
+          <p:cNvSpPr>
+            <a:spLocks noGrp="1" noRot="1" noChangeAspect="1"/>
+          </p:cNvSpPr>
           <p:nvPr>
-            <p:ph idx="2" type="sldImg"/>
+            <p:ph type="sldImg" idx="2"/>
           </p:nvPr>
         </p:nvSpPr>
         <p:spPr>
@@ -929,9 +956,13 @@
             <a:ext cx="6096000" cy="3429000"/>
           </a:xfrm>
           <a:custGeom>
-            <a:rect b="b" l="l" r="r" t="t"/>
+            <a:avLst/>
+            <a:gdLst/>
+            <a:ahLst/>
+            <a:cxnLst/>
+            <a:rect l="l" t="t" r="r" b="b"/>
             <a:pathLst>
-              <a:path extrusionOk="0" h="120000" w="120000">
+              <a:path w="120000" h="120000" extrusionOk="0">
                 <a:moveTo>
                   <a:pt x="0" y="0"/>
                 </a:moveTo>
@@ -953,9 +984,11 @@
       <p:sp>
         <p:nvSpPr>
           <p:cNvPr id="116" name="Google Shape;116;g70c18c2f6f_0_70:notes"/>
-          <p:cNvSpPr txBox="1"/>
+          <p:cNvSpPr txBox="1">
+            <a:spLocks noGrp="1"/>
+          </p:cNvSpPr>
           <p:nvPr>
-            <p:ph idx="1" type="body"/>
+            <p:ph type="body" idx="1"/>
           </p:nvPr>
         </p:nvSpPr>
         <p:spPr>
@@ -968,23 +1001,20 @@
           </a:prstGeom>
         </p:spPr>
         <p:txBody>
-          <a:bodyPr anchorCtr="0" anchor="t" bIns="91425" lIns="91425" spcFirstLastPara="1" rIns="91425" wrap="square" tIns="91425">
+          <a:bodyPr spcFirstLastPara="1" wrap="square" lIns="91425" tIns="91425" rIns="91425" bIns="91425" anchor="t" anchorCtr="0">
             <a:noAutofit/>
           </a:bodyPr>
           <a:lstStyle/>
           <a:p>
-            <a:pPr indent="0" lvl="0" marL="0" rtl="0" algn="l">
-              <a:spcBef>
-                <a:spcPts val="0"/>
-              </a:spcBef>
-              <a:spcAft>
-                <a:spcPts val="0"/>
-              </a:spcAft>
-              <a:buNone/>
-            </a:pPr>
-            <a:r>
-              <a:t/>
-            </a:r>
+            <a:pPr marL="0" lvl="0" indent="0" algn="l" rtl="0">
+              <a:spcBef>
+                <a:spcPts val="0"/>
+              </a:spcBef>
+              <a:spcAft>
+                <a:spcPts val="0"/>
+              </a:spcAft>
+              <a:buNone/>
+            </a:pPr>
             <a:endParaRPr/>
           </a:p>
         </p:txBody>
@@ -998,11 +1028,11 @@
 </file>
 
 <file path=ppt/notesSlides/notesSlide12.xml><?xml version="1.0" encoding="utf-8"?>
-<p:notes xmlns:a="http://schemas.openxmlformats.org/drawingml/2006/main" xmlns:r="http://schemas.openxmlformats.org/officeDocument/2006/relationships" xmlns:mc="http://schemas.openxmlformats.org/markup-compatibility/2006" xmlns:mv="urn:schemas-microsoft-com:mac:vml" xmlns:p="http://schemas.openxmlformats.org/presentationml/2006/main" xmlns:c="http://schemas.openxmlformats.org/drawingml/2006/chart" xmlns:dgm="http://schemas.openxmlformats.org/drawingml/2006/diagram" xmlns:o="urn:schemas-microsoft-com:office:office" xmlns:v="urn:schemas-microsoft-com:vml" xmlns:pvml="urn:schemas-microsoft-com:office:powerpoint" xmlns:com="http://schemas.openxmlformats.org/drawingml/2006/compatibility" xmlns:p14="http://schemas.microsoft.com/office/powerpoint/2010/main" xmlns:p15="http://schemas.microsoft.com/office/powerpoint/2012/main" showMasterPhAnim="0" showMasterSp="0">
+<p:notes xmlns:a="http://schemas.openxmlformats.org/drawingml/2006/main" xmlns:r="http://schemas.openxmlformats.org/officeDocument/2006/relationships" xmlns:p="http://schemas.openxmlformats.org/presentationml/2006/main" showMasterSp="0" showMasterPhAnim="0">
   <p:cSld>
     <p:spTree>
       <p:nvGrpSpPr>
-        <p:cNvPr id="120" name="Shape 120"/>
+        <p:cNvPr id="1" name="Shape 120"/>
         <p:cNvGrpSpPr/>
         <p:nvPr/>
       </p:nvGrpSpPr>
@@ -1017,9 +1047,11 @@
       <p:sp>
         <p:nvSpPr>
           <p:cNvPr id="121" name="Google Shape;121;g70c18c2f6f_0_75:notes"/>
-          <p:cNvSpPr/>
+          <p:cNvSpPr>
+            <a:spLocks noGrp="1" noRot="1" noChangeAspect="1"/>
+          </p:cNvSpPr>
           <p:nvPr>
-            <p:ph idx="2" type="sldImg"/>
+            <p:ph type="sldImg" idx="2"/>
           </p:nvPr>
         </p:nvSpPr>
         <p:spPr>
@@ -1028,9 +1060,13 @@
             <a:ext cx="6096000" cy="3429000"/>
           </a:xfrm>
           <a:custGeom>
-            <a:rect b="b" l="l" r="r" t="t"/>
+            <a:avLst/>
+            <a:gdLst/>
+            <a:ahLst/>
+            <a:cxnLst/>
+            <a:rect l="l" t="t" r="r" b="b"/>
             <a:pathLst>
-              <a:path extrusionOk="0" h="120000" w="120000">
+              <a:path w="120000" h="120000" extrusionOk="0">
                 <a:moveTo>
                   <a:pt x="0" y="0"/>
                 </a:moveTo>
@@ -1052,9 +1088,11 @@
       <p:sp>
         <p:nvSpPr>
           <p:cNvPr id="122" name="Google Shape;122;g70c18c2f6f_0_75:notes"/>
-          <p:cNvSpPr txBox="1"/>
+          <p:cNvSpPr txBox="1">
+            <a:spLocks noGrp="1"/>
+          </p:cNvSpPr>
           <p:nvPr>
-            <p:ph idx="1" type="body"/>
+            <p:ph type="body" idx="1"/>
           </p:nvPr>
         </p:nvSpPr>
         <p:spPr>
@@ -1067,23 +1105,20 @@
           </a:prstGeom>
         </p:spPr>
         <p:txBody>
-          <a:bodyPr anchorCtr="0" anchor="t" bIns="91425" lIns="91425" spcFirstLastPara="1" rIns="91425" wrap="square" tIns="91425">
+          <a:bodyPr spcFirstLastPara="1" wrap="square" lIns="91425" tIns="91425" rIns="91425" bIns="91425" anchor="t" anchorCtr="0">
             <a:noAutofit/>
           </a:bodyPr>
           <a:lstStyle/>
           <a:p>
-            <a:pPr indent="0" lvl="0" marL="0" rtl="0" algn="l">
-              <a:spcBef>
-                <a:spcPts val="0"/>
-              </a:spcBef>
-              <a:spcAft>
-                <a:spcPts val="0"/>
-              </a:spcAft>
-              <a:buNone/>
-            </a:pPr>
-            <a:r>
-              <a:t/>
-            </a:r>
+            <a:pPr marL="0" lvl="0" indent="0" algn="l" rtl="0">
+              <a:spcBef>
+                <a:spcPts val="0"/>
+              </a:spcBef>
+              <a:spcAft>
+                <a:spcPts val="0"/>
+              </a:spcAft>
+              <a:buNone/>
+            </a:pPr>
             <a:endParaRPr/>
           </a:p>
         </p:txBody>
@@ -1097,11 +1132,11 @@
 </file>
 
 <file path=ppt/notesSlides/notesSlide13.xml><?xml version="1.0" encoding="utf-8"?>
-<p:notes xmlns:a="http://schemas.openxmlformats.org/drawingml/2006/main" xmlns:r="http://schemas.openxmlformats.org/officeDocument/2006/relationships" xmlns:mc="http://schemas.openxmlformats.org/markup-compatibility/2006" xmlns:mv="urn:schemas-microsoft-com:mac:vml" xmlns:p="http://schemas.openxmlformats.org/presentationml/2006/main" xmlns:c="http://schemas.openxmlformats.org/drawingml/2006/chart" xmlns:dgm="http://schemas.openxmlformats.org/drawingml/2006/diagram" xmlns:o="urn:schemas-microsoft-com:office:office" xmlns:v="urn:schemas-microsoft-com:vml" xmlns:pvml="urn:schemas-microsoft-com:office:powerpoint" xmlns:com="http://schemas.openxmlformats.org/drawingml/2006/compatibility" xmlns:p14="http://schemas.microsoft.com/office/powerpoint/2010/main" xmlns:p15="http://schemas.microsoft.com/office/powerpoint/2012/main" showMasterPhAnim="0" showMasterSp="0">
+<p:notes xmlns:a="http://schemas.openxmlformats.org/drawingml/2006/main" xmlns:r="http://schemas.openxmlformats.org/officeDocument/2006/relationships" xmlns:p="http://schemas.openxmlformats.org/presentationml/2006/main" showMasterSp="0" showMasterPhAnim="0">
   <p:cSld>
     <p:spTree>
       <p:nvGrpSpPr>
-        <p:cNvPr id="127" name="Shape 127"/>
+        <p:cNvPr id="1" name="Shape 127"/>
         <p:cNvGrpSpPr/>
         <p:nvPr/>
       </p:nvGrpSpPr>
@@ -1116,9 +1151,11 @@
       <p:sp>
         <p:nvSpPr>
           <p:cNvPr id="128" name="Google Shape;128;g70c18c2f6f_0_83:notes"/>
-          <p:cNvSpPr/>
+          <p:cNvSpPr>
+            <a:spLocks noGrp="1" noRot="1" noChangeAspect="1"/>
+          </p:cNvSpPr>
           <p:nvPr>
-            <p:ph idx="2" type="sldImg"/>
+            <p:ph type="sldImg" idx="2"/>
           </p:nvPr>
         </p:nvSpPr>
         <p:spPr>
@@ -1127,9 +1164,13 @@
             <a:ext cx="6096000" cy="3429000"/>
           </a:xfrm>
           <a:custGeom>
-            <a:rect b="b" l="l" r="r" t="t"/>
+            <a:avLst/>
+            <a:gdLst/>
+            <a:ahLst/>
+            <a:cxnLst/>
+            <a:rect l="l" t="t" r="r" b="b"/>
             <a:pathLst>
-              <a:path extrusionOk="0" h="120000" w="120000">
+              <a:path w="120000" h="120000" extrusionOk="0">
                 <a:moveTo>
                   <a:pt x="0" y="0"/>
                 </a:moveTo>
@@ -1151,9 +1192,11 @@
       <p:sp>
         <p:nvSpPr>
           <p:cNvPr id="129" name="Google Shape;129;g70c18c2f6f_0_83:notes"/>
-          <p:cNvSpPr txBox="1"/>
+          <p:cNvSpPr txBox="1">
+            <a:spLocks noGrp="1"/>
+          </p:cNvSpPr>
           <p:nvPr>
-            <p:ph idx="1" type="body"/>
+            <p:ph type="body" idx="1"/>
           </p:nvPr>
         </p:nvSpPr>
         <p:spPr>
@@ -1166,23 +1209,20 @@
           </a:prstGeom>
         </p:spPr>
         <p:txBody>
-          <a:bodyPr anchorCtr="0" anchor="t" bIns="91425" lIns="91425" spcFirstLastPara="1" rIns="91425" wrap="square" tIns="91425">
+          <a:bodyPr spcFirstLastPara="1" wrap="square" lIns="91425" tIns="91425" rIns="91425" bIns="91425" anchor="t" anchorCtr="0">
             <a:noAutofit/>
           </a:bodyPr>
           <a:lstStyle/>
           <a:p>
-            <a:pPr indent="0" lvl="0" marL="0" rtl="0" algn="l">
-              <a:spcBef>
-                <a:spcPts val="0"/>
-              </a:spcBef>
-              <a:spcAft>
-                <a:spcPts val="0"/>
-              </a:spcAft>
-              <a:buNone/>
-            </a:pPr>
-            <a:r>
-              <a:t/>
-            </a:r>
+            <a:pPr marL="0" lvl="0" indent="0" algn="l" rtl="0">
+              <a:spcBef>
+                <a:spcPts val="0"/>
+              </a:spcBef>
+              <a:spcAft>
+                <a:spcPts val="0"/>
+              </a:spcAft>
+              <a:buNone/>
+            </a:pPr>
             <a:endParaRPr/>
           </a:p>
         </p:txBody>
@@ -1196,11 +1236,11 @@
 </file>
 
 <file path=ppt/notesSlides/notesSlide14.xml><?xml version="1.0" encoding="utf-8"?>
-<p:notes xmlns:a="http://schemas.openxmlformats.org/drawingml/2006/main" xmlns:r="http://schemas.openxmlformats.org/officeDocument/2006/relationships" xmlns:mc="http://schemas.openxmlformats.org/markup-compatibility/2006" xmlns:mv="urn:schemas-microsoft-com:mac:vml" xmlns:p="http://schemas.openxmlformats.org/presentationml/2006/main" xmlns:c="http://schemas.openxmlformats.org/drawingml/2006/chart" xmlns:dgm="http://schemas.openxmlformats.org/drawingml/2006/diagram" xmlns:o="urn:schemas-microsoft-com:office:office" xmlns:v="urn:schemas-microsoft-com:vml" xmlns:pvml="urn:schemas-microsoft-com:office:powerpoint" xmlns:com="http://schemas.openxmlformats.org/drawingml/2006/compatibility" xmlns:p14="http://schemas.microsoft.com/office/powerpoint/2010/main" xmlns:p15="http://schemas.microsoft.com/office/powerpoint/2012/main" showMasterPhAnim="0" showMasterSp="0">
+<p:notes xmlns:a="http://schemas.openxmlformats.org/drawingml/2006/main" xmlns:r="http://schemas.openxmlformats.org/officeDocument/2006/relationships" xmlns:p="http://schemas.openxmlformats.org/presentationml/2006/main" showMasterSp="0" showMasterPhAnim="0">
   <p:cSld>
     <p:spTree>
       <p:nvGrpSpPr>
-        <p:cNvPr id="133" name="Shape 133"/>
+        <p:cNvPr id="1" name="Shape 133"/>
         <p:cNvGrpSpPr/>
         <p:nvPr/>
       </p:nvGrpSpPr>
@@ -1215,9 +1255,11 @@
       <p:sp>
         <p:nvSpPr>
           <p:cNvPr id="134" name="Google Shape;134;g70c18c2f6f_0_90:notes"/>
-          <p:cNvSpPr/>
+          <p:cNvSpPr>
+            <a:spLocks noGrp="1" noRot="1" noChangeAspect="1"/>
+          </p:cNvSpPr>
           <p:nvPr>
-            <p:ph idx="2" type="sldImg"/>
+            <p:ph type="sldImg" idx="2"/>
           </p:nvPr>
         </p:nvSpPr>
         <p:spPr>
@@ -1226,9 +1268,13 @@
             <a:ext cx="6096000" cy="3429000"/>
           </a:xfrm>
           <a:custGeom>
-            <a:rect b="b" l="l" r="r" t="t"/>
+            <a:avLst/>
+            <a:gdLst/>
+            <a:ahLst/>
+            <a:cxnLst/>
+            <a:rect l="l" t="t" r="r" b="b"/>
             <a:pathLst>
-              <a:path extrusionOk="0" h="120000" w="120000">
+              <a:path w="120000" h="120000" extrusionOk="0">
                 <a:moveTo>
                   <a:pt x="0" y="0"/>
                 </a:moveTo>
@@ -1250,9 +1296,11 @@
       <p:sp>
         <p:nvSpPr>
           <p:cNvPr id="135" name="Google Shape;135;g70c18c2f6f_0_90:notes"/>
-          <p:cNvSpPr txBox="1"/>
+          <p:cNvSpPr txBox="1">
+            <a:spLocks noGrp="1"/>
+          </p:cNvSpPr>
           <p:nvPr>
-            <p:ph idx="1" type="body"/>
+            <p:ph type="body" idx="1"/>
           </p:nvPr>
         </p:nvSpPr>
         <p:spPr>
@@ -1265,23 +1313,20 @@
           </a:prstGeom>
         </p:spPr>
         <p:txBody>
-          <a:bodyPr anchorCtr="0" anchor="t" bIns="91425" lIns="91425" spcFirstLastPara="1" rIns="91425" wrap="square" tIns="91425">
+          <a:bodyPr spcFirstLastPara="1" wrap="square" lIns="91425" tIns="91425" rIns="91425" bIns="91425" anchor="t" anchorCtr="0">
             <a:noAutofit/>
           </a:bodyPr>
           <a:lstStyle/>
           <a:p>
-            <a:pPr indent="0" lvl="0" marL="0" rtl="0" algn="l">
-              <a:spcBef>
-                <a:spcPts val="0"/>
-              </a:spcBef>
-              <a:spcAft>
-                <a:spcPts val="0"/>
-              </a:spcAft>
-              <a:buNone/>
-            </a:pPr>
-            <a:r>
-              <a:t/>
-            </a:r>
+            <a:pPr marL="0" lvl="0" indent="0" algn="l" rtl="0">
+              <a:spcBef>
+                <a:spcPts val="0"/>
+              </a:spcBef>
+              <a:spcAft>
+                <a:spcPts val="0"/>
+              </a:spcAft>
+              <a:buNone/>
+            </a:pPr>
             <a:endParaRPr/>
           </a:p>
         </p:txBody>
@@ -1295,11 +1340,11 @@
 </file>
 
 <file path=ppt/notesSlides/notesSlide15.xml><?xml version="1.0" encoding="utf-8"?>
-<p:notes xmlns:a="http://schemas.openxmlformats.org/drawingml/2006/main" xmlns:r="http://schemas.openxmlformats.org/officeDocument/2006/relationships" xmlns:mc="http://schemas.openxmlformats.org/markup-compatibility/2006" xmlns:mv="urn:schemas-microsoft-com:mac:vml" xmlns:p="http://schemas.openxmlformats.org/presentationml/2006/main" xmlns:c="http://schemas.openxmlformats.org/drawingml/2006/chart" xmlns:dgm="http://schemas.openxmlformats.org/drawingml/2006/diagram" xmlns:o="urn:schemas-microsoft-com:office:office" xmlns:v="urn:schemas-microsoft-com:vml" xmlns:pvml="urn:schemas-microsoft-com:office:powerpoint" xmlns:com="http://schemas.openxmlformats.org/drawingml/2006/compatibility" xmlns:p14="http://schemas.microsoft.com/office/powerpoint/2010/main" xmlns:p15="http://schemas.microsoft.com/office/powerpoint/2012/main" showMasterPhAnim="0" showMasterSp="0">
+<p:notes xmlns:a="http://schemas.openxmlformats.org/drawingml/2006/main" xmlns:r="http://schemas.openxmlformats.org/officeDocument/2006/relationships" xmlns:p="http://schemas.openxmlformats.org/presentationml/2006/main" showMasterSp="0" showMasterPhAnim="0">
   <p:cSld>
     <p:spTree>
       <p:nvGrpSpPr>
-        <p:cNvPr id="139" name="Shape 139"/>
+        <p:cNvPr id="1" name="Shape 139"/>
         <p:cNvGrpSpPr/>
         <p:nvPr/>
       </p:nvGrpSpPr>
@@ -1314,9 +1359,11 @@
       <p:sp>
         <p:nvSpPr>
           <p:cNvPr id="140" name="Google Shape;140;g70c18c2f6f_0_24:notes"/>
-          <p:cNvSpPr/>
+          <p:cNvSpPr>
+            <a:spLocks noGrp="1" noRot="1" noChangeAspect="1"/>
+          </p:cNvSpPr>
           <p:nvPr>
-            <p:ph idx="2" type="sldImg"/>
+            <p:ph type="sldImg" idx="2"/>
           </p:nvPr>
         </p:nvSpPr>
         <p:spPr>
@@ -1325,9 +1372,13 @@
             <a:ext cx="6096000" cy="3429000"/>
           </a:xfrm>
           <a:custGeom>
-            <a:rect b="b" l="l" r="r" t="t"/>
+            <a:avLst/>
+            <a:gdLst/>
+            <a:ahLst/>
+            <a:cxnLst/>
+            <a:rect l="l" t="t" r="r" b="b"/>
             <a:pathLst>
-              <a:path extrusionOk="0" h="120000" w="120000">
+              <a:path w="120000" h="120000" extrusionOk="0">
                 <a:moveTo>
                   <a:pt x="0" y="0"/>
                 </a:moveTo>
@@ -1349,9 +1400,11 @@
       <p:sp>
         <p:nvSpPr>
           <p:cNvPr id="141" name="Google Shape;141;g70c18c2f6f_0_24:notes"/>
-          <p:cNvSpPr txBox="1"/>
+          <p:cNvSpPr txBox="1">
+            <a:spLocks noGrp="1"/>
+          </p:cNvSpPr>
           <p:nvPr>
-            <p:ph idx="1" type="body"/>
+            <p:ph type="body" idx="1"/>
           </p:nvPr>
         </p:nvSpPr>
         <p:spPr>
@@ -1364,23 +1417,20 @@
           </a:prstGeom>
         </p:spPr>
         <p:txBody>
-          <a:bodyPr anchorCtr="0" anchor="t" bIns="91425" lIns="91425" spcFirstLastPara="1" rIns="91425" wrap="square" tIns="91425">
+          <a:bodyPr spcFirstLastPara="1" wrap="square" lIns="91425" tIns="91425" rIns="91425" bIns="91425" anchor="t" anchorCtr="0">
             <a:noAutofit/>
           </a:bodyPr>
           <a:lstStyle/>
           <a:p>
-            <a:pPr indent="0" lvl="0" marL="0" rtl="0" algn="l">
-              <a:spcBef>
-                <a:spcPts val="0"/>
-              </a:spcBef>
-              <a:spcAft>
-                <a:spcPts val="0"/>
-              </a:spcAft>
-              <a:buNone/>
-            </a:pPr>
-            <a:r>
-              <a:t/>
-            </a:r>
+            <a:pPr marL="0" lvl="0" indent="0" algn="l" rtl="0">
+              <a:spcBef>
+                <a:spcPts val="0"/>
+              </a:spcBef>
+              <a:spcAft>
+                <a:spcPts val="0"/>
+              </a:spcAft>
+              <a:buNone/>
+            </a:pPr>
             <a:endParaRPr/>
           </a:p>
         </p:txBody>
@@ -1394,11 +1444,11 @@
 </file>
 
 <file path=ppt/notesSlides/notesSlide2.xml><?xml version="1.0" encoding="utf-8"?>
-<p:notes xmlns:a="http://schemas.openxmlformats.org/drawingml/2006/main" xmlns:r="http://schemas.openxmlformats.org/officeDocument/2006/relationships" xmlns:mc="http://schemas.openxmlformats.org/markup-compatibility/2006" xmlns:mv="urn:schemas-microsoft-com:mac:vml" xmlns:p="http://schemas.openxmlformats.org/presentationml/2006/main" xmlns:c="http://schemas.openxmlformats.org/drawingml/2006/chart" xmlns:dgm="http://schemas.openxmlformats.org/drawingml/2006/diagram" xmlns:o="urn:schemas-microsoft-com:office:office" xmlns:v="urn:schemas-microsoft-com:vml" xmlns:pvml="urn:schemas-microsoft-com:office:powerpoint" xmlns:com="http://schemas.openxmlformats.org/drawingml/2006/compatibility" xmlns:p14="http://schemas.microsoft.com/office/powerpoint/2010/main" xmlns:p15="http://schemas.microsoft.com/office/powerpoint/2012/main" showMasterPhAnim="0" showMasterSp="0">
+<p:notes xmlns:a="http://schemas.openxmlformats.org/drawingml/2006/main" xmlns:r="http://schemas.openxmlformats.org/officeDocument/2006/relationships" xmlns:p="http://schemas.openxmlformats.org/presentationml/2006/main" showMasterSp="0" showMasterPhAnim="0">
   <p:cSld>
     <p:spTree>
       <p:nvGrpSpPr>
-        <p:cNvPr id="57" name="Shape 57"/>
+        <p:cNvPr id="1" name="Shape 57"/>
         <p:cNvGrpSpPr/>
         <p:nvPr/>
       </p:nvGrpSpPr>
@@ -1413,9 +1463,11 @@
       <p:sp>
         <p:nvSpPr>
           <p:cNvPr id="58" name="Google Shape;58;g70c18c2f6f_0_1:notes"/>
-          <p:cNvSpPr/>
+          <p:cNvSpPr>
+            <a:spLocks noGrp="1" noRot="1" noChangeAspect="1"/>
+          </p:cNvSpPr>
           <p:nvPr>
-            <p:ph idx="2" type="sldImg"/>
+            <p:ph type="sldImg" idx="2"/>
           </p:nvPr>
         </p:nvSpPr>
         <p:spPr>
@@ -1424,9 +1476,13 @@
             <a:ext cx="6096000" cy="3429000"/>
           </a:xfrm>
           <a:custGeom>
-            <a:rect b="b" l="l" r="r" t="t"/>
+            <a:avLst/>
+            <a:gdLst/>
+            <a:ahLst/>
+            <a:cxnLst/>
+            <a:rect l="l" t="t" r="r" b="b"/>
             <a:pathLst>
-              <a:path extrusionOk="0" h="120000" w="120000">
+              <a:path w="120000" h="120000" extrusionOk="0">
                 <a:moveTo>
                   <a:pt x="0" y="0"/>
                 </a:moveTo>
@@ -1448,9 +1504,11 @@
       <p:sp>
         <p:nvSpPr>
           <p:cNvPr id="59" name="Google Shape;59;g70c18c2f6f_0_1:notes"/>
-          <p:cNvSpPr txBox="1"/>
+          <p:cNvSpPr txBox="1">
+            <a:spLocks noGrp="1"/>
+          </p:cNvSpPr>
           <p:nvPr>
-            <p:ph idx="1" type="body"/>
+            <p:ph type="body" idx="1"/>
           </p:nvPr>
         </p:nvSpPr>
         <p:spPr>
@@ -1463,23 +1521,20 @@
           </a:prstGeom>
         </p:spPr>
         <p:txBody>
-          <a:bodyPr anchorCtr="0" anchor="t" bIns="91425" lIns="91425" spcFirstLastPara="1" rIns="91425" wrap="square" tIns="91425">
+          <a:bodyPr spcFirstLastPara="1" wrap="square" lIns="91425" tIns="91425" rIns="91425" bIns="91425" anchor="t" anchorCtr="0">
             <a:noAutofit/>
           </a:bodyPr>
           <a:lstStyle/>
           <a:p>
-            <a:pPr indent="0" lvl="0" marL="0" rtl="0" algn="l">
-              <a:spcBef>
-                <a:spcPts val="0"/>
-              </a:spcBef>
-              <a:spcAft>
-                <a:spcPts val="0"/>
-              </a:spcAft>
-              <a:buNone/>
-            </a:pPr>
-            <a:r>
-              <a:t/>
-            </a:r>
+            <a:pPr marL="0" lvl="0" indent="0" algn="l" rtl="0">
+              <a:spcBef>
+                <a:spcPts val="0"/>
+              </a:spcBef>
+              <a:spcAft>
+                <a:spcPts val="0"/>
+              </a:spcAft>
+              <a:buNone/>
+            </a:pPr>
             <a:endParaRPr/>
           </a:p>
         </p:txBody>
@@ -1493,11 +1548,11 @@
 </file>
 
 <file path=ppt/notesSlides/notesSlide3.xml><?xml version="1.0" encoding="utf-8"?>
-<p:notes xmlns:a="http://schemas.openxmlformats.org/drawingml/2006/main" xmlns:r="http://schemas.openxmlformats.org/officeDocument/2006/relationships" xmlns:mc="http://schemas.openxmlformats.org/markup-compatibility/2006" xmlns:mv="urn:schemas-microsoft-com:mac:vml" xmlns:p="http://schemas.openxmlformats.org/presentationml/2006/main" xmlns:c="http://schemas.openxmlformats.org/drawingml/2006/chart" xmlns:dgm="http://schemas.openxmlformats.org/drawingml/2006/diagram" xmlns:o="urn:schemas-microsoft-com:office:office" xmlns:v="urn:schemas-microsoft-com:vml" xmlns:pvml="urn:schemas-microsoft-com:office:powerpoint" xmlns:com="http://schemas.openxmlformats.org/drawingml/2006/compatibility" xmlns:p14="http://schemas.microsoft.com/office/powerpoint/2010/main" xmlns:p15="http://schemas.microsoft.com/office/powerpoint/2012/main" showMasterPhAnim="0" showMasterSp="0">
+<p:notes xmlns:a="http://schemas.openxmlformats.org/drawingml/2006/main" xmlns:r="http://schemas.openxmlformats.org/officeDocument/2006/relationships" xmlns:p="http://schemas.openxmlformats.org/presentationml/2006/main" showMasterSp="0" showMasterPhAnim="0">
   <p:cSld>
     <p:spTree>
       <p:nvGrpSpPr>
-        <p:cNvPr id="63" name="Shape 63"/>
+        <p:cNvPr id="1" name="Shape 63"/>
         <p:cNvGrpSpPr/>
         <p:nvPr/>
       </p:nvGrpSpPr>
@@ -1512,9 +1567,11 @@
       <p:sp>
         <p:nvSpPr>
           <p:cNvPr id="64" name="Google Shape;64;g70c18c2f6f_0_7:notes"/>
-          <p:cNvSpPr/>
+          <p:cNvSpPr>
+            <a:spLocks noGrp="1" noRot="1" noChangeAspect="1"/>
+          </p:cNvSpPr>
           <p:nvPr>
-            <p:ph idx="2" type="sldImg"/>
+            <p:ph type="sldImg" idx="2"/>
           </p:nvPr>
         </p:nvSpPr>
         <p:spPr>
@@ -1523,9 +1580,13 @@
             <a:ext cx="6096000" cy="3429000"/>
           </a:xfrm>
           <a:custGeom>
-            <a:rect b="b" l="l" r="r" t="t"/>
+            <a:avLst/>
+            <a:gdLst/>
+            <a:ahLst/>
+            <a:cxnLst/>
+            <a:rect l="l" t="t" r="r" b="b"/>
             <a:pathLst>
-              <a:path extrusionOk="0" h="120000" w="120000">
+              <a:path w="120000" h="120000" extrusionOk="0">
                 <a:moveTo>
                   <a:pt x="0" y="0"/>
                 </a:moveTo>
@@ -1547,9 +1608,11 @@
       <p:sp>
         <p:nvSpPr>
           <p:cNvPr id="65" name="Google Shape;65;g70c18c2f6f_0_7:notes"/>
-          <p:cNvSpPr txBox="1"/>
+          <p:cNvSpPr txBox="1">
+            <a:spLocks noGrp="1"/>
+          </p:cNvSpPr>
           <p:nvPr>
-            <p:ph idx="1" type="body"/>
+            <p:ph type="body" idx="1"/>
           </p:nvPr>
         </p:nvSpPr>
         <p:spPr>
@@ -1562,23 +1625,20 @@
           </a:prstGeom>
         </p:spPr>
         <p:txBody>
-          <a:bodyPr anchorCtr="0" anchor="t" bIns="91425" lIns="91425" spcFirstLastPara="1" rIns="91425" wrap="square" tIns="91425">
+          <a:bodyPr spcFirstLastPara="1" wrap="square" lIns="91425" tIns="91425" rIns="91425" bIns="91425" anchor="t" anchorCtr="0">
             <a:noAutofit/>
           </a:bodyPr>
           <a:lstStyle/>
           <a:p>
-            <a:pPr indent="0" lvl="0" marL="0" rtl="0" algn="l">
-              <a:spcBef>
-                <a:spcPts val="0"/>
-              </a:spcBef>
-              <a:spcAft>
-                <a:spcPts val="0"/>
-              </a:spcAft>
-              <a:buNone/>
-            </a:pPr>
-            <a:r>
-              <a:t/>
-            </a:r>
+            <a:pPr marL="0" lvl="0" indent="0" algn="l" rtl="0">
+              <a:spcBef>
+                <a:spcPts val="0"/>
+              </a:spcBef>
+              <a:spcAft>
+                <a:spcPts val="0"/>
+              </a:spcAft>
+              <a:buNone/>
+            </a:pPr>
             <a:endParaRPr/>
           </a:p>
         </p:txBody>
@@ -1592,11 +1652,11 @@
 </file>
 
 <file path=ppt/notesSlides/notesSlide4.xml><?xml version="1.0" encoding="utf-8"?>
-<p:notes xmlns:a="http://schemas.openxmlformats.org/drawingml/2006/main" xmlns:r="http://schemas.openxmlformats.org/officeDocument/2006/relationships" xmlns:mc="http://schemas.openxmlformats.org/markup-compatibility/2006" xmlns:mv="urn:schemas-microsoft-com:mac:vml" xmlns:p="http://schemas.openxmlformats.org/presentationml/2006/main" xmlns:c="http://schemas.openxmlformats.org/drawingml/2006/chart" xmlns:dgm="http://schemas.openxmlformats.org/drawingml/2006/diagram" xmlns:o="urn:schemas-microsoft-com:office:office" xmlns:v="urn:schemas-microsoft-com:vml" xmlns:pvml="urn:schemas-microsoft-com:office:powerpoint" xmlns:com="http://schemas.openxmlformats.org/drawingml/2006/compatibility" xmlns:p14="http://schemas.microsoft.com/office/powerpoint/2010/main" xmlns:p15="http://schemas.microsoft.com/office/powerpoint/2012/main" showMasterPhAnim="0" showMasterSp="0">
+<p:notes xmlns:a="http://schemas.openxmlformats.org/drawingml/2006/main" xmlns:r="http://schemas.openxmlformats.org/officeDocument/2006/relationships" xmlns:p="http://schemas.openxmlformats.org/presentationml/2006/main" showMasterSp="0" showMasterPhAnim="0">
   <p:cSld>
     <p:spTree>
       <p:nvGrpSpPr>
-        <p:cNvPr id="70" name="Shape 70"/>
+        <p:cNvPr id="1" name="Shape 70"/>
         <p:cNvGrpSpPr/>
         <p:nvPr/>
       </p:nvGrpSpPr>
@@ -1611,9 +1671,11 @@
       <p:sp>
         <p:nvSpPr>
           <p:cNvPr id="71" name="Google Shape;71;g70c18c2f6f_0_14:notes"/>
-          <p:cNvSpPr/>
+          <p:cNvSpPr>
+            <a:spLocks noGrp="1" noRot="1" noChangeAspect="1"/>
+          </p:cNvSpPr>
           <p:nvPr>
-            <p:ph idx="2" type="sldImg"/>
+            <p:ph type="sldImg" idx="2"/>
           </p:nvPr>
         </p:nvSpPr>
         <p:spPr>
@@ -1622,9 +1684,13 @@
             <a:ext cx="6096000" cy="3429000"/>
           </a:xfrm>
           <a:custGeom>
-            <a:rect b="b" l="l" r="r" t="t"/>
+            <a:avLst/>
+            <a:gdLst/>
+            <a:ahLst/>
+            <a:cxnLst/>
+            <a:rect l="l" t="t" r="r" b="b"/>
             <a:pathLst>
-              <a:path extrusionOk="0" h="120000" w="120000">
+              <a:path w="120000" h="120000" extrusionOk="0">
                 <a:moveTo>
                   <a:pt x="0" y="0"/>
                 </a:moveTo>
@@ -1646,9 +1712,11 @@
       <p:sp>
         <p:nvSpPr>
           <p:cNvPr id="72" name="Google Shape;72;g70c18c2f6f_0_14:notes"/>
-          <p:cNvSpPr txBox="1"/>
+          <p:cNvSpPr txBox="1">
+            <a:spLocks noGrp="1"/>
+          </p:cNvSpPr>
           <p:nvPr>
-            <p:ph idx="1" type="body"/>
+            <p:ph type="body" idx="1"/>
           </p:nvPr>
         </p:nvSpPr>
         <p:spPr>
@@ -1661,23 +1729,20 @@
           </a:prstGeom>
         </p:spPr>
         <p:txBody>
-          <a:bodyPr anchorCtr="0" anchor="t" bIns="91425" lIns="91425" spcFirstLastPara="1" rIns="91425" wrap="square" tIns="91425">
+          <a:bodyPr spcFirstLastPara="1" wrap="square" lIns="91425" tIns="91425" rIns="91425" bIns="91425" anchor="t" anchorCtr="0">
             <a:noAutofit/>
           </a:bodyPr>
           <a:lstStyle/>
           <a:p>
-            <a:pPr indent="0" lvl="0" marL="0" rtl="0" algn="l">
-              <a:spcBef>
-                <a:spcPts val="0"/>
-              </a:spcBef>
-              <a:spcAft>
-                <a:spcPts val="0"/>
-              </a:spcAft>
-              <a:buNone/>
-            </a:pPr>
-            <a:r>
-              <a:t/>
-            </a:r>
+            <a:pPr marL="0" lvl="0" indent="0" algn="l" rtl="0">
+              <a:spcBef>
+                <a:spcPts val="0"/>
+              </a:spcBef>
+              <a:spcAft>
+                <a:spcPts val="0"/>
+              </a:spcAft>
+              <a:buNone/>
+            </a:pPr>
             <a:endParaRPr/>
           </a:p>
         </p:txBody>
@@ -1691,11 +1756,11 @@
 </file>
 
 <file path=ppt/notesSlides/notesSlide5.xml><?xml version="1.0" encoding="utf-8"?>
-<p:notes xmlns:a="http://schemas.openxmlformats.org/drawingml/2006/main" xmlns:r="http://schemas.openxmlformats.org/officeDocument/2006/relationships" xmlns:mc="http://schemas.openxmlformats.org/markup-compatibility/2006" xmlns:mv="urn:schemas-microsoft-com:mac:vml" xmlns:p="http://schemas.openxmlformats.org/presentationml/2006/main" xmlns:c="http://schemas.openxmlformats.org/drawingml/2006/chart" xmlns:dgm="http://schemas.openxmlformats.org/drawingml/2006/diagram" xmlns:o="urn:schemas-microsoft-com:office:office" xmlns:v="urn:schemas-microsoft-com:vml" xmlns:pvml="urn:schemas-microsoft-com:office:powerpoint" xmlns:com="http://schemas.openxmlformats.org/drawingml/2006/compatibility" xmlns:p14="http://schemas.microsoft.com/office/powerpoint/2010/main" xmlns:p15="http://schemas.microsoft.com/office/powerpoint/2012/main" showMasterPhAnim="0" showMasterSp="0">
+<p:notes xmlns:a="http://schemas.openxmlformats.org/drawingml/2006/main" xmlns:r="http://schemas.openxmlformats.org/officeDocument/2006/relationships" xmlns:p="http://schemas.openxmlformats.org/presentationml/2006/main" showMasterSp="0" showMasterPhAnim="0">
   <p:cSld>
     <p:spTree>
       <p:nvGrpSpPr>
-        <p:cNvPr id="76" name="Shape 76"/>
+        <p:cNvPr id="1" name="Shape 76"/>
         <p:cNvGrpSpPr/>
         <p:nvPr/>
       </p:nvGrpSpPr>
@@ -1710,9 +1775,11 @@
       <p:sp>
         <p:nvSpPr>
           <p:cNvPr id="77" name="Google Shape;77;g70c18c2f6f_0_29:notes"/>
-          <p:cNvSpPr/>
+          <p:cNvSpPr>
+            <a:spLocks noGrp="1" noRot="1" noChangeAspect="1"/>
+          </p:cNvSpPr>
           <p:nvPr>
-            <p:ph idx="2" type="sldImg"/>
+            <p:ph type="sldImg" idx="2"/>
           </p:nvPr>
         </p:nvSpPr>
         <p:spPr>
@@ -1721,9 +1788,13 @@
             <a:ext cx="6096000" cy="3429000"/>
           </a:xfrm>
           <a:custGeom>
-            <a:rect b="b" l="l" r="r" t="t"/>
+            <a:avLst/>
+            <a:gdLst/>
+            <a:ahLst/>
+            <a:cxnLst/>
+            <a:rect l="l" t="t" r="r" b="b"/>
             <a:pathLst>
-              <a:path extrusionOk="0" h="120000" w="120000">
+              <a:path w="120000" h="120000" extrusionOk="0">
                 <a:moveTo>
                   <a:pt x="0" y="0"/>
                 </a:moveTo>
@@ -1745,9 +1816,11 @@
       <p:sp>
         <p:nvSpPr>
           <p:cNvPr id="78" name="Google Shape;78;g70c18c2f6f_0_29:notes"/>
-          <p:cNvSpPr txBox="1"/>
+          <p:cNvSpPr txBox="1">
+            <a:spLocks noGrp="1"/>
+          </p:cNvSpPr>
           <p:nvPr>
-            <p:ph idx="1" type="body"/>
+            <p:ph type="body" idx="1"/>
           </p:nvPr>
         </p:nvSpPr>
         <p:spPr>
@@ -1760,23 +1833,20 @@
           </a:prstGeom>
         </p:spPr>
         <p:txBody>
-          <a:bodyPr anchorCtr="0" anchor="t" bIns="91425" lIns="91425" spcFirstLastPara="1" rIns="91425" wrap="square" tIns="91425">
+          <a:bodyPr spcFirstLastPara="1" wrap="square" lIns="91425" tIns="91425" rIns="91425" bIns="91425" anchor="t" anchorCtr="0">
             <a:noAutofit/>
           </a:bodyPr>
           <a:lstStyle/>
           <a:p>
-            <a:pPr indent="0" lvl="0" marL="0" rtl="0" algn="l">
-              <a:spcBef>
-                <a:spcPts val="0"/>
-              </a:spcBef>
-              <a:spcAft>
-                <a:spcPts val="0"/>
-              </a:spcAft>
-              <a:buNone/>
-            </a:pPr>
-            <a:r>
-              <a:t/>
-            </a:r>
+            <a:pPr marL="0" lvl="0" indent="0" algn="l" rtl="0">
+              <a:spcBef>
+                <a:spcPts val="0"/>
+              </a:spcBef>
+              <a:spcAft>
+                <a:spcPts val="0"/>
+              </a:spcAft>
+              <a:buNone/>
+            </a:pPr>
             <a:endParaRPr/>
           </a:p>
         </p:txBody>
@@ -1790,11 +1860,11 @@
 </file>
 
 <file path=ppt/notesSlides/notesSlide6.xml><?xml version="1.0" encoding="utf-8"?>
-<p:notes xmlns:a="http://schemas.openxmlformats.org/drawingml/2006/main" xmlns:r="http://schemas.openxmlformats.org/officeDocument/2006/relationships" xmlns:mc="http://schemas.openxmlformats.org/markup-compatibility/2006" xmlns:mv="urn:schemas-microsoft-com:mac:vml" xmlns:p="http://schemas.openxmlformats.org/presentationml/2006/main" xmlns:c="http://schemas.openxmlformats.org/drawingml/2006/chart" xmlns:dgm="http://schemas.openxmlformats.org/drawingml/2006/diagram" xmlns:o="urn:schemas-microsoft-com:office:office" xmlns:v="urn:schemas-microsoft-com:vml" xmlns:pvml="urn:schemas-microsoft-com:office:powerpoint" xmlns:com="http://schemas.openxmlformats.org/drawingml/2006/compatibility" xmlns:p14="http://schemas.microsoft.com/office/powerpoint/2010/main" xmlns:p15="http://schemas.microsoft.com/office/powerpoint/2012/main" showMasterPhAnim="0" showMasterSp="0">
+<p:notes xmlns:a="http://schemas.openxmlformats.org/drawingml/2006/main" xmlns:r="http://schemas.openxmlformats.org/officeDocument/2006/relationships" xmlns:p="http://schemas.openxmlformats.org/presentationml/2006/main" showMasterSp="0" showMasterPhAnim="0">
   <p:cSld>
     <p:spTree>
       <p:nvGrpSpPr>
-        <p:cNvPr id="82" name="Shape 82"/>
+        <p:cNvPr id="1" name="Shape 82"/>
         <p:cNvGrpSpPr/>
         <p:nvPr/>
       </p:nvGrpSpPr>
@@ -1809,9 +1879,11 @@
       <p:sp>
         <p:nvSpPr>
           <p:cNvPr id="83" name="Google Shape;83;g70c18c2f6f_0_35:notes"/>
-          <p:cNvSpPr/>
+          <p:cNvSpPr>
+            <a:spLocks noGrp="1" noRot="1" noChangeAspect="1"/>
+          </p:cNvSpPr>
           <p:nvPr>
-            <p:ph idx="2" type="sldImg"/>
+            <p:ph type="sldImg" idx="2"/>
           </p:nvPr>
         </p:nvSpPr>
         <p:spPr>
@@ -1820,9 +1892,13 @@
             <a:ext cx="6096000" cy="3429000"/>
           </a:xfrm>
           <a:custGeom>
-            <a:rect b="b" l="l" r="r" t="t"/>
+            <a:avLst/>
+            <a:gdLst/>
+            <a:ahLst/>
+            <a:cxnLst/>
+            <a:rect l="l" t="t" r="r" b="b"/>
             <a:pathLst>
-              <a:path extrusionOk="0" h="120000" w="120000">
+              <a:path w="120000" h="120000" extrusionOk="0">
                 <a:moveTo>
                   <a:pt x="0" y="0"/>
                 </a:moveTo>
@@ -1844,9 +1920,11 @@
       <p:sp>
         <p:nvSpPr>
           <p:cNvPr id="84" name="Google Shape;84;g70c18c2f6f_0_35:notes"/>
-          <p:cNvSpPr txBox="1"/>
+          <p:cNvSpPr txBox="1">
+            <a:spLocks noGrp="1"/>
+          </p:cNvSpPr>
           <p:nvPr>
-            <p:ph idx="1" type="body"/>
+            <p:ph type="body" idx="1"/>
           </p:nvPr>
         </p:nvSpPr>
         <p:spPr>
@@ -1859,23 +1937,20 @@
           </a:prstGeom>
         </p:spPr>
         <p:txBody>
-          <a:bodyPr anchorCtr="0" anchor="t" bIns="91425" lIns="91425" spcFirstLastPara="1" rIns="91425" wrap="square" tIns="91425">
+          <a:bodyPr spcFirstLastPara="1" wrap="square" lIns="91425" tIns="91425" rIns="91425" bIns="91425" anchor="t" anchorCtr="0">
             <a:noAutofit/>
           </a:bodyPr>
           <a:lstStyle/>
           <a:p>
-            <a:pPr indent="0" lvl="0" marL="0" rtl="0" algn="l">
-              <a:spcBef>
-                <a:spcPts val="0"/>
-              </a:spcBef>
-              <a:spcAft>
-                <a:spcPts val="0"/>
-              </a:spcAft>
-              <a:buNone/>
-            </a:pPr>
-            <a:r>
-              <a:t/>
-            </a:r>
+            <a:pPr marL="0" lvl="0" indent="0" algn="l" rtl="0">
+              <a:spcBef>
+                <a:spcPts val="0"/>
+              </a:spcBef>
+              <a:spcAft>
+                <a:spcPts val="0"/>
+              </a:spcAft>
+              <a:buNone/>
+            </a:pPr>
             <a:endParaRPr/>
           </a:p>
         </p:txBody>
@@ -1889,11 +1964,11 @@
 </file>
 
 <file path=ppt/notesSlides/notesSlide7.xml><?xml version="1.0" encoding="utf-8"?>
-<p:notes xmlns:a="http://schemas.openxmlformats.org/drawingml/2006/main" xmlns:r="http://schemas.openxmlformats.org/officeDocument/2006/relationships" xmlns:mc="http://schemas.openxmlformats.org/markup-compatibility/2006" xmlns:mv="urn:schemas-microsoft-com:mac:vml" xmlns:p="http://schemas.openxmlformats.org/presentationml/2006/main" xmlns:c="http://schemas.openxmlformats.org/drawingml/2006/chart" xmlns:dgm="http://schemas.openxmlformats.org/drawingml/2006/diagram" xmlns:o="urn:schemas-microsoft-com:office:office" xmlns:v="urn:schemas-microsoft-com:vml" xmlns:pvml="urn:schemas-microsoft-com:office:powerpoint" xmlns:com="http://schemas.openxmlformats.org/drawingml/2006/compatibility" xmlns:p14="http://schemas.microsoft.com/office/powerpoint/2010/main" xmlns:p15="http://schemas.microsoft.com/office/powerpoint/2012/main" showMasterPhAnim="0" showMasterSp="0">
+<p:notes xmlns:a="http://schemas.openxmlformats.org/drawingml/2006/main" xmlns:r="http://schemas.openxmlformats.org/officeDocument/2006/relationships" xmlns:p="http://schemas.openxmlformats.org/presentationml/2006/main" showMasterSp="0" showMasterPhAnim="0">
   <p:cSld>
     <p:spTree>
       <p:nvGrpSpPr>
-        <p:cNvPr id="89" name="Shape 89"/>
+        <p:cNvPr id="1" name="Shape 89"/>
         <p:cNvGrpSpPr/>
         <p:nvPr/>
       </p:nvGrpSpPr>
@@ -1908,9 +1983,11 @@
       <p:sp>
         <p:nvSpPr>
           <p:cNvPr id="90" name="Google Shape;90;g70c18c2f6f_0_42:notes"/>
-          <p:cNvSpPr/>
+          <p:cNvSpPr>
+            <a:spLocks noGrp="1" noRot="1" noChangeAspect="1"/>
+          </p:cNvSpPr>
           <p:nvPr>
-            <p:ph idx="2" type="sldImg"/>
+            <p:ph type="sldImg" idx="2"/>
           </p:nvPr>
         </p:nvSpPr>
         <p:spPr>
@@ -1919,9 +1996,13 @@
             <a:ext cx="6096000" cy="3429000"/>
           </a:xfrm>
           <a:custGeom>
-            <a:rect b="b" l="l" r="r" t="t"/>
+            <a:avLst/>
+            <a:gdLst/>
+            <a:ahLst/>
+            <a:cxnLst/>
+            <a:rect l="l" t="t" r="r" b="b"/>
             <a:pathLst>
-              <a:path extrusionOk="0" h="120000" w="120000">
+              <a:path w="120000" h="120000" extrusionOk="0">
                 <a:moveTo>
                   <a:pt x="0" y="0"/>
                 </a:moveTo>
@@ -1943,9 +2024,11 @@
       <p:sp>
         <p:nvSpPr>
           <p:cNvPr id="91" name="Google Shape;91;g70c18c2f6f_0_42:notes"/>
-          <p:cNvSpPr txBox="1"/>
+          <p:cNvSpPr txBox="1">
+            <a:spLocks noGrp="1"/>
+          </p:cNvSpPr>
           <p:nvPr>
-            <p:ph idx="1" type="body"/>
+            <p:ph type="body" idx="1"/>
           </p:nvPr>
         </p:nvSpPr>
         <p:spPr>
@@ -1958,23 +2041,20 @@
           </a:prstGeom>
         </p:spPr>
         <p:txBody>
-          <a:bodyPr anchorCtr="0" anchor="t" bIns="91425" lIns="91425" spcFirstLastPara="1" rIns="91425" wrap="square" tIns="91425">
+          <a:bodyPr spcFirstLastPara="1" wrap="square" lIns="91425" tIns="91425" rIns="91425" bIns="91425" anchor="t" anchorCtr="0">
             <a:noAutofit/>
           </a:bodyPr>
           <a:lstStyle/>
           <a:p>
-            <a:pPr indent="0" lvl="0" marL="0" rtl="0" algn="l">
-              <a:spcBef>
-                <a:spcPts val="0"/>
-              </a:spcBef>
-              <a:spcAft>
-                <a:spcPts val="0"/>
-              </a:spcAft>
-              <a:buNone/>
-            </a:pPr>
-            <a:r>
-              <a:t/>
-            </a:r>
+            <a:pPr marL="0" lvl="0" indent="0" algn="l" rtl="0">
+              <a:spcBef>
+                <a:spcPts val="0"/>
+              </a:spcBef>
+              <a:spcAft>
+                <a:spcPts val="0"/>
+              </a:spcAft>
+              <a:buNone/>
+            </a:pPr>
             <a:endParaRPr/>
           </a:p>
         </p:txBody>
@@ -1988,11 +2068,11 @@
 </file>
 
 <file path=ppt/notesSlides/notesSlide8.xml><?xml version="1.0" encoding="utf-8"?>
-<p:notes xmlns:a="http://schemas.openxmlformats.org/drawingml/2006/main" xmlns:r="http://schemas.openxmlformats.org/officeDocument/2006/relationships" xmlns:mc="http://schemas.openxmlformats.org/markup-compatibility/2006" xmlns:mv="urn:schemas-microsoft-com:mac:vml" xmlns:p="http://schemas.openxmlformats.org/presentationml/2006/main" xmlns:c="http://schemas.openxmlformats.org/drawingml/2006/chart" xmlns:dgm="http://schemas.openxmlformats.org/drawingml/2006/diagram" xmlns:o="urn:schemas-microsoft-com:office:office" xmlns:v="urn:schemas-microsoft-com:vml" xmlns:pvml="urn:schemas-microsoft-com:office:powerpoint" xmlns:com="http://schemas.openxmlformats.org/drawingml/2006/compatibility" xmlns:p14="http://schemas.microsoft.com/office/powerpoint/2010/main" xmlns:p15="http://schemas.microsoft.com/office/powerpoint/2012/main" showMasterPhAnim="0" showMasterSp="0">
+<p:notes xmlns:a="http://schemas.openxmlformats.org/drawingml/2006/main" xmlns:r="http://schemas.openxmlformats.org/officeDocument/2006/relationships" xmlns:p="http://schemas.openxmlformats.org/presentationml/2006/main" showMasterSp="0" showMasterPhAnim="0">
   <p:cSld>
     <p:spTree>
       <p:nvGrpSpPr>
-        <p:cNvPr id="95" name="Shape 95"/>
+        <p:cNvPr id="1" name="Shape 95"/>
         <p:cNvGrpSpPr/>
         <p:nvPr/>
       </p:nvGrpSpPr>
@@ -2007,9 +2087,11 @@
       <p:sp>
         <p:nvSpPr>
           <p:cNvPr id="96" name="Google Shape;96;g70c18c2f6f_0_49:notes"/>
-          <p:cNvSpPr/>
+          <p:cNvSpPr>
+            <a:spLocks noGrp="1" noRot="1" noChangeAspect="1"/>
+          </p:cNvSpPr>
           <p:nvPr>
-            <p:ph idx="2" type="sldImg"/>
+            <p:ph type="sldImg" idx="2"/>
           </p:nvPr>
         </p:nvSpPr>
         <p:spPr>
@@ -2018,9 +2100,13 @@
             <a:ext cx="6096000" cy="3429000"/>
           </a:xfrm>
           <a:custGeom>
-            <a:rect b="b" l="l" r="r" t="t"/>
+            <a:avLst/>
+            <a:gdLst/>
+            <a:ahLst/>
+            <a:cxnLst/>
+            <a:rect l="l" t="t" r="r" b="b"/>
             <a:pathLst>
-              <a:path extrusionOk="0" h="120000" w="120000">
+              <a:path w="120000" h="120000" extrusionOk="0">
                 <a:moveTo>
                   <a:pt x="0" y="0"/>
                 </a:moveTo>
@@ -2042,9 +2128,11 @@
       <p:sp>
         <p:nvSpPr>
           <p:cNvPr id="97" name="Google Shape;97;g70c18c2f6f_0_49:notes"/>
-          <p:cNvSpPr txBox="1"/>
+          <p:cNvSpPr txBox="1">
+            <a:spLocks noGrp="1"/>
+          </p:cNvSpPr>
           <p:nvPr>
-            <p:ph idx="1" type="body"/>
+            <p:ph type="body" idx="1"/>
           </p:nvPr>
         </p:nvSpPr>
         <p:spPr>
@@ -2057,23 +2145,20 @@
           </a:prstGeom>
         </p:spPr>
         <p:txBody>
-          <a:bodyPr anchorCtr="0" anchor="t" bIns="91425" lIns="91425" spcFirstLastPara="1" rIns="91425" wrap="square" tIns="91425">
+          <a:bodyPr spcFirstLastPara="1" wrap="square" lIns="91425" tIns="91425" rIns="91425" bIns="91425" anchor="t" anchorCtr="0">
             <a:noAutofit/>
           </a:bodyPr>
           <a:lstStyle/>
           <a:p>
-            <a:pPr indent="0" lvl="0" marL="0" rtl="0" algn="l">
-              <a:spcBef>
-                <a:spcPts val="0"/>
-              </a:spcBef>
-              <a:spcAft>
-                <a:spcPts val="0"/>
-              </a:spcAft>
-              <a:buNone/>
-            </a:pPr>
-            <a:r>
-              <a:t/>
-            </a:r>
+            <a:pPr marL="0" lvl="0" indent="0" algn="l" rtl="0">
+              <a:spcBef>
+                <a:spcPts val="0"/>
+              </a:spcBef>
+              <a:spcAft>
+                <a:spcPts val="0"/>
+              </a:spcAft>
+              <a:buNone/>
+            </a:pPr>
             <a:endParaRPr/>
           </a:p>
         </p:txBody>
@@ -2087,11 +2172,11 @@
 </file>
 
 <file path=ppt/notesSlides/notesSlide9.xml><?xml version="1.0" encoding="utf-8"?>
-<p:notes xmlns:a="http://schemas.openxmlformats.org/drawingml/2006/main" xmlns:r="http://schemas.openxmlformats.org/officeDocument/2006/relationships" xmlns:mc="http://schemas.openxmlformats.org/markup-compatibility/2006" xmlns:mv="urn:schemas-microsoft-com:mac:vml" xmlns:p="http://schemas.openxmlformats.org/presentationml/2006/main" xmlns:c="http://schemas.openxmlformats.org/drawingml/2006/chart" xmlns:dgm="http://schemas.openxmlformats.org/drawingml/2006/diagram" xmlns:o="urn:schemas-microsoft-com:office:office" xmlns:v="urn:schemas-microsoft-com:vml" xmlns:pvml="urn:schemas-microsoft-com:office:powerpoint" xmlns:com="http://schemas.openxmlformats.org/drawingml/2006/compatibility" xmlns:p14="http://schemas.microsoft.com/office/powerpoint/2010/main" xmlns:p15="http://schemas.microsoft.com/office/powerpoint/2012/main" showMasterPhAnim="0" showMasterSp="0">
+<p:notes xmlns:a="http://schemas.openxmlformats.org/drawingml/2006/main" xmlns:r="http://schemas.openxmlformats.org/officeDocument/2006/relationships" xmlns:p="http://schemas.openxmlformats.org/presentationml/2006/main" showMasterSp="0" showMasterPhAnim="0">
   <p:cSld>
     <p:spTree>
       <p:nvGrpSpPr>
-        <p:cNvPr id="101" name="Shape 101"/>
+        <p:cNvPr id="1" name="Shape 101"/>
         <p:cNvGrpSpPr/>
         <p:nvPr/>
       </p:nvGrpSpPr>
@@ -2106,9 +2191,11 @@
       <p:sp>
         <p:nvSpPr>
           <p:cNvPr id="102" name="Google Shape;102;g70c18c2f6f_0_54:notes"/>
-          <p:cNvSpPr/>
+          <p:cNvSpPr>
+            <a:spLocks noGrp="1" noRot="1" noChangeAspect="1"/>
+          </p:cNvSpPr>
           <p:nvPr>
-            <p:ph idx="2" type="sldImg"/>
+            <p:ph type="sldImg" idx="2"/>
           </p:nvPr>
         </p:nvSpPr>
         <p:spPr>
@@ -2117,9 +2204,13 @@
             <a:ext cx="6096000" cy="3429000"/>
           </a:xfrm>
           <a:custGeom>
-            <a:rect b="b" l="l" r="r" t="t"/>
+            <a:avLst/>
+            <a:gdLst/>
+            <a:ahLst/>
+            <a:cxnLst/>
+            <a:rect l="l" t="t" r="r" b="b"/>
             <a:pathLst>
-              <a:path extrusionOk="0" h="120000" w="120000">
+              <a:path w="120000" h="120000" extrusionOk="0">
                 <a:moveTo>
                   <a:pt x="0" y="0"/>
                 </a:moveTo>
@@ -2141,9 +2232,11 @@
       <p:sp>
         <p:nvSpPr>
           <p:cNvPr id="103" name="Google Shape;103;g70c18c2f6f_0_54:notes"/>
-          <p:cNvSpPr txBox="1"/>
+          <p:cNvSpPr txBox="1">
+            <a:spLocks noGrp="1"/>
+          </p:cNvSpPr>
           <p:nvPr>
-            <p:ph idx="1" type="body"/>
+            <p:ph type="body" idx="1"/>
           </p:nvPr>
         </p:nvSpPr>
         <p:spPr>
@@ -2156,23 +2249,20 @@
           </a:prstGeom>
         </p:spPr>
         <p:txBody>
-          <a:bodyPr anchorCtr="0" anchor="t" bIns="91425" lIns="91425" spcFirstLastPara="1" rIns="91425" wrap="square" tIns="91425">
+          <a:bodyPr spcFirstLastPara="1" wrap="square" lIns="91425" tIns="91425" rIns="91425" bIns="91425" anchor="t" anchorCtr="0">
             <a:noAutofit/>
           </a:bodyPr>
           <a:lstStyle/>
           <a:p>
-            <a:pPr indent="0" lvl="0" marL="0" rtl="0" algn="l">
-              <a:spcBef>
-                <a:spcPts val="0"/>
-              </a:spcBef>
-              <a:spcAft>
-                <a:spcPts val="0"/>
-              </a:spcAft>
-              <a:buNone/>
-            </a:pPr>
-            <a:r>
-              <a:t/>
-            </a:r>
+            <a:pPr marL="0" lvl="0" indent="0" algn="l" rtl="0">
+              <a:spcBef>
+                <a:spcPts val="0"/>
+              </a:spcBef>
+              <a:spcAft>
+                <a:spcPts val="0"/>
+              </a:spcAft>
+              <a:buNone/>
+            </a:pPr>
             <a:endParaRPr/>
           </a:p>
         </p:txBody>
@@ -2186,11 +2276,11 @@
 </file>
 
 <file path=ppt/slideLayouts/slideLayout1.xml><?xml version="1.0" encoding="utf-8"?>
-<p:sldLayout xmlns:a="http://schemas.openxmlformats.org/drawingml/2006/main" xmlns:r="http://schemas.openxmlformats.org/officeDocument/2006/relationships" xmlns:mc="http://schemas.openxmlformats.org/markup-compatibility/2006" xmlns:mv="urn:schemas-microsoft-com:mac:vml" xmlns:p="http://schemas.openxmlformats.org/presentationml/2006/main" xmlns:c="http://schemas.openxmlformats.org/drawingml/2006/chart" xmlns:dgm="http://schemas.openxmlformats.org/drawingml/2006/diagram" xmlns:o="urn:schemas-microsoft-com:office:office" xmlns:v="urn:schemas-microsoft-com:vml" xmlns:pvml="urn:schemas-microsoft-com:office:powerpoint" xmlns:com="http://schemas.openxmlformats.org/drawingml/2006/compatibility" xmlns:p14="http://schemas.microsoft.com/office/powerpoint/2010/main" xmlns:p15="http://schemas.microsoft.com/office/powerpoint/2012/main" matchingName="Title slide" type="title">
+<p:sldLayout xmlns:a="http://schemas.openxmlformats.org/drawingml/2006/main" xmlns:r="http://schemas.openxmlformats.org/officeDocument/2006/relationships" xmlns:p="http://schemas.openxmlformats.org/presentationml/2006/main" matchingName="Title slide" type="title">
   <p:cSld name="TITLE">
     <p:spTree>
       <p:nvGrpSpPr>
-        <p:cNvPr id="9" name="Shape 9"/>
+        <p:cNvPr id="1" name="Shape 9"/>
         <p:cNvGrpSpPr/>
         <p:nvPr/>
       </p:nvGrpSpPr>
@@ -2205,7 +2295,9 @@
       <p:sp>
         <p:nvSpPr>
           <p:cNvPr id="10" name="Google Shape;10;p2"/>
-          <p:cNvSpPr txBox="1"/>
+          <p:cNvSpPr txBox="1">
+            <a:spLocks noGrp="1"/>
+          </p:cNvSpPr>
           <p:nvPr>
             <p:ph type="ctrTitle"/>
           </p:nvPr>
@@ -2220,7 +2312,7 @@
           </a:prstGeom>
         </p:spPr>
         <p:txBody>
-          <a:bodyPr anchorCtr="0" anchor="b" bIns="91425" lIns="91425" spcFirstLastPara="1" rIns="91425" wrap="square" tIns="91425">
+          <a:bodyPr spcFirstLastPara="1" wrap="square" lIns="91425" tIns="91425" rIns="91425" bIns="91425" anchor="b" anchorCtr="0">
             <a:noAutofit/>
           </a:bodyPr>
           <a:lstStyle>
@@ -2324,15 +2416,19 @@
               <a:defRPr sz="5200"/>
             </a:lvl9pPr>
           </a:lstStyle>
-          <a:p/>
+          <a:p>
+            <a:endParaRPr/>
+          </a:p>
         </p:txBody>
       </p:sp>
       <p:sp>
         <p:nvSpPr>
           <p:cNvPr id="11" name="Google Shape;11;p2"/>
-          <p:cNvSpPr txBox="1"/>
+          <p:cNvSpPr txBox="1">
+            <a:spLocks noGrp="1"/>
+          </p:cNvSpPr>
           <p:nvPr>
-            <p:ph idx="1" type="subTitle"/>
+            <p:ph type="subTitle" idx="1"/>
           </p:nvPr>
         </p:nvSpPr>
         <p:spPr>
@@ -2345,7 +2441,7 @@
           </a:prstGeom>
         </p:spPr>
         <p:txBody>
-          <a:bodyPr anchorCtr="0" anchor="t" bIns="91425" lIns="91425" spcFirstLastPara="1" rIns="91425" wrap="square" tIns="91425">
+          <a:bodyPr spcFirstLastPara="1" wrap="square" lIns="91425" tIns="91425" rIns="91425" bIns="91425" anchor="t" anchorCtr="0">
             <a:noAutofit/>
           </a:bodyPr>
           <a:lstStyle>
@@ -2476,15 +2572,19 @@
               <a:defRPr sz="2800"/>
             </a:lvl9pPr>
           </a:lstStyle>
-          <a:p/>
+          <a:p>
+            <a:endParaRPr/>
+          </a:p>
         </p:txBody>
       </p:sp>
       <p:sp>
         <p:nvSpPr>
           <p:cNvPr id="12" name="Google Shape;12;p2"/>
-          <p:cNvSpPr txBox="1"/>
+          <p:cNvSpPr txBox="1">
+            <a:spLocks noGrp="1"/>
+          </p:cNvSpPr>
           <p:nvPr>
-            <p:ph idx="12" type="sldNum"/>
+            <p:ph type="sldNum" idx="12"/>
           </p:nvPr>
         </p:nvSpPr>
         <p:spPr>
@@ -2497,7 +2597,7 @@
           </a:prstGeom>
         </p:spPr>
         <p:txBody>
-          <a:bodyPr anchorCtr="0" anchor="ctr" bIns="91425" lIns="91425" spcFirstLastPara="1" rIns="91425" wrap="square" tIns="91425">
+          <a:bodyPr spcFirstLastPara="1" wrap="square" lIns="91425" tIns="91425" rIns="91425" bIns="91425" anchor="ctr" anchorCtr="0">
             <a:noAutofit/>
           </a:bodyPr>
           <a:lstStyle>
@@ -2539,7 +2639,7 @@
             </a:lvl9pPr>
           </a:lstStyle>
           <a:p>
-            <a:pPr indent="0" lvl="0" marL="0" rtl="0" algn="r">
+            <a:pPr marL="0" lvl="0" indent="0" algn="r" rtl="0">
               <a:spcBef>
                 <a:spcPts val="0"/>
               </a:spcBef>
@@ -2565,11 +2665,11 @@
 </file>
 
 <file path=ppt/slideLayouts/slideLayout10.xml><?xml version="1.0" encoding="utf-8"?>
-<p:sldLayout xmlns:a="http://schemas.openxmlformats.org/drawingml/2006/main" xmlns:r="http://schemas.openxmlformats.org/officeDocument/2006/relationships" xmlns:mc="http://schemas.openxmlformats.org/markup-compatibility/2006" xmlns:mv="urn:schemas-microsoft-com:mac:vml" xmlns:p="http://schemas.openxmlformats.org/presentationml/2006/main" xmlns:c="http://schemas.openxmlformats.org/drawingml/2006/chart" xmlns:dgm="http://schemas.openxmlformats.org/drawingml/2006/diagram" xmlns:o="urn:schemas-microsoft-com:office:office" xmlns:v="urn:schemas-microsoft-com:vml" xmlns:pvml="urn:schemas-microsoft-com:office:powerpoint" xmlns:com="http://schemas.openxmlformats.org/drawingml/2006/compatibility" xmlns:p14="http://schemas.microsoft.com/office/powerpoint/2010/main" xmlns:p15="http://schemas.microsoft.com/office/powerpoint/2012/main" matchingName="Big number">
+<p:sldLayout xmlns:a="http://schemas.openxmlformats.org/drawingml/2006/main" xmlns:r="http://schemas.openxmlformats.org/officeDocument/2006/relationships" xmlns:p="http://schemas.openxmlformats.org/presentationml/2006/main" matchingName="Big number">
   <p:cSld name="BIG_NUMBER">
     <p:spTree>
       <p:nvGrpSpPr>
-        <p:cNvPr id="44" name="Shape 44"/>
+        <p:cNvPr id="1" name="Shape 44"/>
         <p:cNvGrpSpPr/>
         <p:nvPr/>
       </p:nvGrpSpPr>
@@ -2584,9 +2684,11 @@
       <p:sp>
         <p:nvSpPr>
           <p:cNvPr id="45" name="Google Shape;45;p11"/>
-          <p:cNvSpPr txBox="1"/>
+          <p:cNvSpPr txBox="1">
+            <a:spLocks noGrp="1"/>
+          </p:cNvSpPr>
           <p:nvPr>
-            <p:ph hasCustomPrompt="1" type="title"/>
+            <p:ph type="title" hasCustomPrompt="1"/>
           </p:nvPr>
         </p:nvSpPr>
         <p:spPr>
@@ -2599,7 +2701,7 @@
           </a:prstGeom>
         </p:spPr>
         <p:txBody>
-          <a:bodyPr anchorCtr="0" anchor="b" bIns="91425" lIns="91425" spcFirstLastPara="1" rIns="91425" wrap="square" tIns="91425">
+          <a:bodyPr spcFirstLastPara="1" wrap="square" lIns="91425" tIns="91425" rIns="91425" bIns="91425" anchor="b" anchorCtr="0">
             <a:noAutofit/>
           </a:bodyPr>
           <a:lstStyle>
@@ -2713,9 +2815,11 @@
       <p:sp>
         <p:nvSpPr>
           <p:cNvPr id="46" name="Google Shape;46;p11"/>
-          <p:cNvSpPr txBox="1"/>
+          <p:cNvSpPr txBox="1">
+            <a:spLocks noGrp="1"/>
+          </p:cNvSpPr>
           <p:nvPr>
-            <p:ph idx="1" type="body"/>
+            <p:ph type="body" idx="1"/>
           </p:nvPr>
         </p:nvSpPr>
         <p:spPr>
@@ -2728,11 +2832,11 @@
           </a:prstGeom>
         </p:spPr>
         <p:txBody>
-          <a:bodyPr anchorCtr="0" anchor="t" bIns="91425" lIns="91425" spcFirstLastPara="1" rIns="91425" wrap="square" tIns="91425">
+          <a:bodyPr spcFirstLastPara="1" wrap="square" lIns="91425" tIns="91425" rIns="91425" bIns="91425" anchor="t" anchorCtr="0">
             <a:noAutofit/>
           </a:bodyPr>
           <a:lstStyle>
-            <a:lvl1pPr indent="-342900" lvl="0" marL="457200" algn="ctr">
+            <a:lvl1pPr marL="457200" lvl="0" indent="-342900" algn="ctr">
               <a:spcBef>
                 <a:spcPts val="0"/>
               </a:spcBef>
@@ -2743,7 +2847,7 @@
               <a:buChar char="●"/>
               <a:defRPr/>
             </a:lvl1pPr>
-            <a:lvl2pPr indent="-317500" lvl="1" marL="914400" algn="ctr">
+            <a:lvl2pPr marL="914400" lvl="1" indent="-317500" algn="ctr">
               <a:spcBef>
                 <a:spcPts val="1600"/>
               </a:spcBef>
@@ -2754,7 +2858,7 @@
               <a:buChar char="○"/>
               <a:defRPr/>
             </a:lvl2pPr>
-            <a:lvl3pPr indent="-317500" lvl="2" marL="1371600" algn="ctr">
+            <a:lvl3pPr marL="1371600" lvl="2" indent="-317500" algn="ctr">
               <a:spcBef>
                 <a:spcPts val="1600"/>
               </a:spcBef>
@@ -2765,7 +2869,7 @@
               <a:buChar char="■"/>
               <a:defRPr/>
             </a:lvl3pPr>
-            <a:lvl4pPr indent="-317500" lvl="3" marL="1828800" algn="ctr">
+            <a:lvl4pPr marL="1828800" lvl="3" indent="-317500" algn="ctr">
               <a:spcBef>
                 <a:spcPts val="1600"/>
               </a:spcBef>
@@ -2776,7 +2880,7 @@
               <a:buChar char="●"/>
               <a:defRPr/>
             </a:lvl4pPr>
-            <a:lvl5pPr indent="-317500" lvl="4" marL="2286000" algn="ctr">
+            <a:lvl5pPr marL="2286000" lvl="4" indent="-317500" algn="ctr">
               <a:spcBef>
                 <a:spcPts val="1600"/>
               </a:spcBef>
@@ -2787,7 +2891,7 @@
               <a:buChar char="○"/>
               <a:defRPr/>
             </a:lvl5pPr>
-            <a:lvl6pPr indent="-317500" lvl="5" marL="2743200" algn="ctr">
+            <a:lvl6pPr marL="2743200" lvl="5" indent="-317500" algn="ctr">
               <a:spcBef>
                 <a:spcPts val="1600"/>
               </a:spcBef>
@@ -2798,7 +2902,7 @@
               <a:buChar char="■"/>
               <a:defRPr/>
             </a:lvl6pPr>
-            <a:lvl7pPr indent="-317500" lvl="6" marL="3200400" algn="ctr">
+            <a:lvl7pPr marL="3200400" lvl="6" indent="-317500" algn="ctr">
               <a:spcBef>
                 <a:spcPts val="1600"/>
               </a:spcBef>
@@ -2809,7 +2913,7 @@
               <a:buChar char="●"/>
               <a:defRPr/>
             </a:lvl7pPr>
-            <a:lvl8pPr indent="-317500" lvl="7" marL="3657600" algn="ctr">
+            <a:lvl8pPr marL="3657600" lvl="7" indent="-317500" algn="ctr">
               <a:spcBef>
                 <a:spcPts val="1600"/>
               </a:spcBef>
@@ -2820,7 +2924,7 @@
               <a:buChar char="○"/>
               <a:defRPr/>
             </a:lvl8pPr>
-            <a:lvl9pPr indent="-317500" lvl="8" marL="4114800" algn="ctr">
+            <a:lvl9pPr marL="4114800" lvl="8" indent="-317500" algn="ctr">
               <a:spcBef>
                 <a:spcPts val="1600"/>
               </a:spcBef>
@@ -2832,15 +2936,19 @@
               <a:defRPr/>
             </a:lvl9pPr>
           </a:lstStyle>
-          <a:p/>
+          <a:p>
+            <a:endParaRPr/>
+          </a:p>
         </p:txBody>
       </p:sp>
       <p:sp>
         <p:nvSpPr>
           <p:cNvPr id="47" name="Google Shape;47;p11"/>
-          <p:cNvSpPr txBox="1"/>
+          <p:cNvSpPr txBox="1">
+            <a:spLocks noGrp="1"/>
+          </p:cNvSpPr>
           <p:nvPr>
-            <p:ph idx="12" type="sldNum"/>
+            <p:ph type="sldNum" idx="12"/>
           </p:nvPr>
         </p:nvSpPr>
         <p:spPr>
@@ -2853,7 +2961,7 @@
           </a:prstGeom>
         </p:spPr>
         <p:txBody>
-          <a:bodyPr anchorCtr="0" anchor="ctr" bIns="91425" lIns="91425" spcFirstLastPara="1" rIns="91425" wrap="square" tIns="91425">
+          <a:bodyPr spcFirstLastPara="1" wrap="square" lIns="91425" tIns="91425" rIns="91425" bIns="91425" anchor="ctr" anchorCtr="0">
             <a:noAutofit/>
           </a:bodyPr>
           <a:lstStyle>
@@ -2895,7 +3003,7 @@
             </a:lvl9pPr>
           </a:lstStyle>
           <a:p>
-            <a:pPr indent="0" lvl="0" marL="0" rtl="0" algn="r">
+            <a:pPr marL="0" lvl="0" indent="0" algn="r" rtl="0">
               <a:spcBef>
                 <a:spcPts val="0"/>
               </a:spcBef>
@@ -2921,11 +3029,11 @@
 </file>
 
 <file path=ppt/slideLayouts/slideLayout11.xml><?xml version="1.0" encoding="utf-8"?>
-<p:sldLayout xmlns:a="http://schemas.openxmlformats.org/drawingml/2006/main" xmlns:r="http://schemas.openxmlformats.org/officeDocument/2006/relationships" xmlns:mc="http://schemas.openxmlformats.org/markup-compatibility/2006" xmlns:mv="urn:schemas-microsoft-com:mac:vml" xmlns:p="http://schemas.openxmlformats.org/presentationml/2006/main" xmlns:c="http://schemas.openxmlformats.org/drawingml/2006/chart" xmlns:dgm="http://schemas.openxmlformats.org/drawingml/2006/diagram" xmlns:o="urn:schemas-microsoft-com:office:office" xmlns:v="urn:schemas-microsoft-com:vml" xmlns:pvml="urn:schemas-microsoft-com:office:powerpoint" xmlns:com="http://schemas.openxmlformats.org/drawingml/2006/compatibility" xmlns:p14="http://schemas.microsoft.com/office/powerpoint/2010/main" xmlns:p15="http://schemas.microsoft.com/office/powerpoint/2012/main" matchingName="Blank" type="blank">
+<p:sldLayout xmlns:a="http://schemas.openxmlformats.org/drawingml/2006/main" xmlns:r="http://schemas.openxmlformats.org/officeDocument/2006/relationships" xmlns:p="http://schemas.openxmlformats.org/presentationml/2006/main" matchingName="Blank" type="blank">
   <p:cSld name="BLANK">
     <p:spTree>
       <p:nvGrpSpPr>
-        <p:cNvPr id="48" name="Shape 48"/>
+        <p:cNvPr id="1" name="Shape 48"/>
         <p:cNvGrpSpPr/>
         <p:nvPr/>
       </p:nvGrpSpPr>
@@ -2940,9 +3048,11 @@
       <p:sp>
         <p:nvSpPr>
           <p:cNvPr id="49" name="Google Shape;49;p12"/>
-          <p:cNvSpPr txBox="1"/>
+          <p:cNvSpPr txBox="1">
+            <a:spLocks noGrp="1"/>
+          </p:cNvSpPr>
           <p:nvPr>
-            <p:ph idx="12" type="sldNum"/>
+            <p:ph type="sldNum" idx="12"/>
           </p:nvPr>
         </p:nvSpPr>
         <p:spPr>
@@ -2955,7 +3065,7 @@
           </a:prstGeom>
         </p:spPr>
         <p:txBody>
-          <a:bodyPr anchorCtr="0" anchor="ctr" bIns="91425" lIns="91425" spcFirstLastPara="1" rIns="91425" wrap="square" tIns="91425">
+          <a:bodyPr spcFirstLastPara="1" wrap="square" lIns="91425" tIns="91425" rIns="91425" bIns="91425" anchor="ctr" anchorCtr="0">
             <a:noAutofit/>
           </a:bodyPr>
           <a:lstStyle>
@@ -2997,7 +3107,7 @@
             </a:lvl9pPr>
           </a:lstStyle>
           <a:p>
-            <a:pPr indent="0" lvl="0" marL="0" rtl="0" algn="r">
+            <a:pPr marL="0" lvl="0" indent="0" algn="r" rtl="0">
               <a:spcBef>
                 <a:spcPts val="0"/>
               </a:spcBef>
@@ -3023,11 +3133,11 @@
 </file>
 
 <file path=ppt/slideLayouts/slideLayout2.xml><?xml version="1.0" encoding="utf-8"?>
-<p:sldLayout xmlns:a="http://schemas.openxmlformats.org/drawingml/2006/main" xmlns:r="http://schemas.openxmlformats.org/officeDocument/2006/relationships" xmlns:mc="http://schemas.openxmlformats.org/markup-compatibility/2006" xmlns:mv="urn:schemas-microsoft-com:mac:vml" xmlns:p="http://schemas.openxmlformats.org/presentationml/2006/main" xmlns:c="http://schemas.openxmlformats.org/drawingml/2006/chart" xmlns:dgm="http://schemas.openxmlformats.org/drawingml/2006/diagram" xmlns:o="urn:schemas-microsoft-com:office:office" xmlns:v="urn:schemas-microsoft-com:vml" xmlns:pvml="urn:schemas-microsoft-com:office:powerpoint" xmlns:com="http://schemas.openxmlformats.org/drawingml/2006/compatibility" xmlns:p14="http://schemas.microsoft.com/office/powerpoint/2010/main" xmlns:p15="http://schemas.microsoft.com/office/powerpoint/2012/main" matchingName="Section header" type="secHead">
+<p:sldLayout xmlns:a="http://schemas.openxmlformats.org/drawingml/2006/main" xmlns:r="http://schemas.openxmlformats.org/officeDocument/2006/relationships" xmlns:p="http://schemas.openxmlformats.org/presentationml/2006/main" matchingName="Section header" type="secHead">
   <p:cSld name="SECTION_HEADER">
     <p:spTree>
       <p:nvGrpSpPr>
-        <p:cNvPr id="13" name="Shape 13"/>
+        <p:cNvPr id="1" name="Shape 13"/>
         <p:cNvGrpSpPr/>
         <p:nvPr/>
       </p:nvGrpSpPr>
@@ -3042,7 +3152,9 @@
       <p:sp>
         <p:nvSpPr>
           <p:cNvPr id="14" name="Google Shape;14;p3"/>
-          <p:cNvSpPr txBox="1"/>
+          <p:cNvSpPr txBox="1">
+            <a:spLocks noGrp="1"/>
+          </p:cNvSpPr>
           <p:nvPr>
             <p:ph type="title"/>
           </p:nvPr>
@@ -3057,7 +3169,7 @@
           </a:prstGeom>
         </p:spPr>
         <p:txBody>
-          <a:bodyPr anchorCtr="0" anchor="ctr" bIns="91425" lIns="91425" spcFirstLastPara="1" rIns="91425" wrap="square" tIns="91425">
+          <a:bodyPr spcFirstLastPara="1" wrap="square" lIns="91425" tIns="91425" rIns="91425" bIns="91425" anchor="ctr" anchorCtr="0">
             <a:noAutofit/>
           </a:bodyPr>
           <a:lstStyle>
@@ -3161,15 +3273,19 @@
               <a:defRPr sz="3600"/>
             </a:lvl9pPr>
           </a:lstStyle>
-          <a:p/>
+          <a:p>
+            <a:endParaRPr/>
+          </a:p>
         </p:txBody>
       </p:sp>
       <p:sp>
         <p:nvSpPr>
           <p:cNvPr id="15" name="Google Shape;15;p3"/>
-          <p:cNvSpPr txBox="1"/>
+          <p:cNvSpPr txBox="1">
+            <a:spLocks noGrp="1"/>
+          </p:cNvSpPr>
           <p:nvPr>
-            <p:ph idx="12" type="sldNum"/>
+            <p:ph type="sldNum" idx="12"/>
           </p:nvPr>
         </p:nvSpPr>
         <p:spPr>
@@ -3182,7 +3298,7 @@
           </a:prstGeom>
         </p:spPr>
         <p:txBody>
-          <a:bodyPr anchorCtr="0" anchor="ctr" bIns="91425" lIns="91425" spcFirstLastPara="1" rIns="91425" wrap="square" tIns="91425">
+          <a:bodyPr spcFirstLastPara="1" wrap="square" lIns="91425" tIns="91425" rIns="91425" bIns="91425" anchor="ctr" anchorCtr="0">
             <a:noAutofit/>
           </a:bodyPr>
           <a:lstStyle>
@@ -3224,7 +3340,7 @@
             </a:lvl9pPr>
           </a:lstStyle>
           <a:p>
-            <a:pPr indent="0" lvl="0" marL="0" rtl="0" algn="r">
+            <a:pPr marL="0" lvl="0" indent="0" algn="r" rtl="0">
               <a:spcBef>
                 <a:spcPts val="0"/>
               </a:spcBef>
@@ -3250,11 +3366,11 @@
 </file>
 
 <file path=ppt/slideLayouts/slideLayout3.xml><?xml version="1.0" encoding="utf-8"?>
-<p:sldLayout xmlns:a="http://schemas.openxmlformats.org/drawingml/2006/main" xmlns:r="http://schemas.openxmlformats.org/officeDocument/2006/relationships" xmlns:mc="http://schemas.openxmlformats.org/markup-compatibility/2006" xmlns:mv="urn:schemas-microsoft-com:mac:vml" xmlns:p="http://schemas.openxmlformats.org/presentationml/2006/main" xmlns:c="http://schemas.openxmlformats.org/drawingml/2006/chart" xmlns:dgm="http://schemas.openxmlformats.org/drawingml/2006/diagram" xmlns:o="urn:schemas-microsoft-com:office:office" xmlns:v="urn:schemas-microsoft-com:vml" xmlns:pvml="urn:schemas-microsoft-com:office:powerpoint" xmlns:com="http://schemas.openxmlformats.org/drawingml/2006/compatibility" xmlns:p14="http://schemas.microsoft.com/office/powerpoint/2010/main" xmlns:p15="http://schemas.microsoft.com/office/powerpoint/2012/main" matchingName="Title and body" type="tx">
+<p:sldLayout xmlns:a="http://schemas.openxmlformats.org/drawingml/2006/main" xmlns:r="http://schemas.openxmlformats.org/officeDocument/2006/relationships" xmlns:p="http://schemas.openxmlformats.org/presentationml/2006/main" matchingName="Title and body" type="tx">
   <p:cSld name="TITLE_AND_BODY">
     <p:spTree>
       <p:nvGrpSpPr>
-        <p:cNvPr id="16" name="Shape 16"/>
+        <p:cNvPr id="1" name="Shape 16"/>
         <p:cNvGrpSpPr/>
         <p:nvPr/>
       </p:nvGrpSpPr>
@@ -3269,7 +3385,9 @@
       <p:sp>
         <p:nvSpPr>
           <p:cNvPr id="17" name="Google Shape;17;p4"/>
-          <p:cNvSpPr txBox="1"/>
+          <p:cNvSpPr txBox="1">
+            <a:spLocks noGrp="1"/>
+          </p:cNvSpPr>
           <p:nvPr>
             <p:ph type="title"/>
           </p:nvPr>
@@ -3284,7 +3402,7 @@
           </a:prstGeom>
         </p:spPr>
         <p:txBody>
-          <a:bodyPr anchorCtr="0" anchor="t" bIns="91425" lIns="91425" spcFirstLastPara="1" rIns="91425" wrap="square" tIns="91425">
+          <a:bodyPr spcFirstLastPara="1" wrap="square" lIns="91425" tIns="91425" rIns="91425" bIns="91425" anchor="t" anchorCtr="0">
             <a:noAutofit/>
           </a:bodyPr>
           <a:lstStyle>
@@ -3388,15 +3506,19 @@
               <a:defRPr/>
             </a:lvl9pPr>
           </a:lstStyle>
-          <a:p/>
+          <a:p>
+            <a:endParaRPr/>
+          </a:p>
         </p:txBody>
       </p:sp>
       <p:sp>
         <p:nvSpPr>
           <p:cNvPr id="18" name="Google Shape;18;p4"/>
-          <p:cNvSpPr txBox="1"/>
+          <p:cNvSpPr txBox="1">
+            <a:spLocks noGrp="1"/>
+          </p:cNvSpPr>
           <p:nvPr>
-            <p:ph idx="1" type="body"/>
+            <p:ph type="body" idx="1"/>
           </p:nvPr>
         </p:nvSpPr>
         <p:spPr>
@@ -3409,11 +3531,11 @@
           </a:prstGeom>
         </p:spPr>
         <p:txBody>
-          <a:bodyPr anchorCtr="0" anchor="t" bIns="91425" lIns="91425" spcFirstLastPara="1" rIns="91425" wrap="square" tIns="91425">
+          <a:bodyPr spcFirstLastPara="1" wrap="square" lIns="91425" tIns="91425" rIns="91425" bIns="91425" anchor="t" anchorCtr="0">
             <a:noAutofit/>
           </a:bodyPr>
           <a:lstStyle>
-            <a:lvl1pPr indent="-342900" lvl="0" marL="457200">
+            <a:lvl1pPr marL="457200" lvl="0" indent="-342900">
               <a:spcBef>
                 <a:spcPts val="0"/>
               </a:spcBef>
@@ -3424,7 +3546,7 @@
               <a:buChar char="●"/>
               <a:defRPr/>
             </a:lvl1pPr>
-            <a:lvl2pPr indent="-317500" lvl="1" marL="914400">
+            <a:lvl2pPr marL="914400" lvl="1" indent="-317500">
               <a:spcBef>
                 <a:spcPts val="1600"/>
               </a:spcBef>
@@ -3435,7 +3557,7 @@
               <a:buChar char="○"/>
               <a:defRPr/>
             </a:lvl2pPr>
-            <a:lvl3pPr indent="-317500" lvl="2" marL="1371600">
+            <a:lvl3pPr marL="1371600" lvl="2" indent="-317500">
               <a:spcBef>
                 <a:spcPts val="1600"/>
               </a:spcBef>
@@ -3446,7 +3568,7 @@
               <a:buChar char="■"/>
               <a:defRPr/>
             </a:lvl3pPr>
-            <a:lvl4pPr indent="-317500" lvl="3" marL="1828800">
+            <a:lvl4pPr marL="1828800" lvl="3" indent="-317500">
               <a:spcBef>
                 <a:spcPts val="1600"/>
               </a:spcBef>
@@ -3457,7 +3579,7 @@
               <a:buChar char="●"/>
               <a:defRPr/>
             </a:lvl4pPr>
-            <a:lvl5pPr indent="-317500" lvl="4" marL="2286000">
+            <a:lvl5pPr marL="2286000" lvl="4" indent="-317500">
               <a:spcBef>
                 <a:spcPts val="1600"/>
               </a:spcBef>
@@ -3468,7 +3590,7 @@
               <a:buChar char="○"/>
               <a:defRPr/>
             </a:lvl5pPr>
-            <a:lvl6pPr indent="-317500" lvl="5" marL="2743200">
+            <a:lvl6pPr marL="2743200" lvl="5" indent="-317500">
               <a:spcBef>
                 <a:spcPts val="1600"/>
               </a:spcBef>
@@ -3479,7 +3601,7 @@
               <a:buChar char="■"/>
               <a:defRPr/>
             </a:lvl6pPr>
-            <a:lvl7pPr indent="-317500" lvl="6" marL="3200400">
+            <a:lvl7pPr marL="3200400" lvl="6" indent="-317500">
               <a:spcBef>
                 <a:spcPts val="1600"/>
               </a:spcBef>
@@ -3490,7 +3612,7 @@
               <a:buChar char="●"/>
               <a:defRPr/>
             </a:lvl7pPr>
-            <a:lvl8pPr indent="-317500" lvl="7" marL="3657600">
+            <a:lvl8pPr marL="3657600" lvl="7" indent="-317500">
               <a:spcBef>
                 <a:spcPts val="1600"/>
               </a:spcBef>
@@ -3501,7 +3623,7 @@
               <a:buChar char="○"/>
               <a:defRPr/>
             </a:lvl8pPr>
-            <a:lvl9pPr indent="-317500" lvl="8" marL="4114800">
+            <a:lvl9pPr marL="4114800" lvl="8" indent="-317500">
               <a:spcBef>
                 <a:spcPts val="1600"/>
               </a:spcBef>
@@ -3513,15 +3635,19 @@
               <a:defRPr/>
             </a:lvl9pPr>
           </a:lstStyle>
-          <a:p/>
+          <a:p>
+            <a:endParaRPr/>
+          </a:p>
         </p:txBody>
       </p:sp>
       <p:sp>
         <p:nvSpPr>
           <p:cNvPr id="19" name="Google Shape;19;p4"/>
-          <p:cNvSpPr txBox="1"/>
+          <p:cNvSpPr txBox="1">
+            <a:spLocks noGrp="1"/>
+          </p:cNvSpPr>
           <p:nvPr>
-            <p:ph idx="12" type="sldNum"/>
+            <p:ph type="sldNum" idx="12"/>
           </p:nvPr>
         </p:nvSpPr>
         <p:spPr>
@@ -3534,7 +3660,7 @@
           </a:prstGeom>
         </p:spPr>
         <p:txBody>
-          <a:bodyPr anchorCtr="0" anchor="ctr" bIns="91425" lIns="91425" spcFirstLastPara="1" rIns="91425" wrap="square" tIns="91425">
+          <a:bodyPr spcFirstLastPara="1" wrap="square" lIns="91425" tIns="91425" rIns="91425" bIns="91425" anchor="ctr" anchorCtr="0">
             <a:noAutofit/>
           </a:bodyPr>
           <a:lstStyle>
@@ -3576,7 +3702,7 @@
             </a:lvl9pPr>
           </a:lstStyle>
           <a:p>
-            <a:pPr indent="0" lvl="0" marL="0" rtl="0" algn="r">
+            <a:pPr marL="0" lvl="0" indent="0" algn="r" rtl="0">
               <a:spcBef>
                 <a:spcPts val="0"/>
               </a:spcBef>
@@ -3602,11 +3728,11 @@
 </file>
 
 <file path=ppt/slideLayouts/slideLayout4.xml><?xml version="1.0" encoding="utf-8"?>
-<p:sldLayout xmlns:a="http://schemas.openxmlformats.org/drawingml/2006/main" xmlns:r="http://schemas.openxmlformats.org/officeDocument/2006/relationships" xmlns:mc="http://schemas.openxmlformats.org/markup-compatibility/2006" xmlns:mv="urn:schemas-microsoft-com:mac:vml" xmlns:p="http://schemas.openxmlformats.org/presentationml/2006/main" xmlns:c="http://schemas.openxmlformats.org/drawingml/2006/chart" xmlns:dgm="http://schemas.openxmlformats.org/drawingml/2006/diagram" xmlns:o="urn:schemas-microsoft-com:office:office" xmlns:v="urn:schemas-microsoft-com:vml" xmlns:pvml="urn:schemas-microsoft-com:office:powerpoint" xmlns:com="http://schemas.openxmlformats.org/drawingml/2006/compatibility" xmlns:p14="http://schemas.microsoft.com/office/powerpoint/2010/main" xmlns:p15="http://schemas.microsoft.com/office/powerpoint/2012/main" matchingName="Title and two columns" type="twoColTx">
+<p:sldLayout xmlns:a="http://schemas.openxmlformats.org/drawingml/2006/main" xmlns:r="http://schemas.openxmlformats.org/officeDocument/2006/relationships" xmlns:p="http://schemas.openxmlformats.org/presentationml/2006/main" matchingName="Title and two columns" type="twoColTx">
   <p:cSld name="TITLE_AND_TWO_COLUMNS">
     <p:spTree>
       <p:nvGrpSpPr>
-        <p:cNvPr id="20" name="Shape 20"/>
+        <p:cNvPr id="1" name="Shape 20"/>
         <p:cNvGrpSpPr/>
         <p:nvPr/>
       </p:nvGrpSpPr>
@@ -3621,7 +3747,9 @@
       <p:sp>
         <p:nvSpPr>
           <p:cNvPr id="21" name="Google Shape;21;p5"/>
-          <p:cNvSpPr txBox="1"/>
+          <p:cNvSpPr txBox="1">
+            <a:spLocks noGrp="1"/>
+          </p:cNvSpPr>
           <p:nvPr>
             <p:ph type="title"/>
           </p:nvPr>
@@ -3636,7 +3764,7 @@
           </a:prstGeom>
         </p:spPr>
         <p:txBody>
-          <a:bodyPr anchorCtr="0" anchor="t" bIns="91425" lIns="91425" spcFirstLastPara="1" rIns="91425" wrap="square" tIns="91425">
+          <a:bodyPr spcFirstLastPara="1" wrap="square" lIns="91425" tIns="91425" rIns="91425" bIns="91425" anchor="t" anchorCtr="0">
             <a:noAutofit/>
           </a:bodyPr>
           <a:lstStyle>
@@ -3740,15 +3868,19 @@
               <a:defRPr/>
             </a:lvl9pPr>
           </a:lstStyle>
-          <a:p/>
+          <a:p>
+            <a:endParaRPr/>
+          </a:p>
         </p:txBody>
       </p:sp>
       <p:sp>
         <p:nvSpPr>
           <p:cNvPr id="22" name="Google Shape;22;p5"/>
-          <p:cNvSpPr txBox="1"/>
+          <p:cNvSpPr txBox="1">
+            <a:spLocks noGrp="1"/>
+          </p:cNvSpPr>
           <p:nvPr>
-            <p:ph idx="1" type="body"/>
+            <p:ph type="body" idx="1"/>
           </p:nvPr>
         </p:nvSpPr>
         <p:spPr>
@@ -3761,11 +3893,11 @@
           </a:prstGeom>
         </p:spPr>
         <p:txBody>
-          <a:bodyPr anchorCtr="0" anchor="t" bIns="91425" lIns="91425" spcFirstLastPara="1" rIns="91425" wrap="square" tIns="91425">
+          <a:bodyPr spcFirstLastPara="1" wrap="square" lIns="91425" tIns="91425" rIns="91425" bIns="91425" anchor="t" anchorCtr="0">
             <a:noAutofit/>
           </a:bodyPr>
           <a:lstStyle>
-            <a:lvl1pPr indent="-317500" lvl="0" marL="457200">
+            <a:lvl1pPr marL="457200" lvl="0" indent="-317500">
               <a:spcBef>
                 <a:spcPts val="0"/>
               </a:spcBef>
@@ -3776,7 +3908,7 @@
               <a:buChar char="●"/>
               <a:defRPr sz="1400"/>
             </a:lvl1pPr>
-            <a:lvl2pPr indent="-304800" lvl="1" marL="914400">
+            <a:lvl2pPr marL="914400" lvl="1" indent="-304800">
               <a:spcBef>
                 <a:spcPts val="1600"/>
               </a:spcBef>
@@ -3787,7 +3919,7 @@
               <a:buChar char="○"/>
               <a:defRPr sz="1200"/>
             </a:lvl2pPr>
-            <a:lvl3pPr indent="-304800" lvl="2" marL="1371600">
+            <a:lvl3pPr marL="1371600" lvl="2" indent="-304800">
               <a:spcBef>
                 <a:spcPts val="1600"/>
               </a:spcBef>
@@ -3798,7 +3930,7 @@
               <a:buChar char="■"/>
               <a:defRPr sz="1200"/>
             </a:lvl3pPr>
-            <a:lvl4pPr indent="-304800" lvl="3" marL="1828800">
+            <a:lvl4pPr marL="1828800" lvl="3" indent="-304800">
               <a:spcBef>
                 <a:spcPts val="1600"/>
               </a:spcBef>
@@ -3809,7 +3941,7 @@
               <a:buChar char="●"/>
               <a:defRPr sz="1200"/>
             </a:lvl4pPr>
-            <a:lvl5pPr indent="-304800" lvl="4" marL="2286000">
+            <a:lvl5pPr marL="2286000" lvl="4" indent="-304800">
               <a:spcBef>
                 <a:spcPts val="1600"/>
               </a:spcBef>
@@ -3820,7 +3952,7 @@
               <a:buChar char="○"/>
               <a:defRPr sz="1200"/>
             </a:lvl5pPr>
-            <a:lvl6pPr indent="-304800" lvl="5" marL="2743200">
+            <a:lvl6pPr marL="2743200" lvl="5" indent="-304800">
               <a:spcBef>
                 <a:spcPts val="1600"/>
               </a:spcBef>
@@ -3831,7 +3963,7 @@
               <a:buChar char="■"/>
               <a:defRPr sz="1200"/>
             </a:lvl6pPr>
-            <a:lvl7pPr indent="-304800" lvl="6" marL="3200400">
+            <a:lvl7pPr marL="3200400" lvl="6" indent="-304800">
               <a:spcBef>
                 <a:spcPts val="1600"/>
               </a:spcBef>
@@ -3842,7 +3974,7 @@
               <a:buChar char="●"/>
               <a:defRPr sz="1200"/>
             </a:lvl7pPr>
-            <a:lvl8pPr indent="-304800" lvl="7" marL="3657600">
+            <a:lvl8pPr marL="3657600" lvl="7" indent="-304800">
               <a:spcBef>
                 <a:spcPts val="1600"/>
               </a:spcBef>
@@ -3853,7 +3985,7 @@
               <a:buChar char="○"/>
               <a:defRPr sz="1200"/>
             </a:lvl8pPr>
-            <a:lvl9pPr indent="-304800" lvl="8" marL="4114800">
+            <a:lvl9pPr marL="4114800" lvl="8" indent="-304800">
               <a:spcBef>
                 <a:spcPts val="1600"/>
               </a:spcBef>
@@ -3865,15 +3997,19 @@
               <a:defRPr sz="1200"/>
             </a:lvl9pPr>
           </a:lstStyle>
-          <a:p/>
+          <a:p>
+            <a:endParaRPr/>
+          </a:p>
         </p:txBody>
       </p:sp>
       <p:sp>
         <p:nvSpPr>
           <p:cNvPr id="23" name="Google Shape;23;p5"/>
-          <p:cNvSpPr txBox="1"/>
+          <p:cNvSpPr txBox="1">
+            <a:spLocks noGrp="1"/>
+          </p:cNvSpPr>
           <p:nvPr>
-            <p:ph idx="2" type="body"/>
+            <p:ph type="body" idx="2"/>
           </p:nvPr>
         </p:nvSpPr>
         <p:spPr>
@@ -3886,11 +4022,11 @@
           </a:prstGeom>
         </p:spPr>
         <p:txBody>
-          <a:bodyPr anchorCtr="0" anchor="t" bIns="91425" lIns="91425" spcFirstLastPara="1" rIns="91425" wrap="square" tIns="91425">
+          <a:bodyPr spcFirstLastPara="1" wrap="square" lIns="91425" tIns="91425" rIns="91425" bIns="91425" anchor="t" anchorCtr="0">
             <a:noAutofit/>
           </a:bodyPr>
           <a:lstStyle>
-            <a:lvl1pPr indent="-317500" lvl="0" marL="457200">
+            <a:lvl1pPr marL="457200" lvl="0" indent="-317500">
               <a:spcBef>
                 <a:spcPts val="0"/>
               </a:spcBef>
@@ -3901,7 +4037,7 @@
               <a:buChar char="●"/>
               <a:defRPr sz="1400"/>
             </a:lvl1pPr>
-            <a:lvl2pPr indent="-304800" lvl="1" marL="914400">
+            <a:lvl2pPr marL="914400" lvl="1" indent="-304800">
               <a:spcBef>
                 <a:spcPts val="1600"/>
               </a:spcBef>
@@ -3912,7 +4048,7 @@
               <a:buChar char="○"/>
               <a:defRPr sz="1200"/>
             </a:lvl2pPr>
-            <a:lvl3pPr indent="-304800" lvl="2" marL="1371600">
+            <a:lvl3pPr marL="1371600" lvl="2" indent="-304800">
               <a:spcBef>
                 <a:spcPts val="1600"/>
               </a:spcBef>
@@ -3923,7 +4059,7 @@
               <a:buChar char="■"/>
               <a:defRPr sz="1200"/>
             </a:lvl3pPr>
-            <a:lvl4pPr indent="-304800" lvl="3" marL="1828800">
+            <a:lvl4pPr marL="1828800" lvl="3" indent="-304800">
               <a:spcBef>
                 <a:spcPts val="1600"/>
               </a:spcBef>
@@ -3934,7 +4070,7 @@
               <a:buChar char="●"/>
               <a:defRPr sz="1200"/>
             </a:lvl4pPr>
-            <a:lvl5pPr indent="-304800" lvl="4" marL="2286000">
+            <a:lvl5pPr marL="2286000" lvl="4" indent="-304800">
               <a:spcBef>
                 <a:spcPts val="1600"/>
               </a:spcBef>
@@ -3945,7 +4081,7 @@
               <a:buChar char="○"/>
               <a:defRPr sz="1200"/>
             </a:lvl5pPr>
-            <a:lvl6pPr indent="-304800" lvl="5" marL="2743200">
+            <a:lvl6pPr marL="2743200" lvl="5" indent="-304800">
               <a:spcBef>
                 <a:spcPts val="1600"/>
               </a:spcBef>
@@ -3956,7 +4092,7 @@
               <a:buChar char="■"/>
               <a:defRPr sz="1200"/>
             </a:lvl6pPr>
-            <a:lvl7pPr indent="-304800" lvl="6" marL="3200400">
+            <a:lvl7pPr marL="3200400" lvl="6" indent="-304800">
               <a:spcBef>
                 <a:spcPts val="1600"/>
               </a:spcBef>
@@ -3967,7 +4103,7 @@
               <a:buChar char="●"/>
               <a:defRPr sz="1200"/>
             </a:lvl7pPr>
-            <a:lvl8pPr indent="-304800" lvl="7" marL="3657600">
+            <a:lvl8pPr marL="3657600" lvl="7" indent="-304800">
               <a:spcBef>
                 <a:spcPts val="1600"/>
               </a:spcBef>
@@ -3978,7 +4114,7 @@
               <a:buChar char="○"/>
               <a:defRPr sz="1200"/>
             </a:lvl8pPr>
-            <a:lvl9pPr indent="-304800" lvl="8" marL="4114800">
+            <a:lvl9pPr marL="4114800" lvl="8" indent="-304800">
               <a:spcBef>
                 <a:spcPts val="1600"/>
               </a:spcBef>
@@ -3990,15 +4126,19 @@
               <a:defRPr sz="1200"/>
             </a:lvl9pPr>
           </a:lstStyle>
-          <a:p/>
+          <a:p>
+            <a:endParaRPr/>
+          </a:p>
         </p:txBody>
       </p:sp>
       <p:sp>
         <p:nvSpPr>
           <p:cNvPr id="24" name="Google Shape;24;p5"/>
-          <p:cNvSpPr txBox="1"/>
+          <p:cNvSpPr txBox="1">
+            <a:spLocks noGrp="1"/>
+          </p:cNvSpPr>
           <p:nvPr>
-            <p:ph idx="12" type="sldNum"/>
+            <p:ph type="sldNum" idx="12"/>
           </p:nvPr>
         </p:nvSpPr>
         <p:spPr>
@@ -4011,7 +4151,7 @@
           </a:prstGeom>
         </p:spPr>
         <p:txBody>
-          <a:bodyPr anchorCtr="0" anchor="ctr" bIns="91425" lIns="91425" spcFirstLastPara="1" rIns="91425" wrap="square" tIns="91425">
+          <a:bodyPr spcFirstLastPara="1" wrap="square" lIns="91425" tIns="91425" rIns="91425" bIns="91425" anchor="ctr" anchorCtr="0">
             <a:noAutofit/>
           </a:bodyPr>
           <a:lstStyle>
@@ -4053,7 +4193,7 @@
             </a:lvl9pPr>
           </a:lstStyle>
           <a:p>
-            <a:pPr indent="0" lvl="0" marL="0" rtl="0" algn="r">
+            <a:pPr marL="0" lvl="0" indent="0" algn="r" rtl="0">
               <a:spcBef>
                 <a:spcPts val="0"/>
               </a:spcBef>
@@ -4079,11 +4219,11 @@
 </file>
 
 <file path=ppt/slideLayouts/slideLayout5.xml><?xml version="1.0" encoding="utf-8"?>
-<p:sldLayout xmlns:a="http://schemas.openxmlformats.org/drawingml/2006/main" xmlns:r="http://schemas.openxmlformats.org/officeDocument/2006/relationships" xmlns:mc="http://schemas.openxmlformats.org/markup-compatibility/2006" xmlns:mv="urn:schemas-microsoft-com:mac:vml" xmlns:p="http://schemas.openxmlformats.org/presentationml/2006/main" xmlns:c="http://schemas.openxmlformats.org/drawingml/2006/chart" xmlns:dgm="http://schemas.openxmlformats.org/drawingml/2006/diagram" xmlns:o="urn:schemas-microsoft-com:office:office" xmlns:v="urn:schemas-microsoft-com:vml" xmlns:pvml="urn:schemas-microsoft-com:office:powerpoint" xmlns:com="http://schemas.openxmlformats.org/drawingml/2006/compatibility" xmlns:p14="http://schemas.microsoft.com/office/powerpoint/2010/main" xmlns:p15="http://schemas.microsoft.com/office/powerpoint/2012/main" matchingName="Title only" type="titleOnly">
+<p:sldLayout xmlns:a="http://schemas.openxmlformats.org/drawingml/2006/main" xmlns:r="http://schemas.openxmlformats.org/officeDocument/2006/relationships" xmlns:p="http://schemas.openxmlformats.org/presentationml/2006/main" matchingName="Title only" type="titleOnly">
   <p:cSld name="TITLE_ONLY">
     <p:spTree>
       <p:nvGrpSpPr>
-        <p:cNvPr id="25" name="Shape 25"/>
+        <p:cNvPr id="1" name="Shape 25"/>
         <p:cNvGrpSpPr/>
         <p:nvPr/>
       </p:nvGrpSpPr>
@@ -4098,7 +4238,9 @@
       <p:sp>
         <p:nvSpPr>
           <p:cNvPr id="26" name="Google Shape;26;p6"/>
-          <p:cNvSpPr txBox="1"/>
+          <p:cNvSpPr txBox="1">
+            <a:spLocks noGrp="1"/>
+          </p:cNvSpPr>
           <p:nvPr>
             <p:ph type="title"/>
           </p:nvPr>
@@ -4113,7 +4255,7 @@
           </a:prstGeom>
         </p:spPr>
         <p:txBody>
-          <a:bodyPr anchorCtr="0" anchor="t" bIns="91425" lIns="91425" spcFirstLastPara="1" rIns="91425" wrap="square" tIns="91425">
+          <a:bodyPr spcFirstLastPara="1" wrap="square" lIns="91425" tIns="91425" rIns="91425" bIns="91425" anchor="t" anchorCtr="0">
             <a:noAutofit/>
           </a:bodyPr>
           <a:lstStyle>
@@ -4217,15 +4359,19 @@
               <a:defRPr/>
             </a:lvl9pPr>
           </a:lstStyle>
-          <a:p/>
+          <a:p>
+            <a:endParaRPr/>
+          </a:p>
         </p:txBody>
       </p:sp>
       <p:sp>
         <p:nvSpPr>
           <p:cNvPr id="27" name="Google Shape;27;p6"/>
-          <p:cNvSpPr txBox="1"/>
+          <p:cNvSpPr txBox="1">
+            <a:spLocks noGrp="1"/>
+          </p:cNvSpPr>
           <p:nvPr>
-            <p:ph idx="12" type="sldNum"/>
+            <p:ph type="sldNum" idx="12"/>
           </p:nvPr>
         </p:nvSpPr>
         <p:spPr>
@@ -4238,7 +4384,7 @@
           </a:prstGeom>
         </p:spPr>
         <p:txBody>
-          <a:bodyPr anchorCtr="0" anchor="ctr" bIns="91425" lIns="91425" spcFirstLastPara="1" rIns="91425" wrap="square" tIns="91425">
+          <a:bodyPr spcFirstLastPara="1" wrap="square" lIns="91425" tIns="91425" rIns="91425" bIns="91425" anchor="ctr" anchorCtr="0">
             <a:noAutofit/>
           </a:bodyPr>
           <a:lstStyle>
@@ -4280,7 +4426,7 @@
             </a:lvl9pPr>
           </a:lstStyle>
           <a:p>
-            <a:pPr indent="0" lvl="0" marL="0" rtl="0" algn="r">
+            <a:pPr marL="0" lvl="0" indent="0" algn="r" rtl="0">
               <a:spcBef>
                 <a:spcPts val="0"/>
               </a:spcBef>
@@ -4306,11 +4452,11 @@
 </file>
 
 <file path=ppt/slideLayouts/slideLayout6.xml><?xml version="1.0" encoding="utf-8"?>
-<p:sldLayout xmlns:a="http://schemas.openxmlformats.org/drawingml/2006/main" xmlns:r="http://schemas.openxmlformats.org/officeDocument/2006/relationships" xmlns:mc="http://schemas.openxmlformats.org/markup-compatibility/2006" xmlns:mv="urn:schemas-microsoft-com:mac:vml" xmlns:p="http://schemas.openxmlformats.org/presentationml/2006/main" xmlns:c="http://schemas.openxmlformats.org/drawingml/2006/chart" xmlns:dgm="http://schemas.openxmlformats.org/drawingml/2006/diagram" xmlns:o="urn:schemas-microsoft-com:office:office" xmlns:v="urn:schemas-microsoft-com:vml" xmlns:pvml="urn:schemas-microsoft-com:office:powerpoint" xmlns:com="http://schemas.openxmlformats.org/drawingml/2006/compatibility" xmlns:p14="http://schemas.microsoft.com/office/powerpoint/2010/main" xmlns:p15="http://schemas.microsoft.com/office/powerpoint/2012/main" matchingName="One column text">
+<p:sldLayout xmlns:a="http://schemas.openxmlformats.org/drawingml/2006/main" xmlns:r="http://schemas.openxmlformats.org/officeDocument/2006/relationships" xmlns:p="http://schemas.openxmlformats.org/presentationml/2006/main" matchingName="One column text">
   <p:cSld name="ONE_COLUMN_TEXT">
     <p:spTree>
       <p:nvGrpSpPr>
-        <p:cNvPr id="28" name="Shape 28"/>
+        <p:cNvPr id="1" name="Shape 28"/>
         <p:cNvGrpSpPr/>
         <p:nvPr/>
       </p:nvGrpSpPr>
@@ -4325,7 +4471,9 @@
       <p:sp>
         <p:nvSpPr>
           <p:cNvPr id="29" name="Google Shape;29;p7"/>
-          <p:cNvSpPr txBox="1"/>
+          <p:cNvSpPr txBox="1">
+            <a:spLocks noGrp="1"/>
+          </p:cNvSpPr>
           <p:nvPr>
             <p:ph type="title"/>
           </p:nvPr>
@@ -4340,7 +4488,7 @@
           </a:prstGeom>
         </p:spPr>
         <p:txBody>
-          <a:bodyPr anchorCtr="0" anchor="b" bIns="91425" lIns="91425" spcFirstLastPara="1" rIns="91425" wrap="square" tIns="91425">
+          <a:bodyPr spcFirstLastPara="1" wrap="square" lIns="91425" tIns="91425" rIns="91425" bIns="91425" anchor="b" anchorCtr="0">
             <a:noAutofit/>
           </a:bodyPr>
           <a:lstStyle>
@@ -4444,15 +4592,19 @@
               <a:defRPr sz="2400"/>
             </a:lvl9pPr>
           </a:lstStyle>
-          <a:p/>
+          <a:p>
+            <a:endParaRPr/>
+          </a:p>
         </p:txBody>
       </p:sp>
       <p:sp>
         <p:nvSpPr>
           <p:cNvPr id="30" name="Google Shape;30;p7"/>
-          <p:cNvSpPr txBox="1"/>
+          <p:cNvSpPr txBox="1">
+            <a:spLocks noGrp="1"/>
+          </p:cNvSpPr>
           <p:nvPr>
-            <p:ph idx="1" type="body"/>
+            <p:ph type="body" idx="1"/>
           </p:nvPr>
         </p:nvSpPr>
         <p:spPr>
@@ -4465,11 +4617,11 @@
           </a:prstGeom>
         </p:spPr>
         <p:txBody>
-          <a:bodyPr anchorCtr="0" anchor="t" bIns="91425" lIns="91425" spcFirstLastPara="1" rIns="91425" wrap="square" tIns="91425">
+          <a:bodyPr spcFirstLastPara="1" wrap="square" lIns="91425" tIns="91425" rIns="91425" bIns="91425" anchor="t" anchorCtr="0">
             <a:noAutofit/>
           </a:bodyPr>
           <a:lstStyle>
-            <a:lvl1pPr indent="-304800" lvl="0" marL="457200">
+            <a:lvl1pPr marL="457200" lvl="0" indent="-304800">
               <a:spcBef>
                 <a:spcPts val="0"/>
               </a:spcBef>
@@ -4480,7 +4632,7 @@
               <a:buChar char="●"/>
               <a:defRPr sz="1200"/>
             </a:lvl1pPr>
-            <a:lvl2pPr indent="-304800" lvl="1" marL="914400">
+            <a:lvl2pPr marL="914400" lvl="1" indent="-304800">
               <a:spcBef>
                 <a:spcPts val="1600"/>
               </a:spcBef>
@@ -4491,7 +4643,7 @@
               <a:buChar char="○"/>
               <a:defRPr sz="1200"/>
             </a:lvl2pPr>
-            <a:lvl3pPr indent="-304800" lvl="2" marL="1371600">
+            <a:lvl3pPr marL="1371600" lvl="2" indent="-304800">
               <a:spcBef>
                 <a:spcPts val="1600"/>
               </a:spcBef>
@@ -4502,7 +4654,7 @@
               <a:buChar char="■"/>
               <a:defRPr sz="1200"/>
             </a:lvl3pPr>
-            <a:lvl4pPr indent="-304800" lvl="3" marL="1828800">
+            <a:lvl4pPr marL="1828800" lvl="3" indent="-304800">
               <a:spcBef>
                 <a:spcPts val="1600"/>
               </a:spcBef>
@@ -4513,7 +4665,7 @@
               <a:buChar char="●"/>
               <a:defRPr sz="1200"/>
             </a:lvl4pPr>
-            <a:lvl5pPr indent="-304800" lvl="4" marL="2286000">
+            <a:lvl5pPr marL="2286000" lvl="4" indent="-304800">
               <a:spcBef>
                 <a:spcPts val="1600"/>
               </a:spcBef>
@@ -4524,7 +4676,7 @@
               <a:buChar char="○"/>
               <a:defRPr sz="1200"/>
             </a:lvl5pPr>
-            <a:lvl6pPr indent="-304800" lvl="5" marL="2743200">
+            <a:lvl6pPr marL="2743200" lvl="5" indent="-304800">
               <a:spcBef>
                 <a:spcPts val="1600"/>
               </a:spcBef>
@@ -4535,7 +4687,7 @@
               <a:buChar char="■"/>
               <a:defRPr sz="1200"/>
             </a:lvl6pPr>
-            <a:lvl7pPr indent="-304800" lvl="6" marL="3200400">
+            <a:lvl7pPr marL="3200400" lvl="6" indent="-304800">
               <a:spcBef>
                 <a:spcPts val="1600"/>
               </a:spcBef>
@@ -4546,7 +4698,7 @@
               <a:buChar char="●"/>
               <a:defRPr sz="1200"/>
             </a:lvl7pPr>
-            <a:lvl8pPr indent="-304800" lvl="7" marL="3657600">
+            <a:lvl8pPr marL="3657600" lvl="7" indent="-304800">
               <a:spcBef>
                 <a:spcPts val="1600"/>
               </a:spcBef>
@@ -4557,7 +4709,7 @@
               <a:buChar char="○"/>
               <a:defRPr sz="1200"/>
             </a:lvl8pPr>
-            <a:lvl9pPr indent="-304800" lvl="8" marL="4114800">
+            <a:lvl9pPr marL="4114800" lvl="8" indent="-304800">
               <a:spcBef>
                 <a:spcPts val="1600"/>
               </a:spcBef>
@@ -4569,15 +4721,19 @@
               <a:defRPr sz="1200"/>
             </a:lvl9pPr>
           </a:lstStyle>
-          <a:p/>
+          <a:p>
+            <a:endParaRPr/>
+          </a:p>
         </p:txBody>
       </p:sp>
       <p:sp>
         <p:nvSpPr>
           <p:cNvPr id="31" name="Google Shape;31;p7"/>
-          <p:cNvSpPr txBox="1"/>
+          <p:cNvSpPr txBox="1">
+            <a:spLocks noGrp="1"/>
+          </p:cNvSpPr>
           <p:nvPr>
-            <p:ph idx="12" type="sldNum"/>
+            <p:ph type="sldNum" idx="12"/>
           </p:nvPr>
         </p:nvSpPr>
         <p:spPr>
@@ -4590,7 +4746,7 @@
           </a:prstGeom>
         </p:spPr>
         <p:txBody>
-          <a:bodyPr anchorCtr="0" anchor="ctr" bIns="91425" lIns="91425" spcFirstLastPara="1" rIns="91425" wrap="square" tIns="91425">
+          <a:bodyPr spcFirstLastPara="1" wrap="square" lIns="91425" tIns="91425" rIns="91425" bIns="91425" anchor="ctr" anchorCtr="0">
             <a:noAutofit/>
           </a:bodyPr>
           <a:lstStyle>
@@ -4632,7 +4788,7 @@
             </a:lvl9pPr>
           </a:lstStyle>
           <a:p>
-            <a:pPr indent="0" lvl="0" marL="0" rtl="0" algn="r">
+            <a:pPr marL="0" lvl="0" indent="0" algn="r" rtl="0">
               <a:spcBef>
                 <a:spcPts val="0"/>
               </a:spcBef>
@@ -4658,11 +4814,11 @@
 </file>
 
 <file path=ppt/slideLayouts/slideLayout7.xml><?xml version="1.0" encoding="utf-8"?>
-<p:sldLayout xmlns:a="http://schemas.openxmlformats.org/drawingml/2006/main" xmlns:r="http://schemas.openxmlformats.org/officeDocument/2006/relationships" xmlns:mc="http://schemas.openxmlformats.org/markup-compatibility/2006" xmlns:mv="urn:schemas-microsoft-com:mac:vml" xmlns:p="http://schemas.openxmlformats.org/presentationml/2006/main" xmlns:c="http://schemas.openxmlformats.org/drawingml/2006/chart" xmlns:dgm="http://schemas.openxmlformats.org/drawingml/2006/diagram" xmlns:o="urn:schemas-microsoft-com:office:office" xmlns:v="urn:schemas-microsoft-com:vml" xmlns:pvml="urn:schemas-microsoft-com:office:powerpoint" xmlns:com="http://schemas.openxmlformats.org/drawingml/2006/compatibility" xmlns:p14="http://schemas.microsoft.com/office/powerpoint/2010/main" xmlns:p15="http://schemas.microsoft.com/office/powerpoint/2012/main" matchingName="Main point">
+<p:sldLayout xmlns:a="http://schemas.openxmlformats.org/drawingml/2006/main" xmlns:r="http://schemas.openxmlformats.org/officeDocument/2006/relationships" xmlns:p="http://schemas.openxmlformats.org/presentationml/2006/main" matchingName="Main point">
   <p:cSld name="MAIN_POINT">
     <p:spTree>
       <p:nvGrpSpPr>
-        <p:cNvPr id="32" name="Shape 32"/>
+        <p:cNvPr id="1" name="Shape 32"/>
         <p:cNvGrpSpPr/>
         <p:nvPr/>
       </p:nvGrpSpPr>
@@ -4677,7 +4833,9 @@
       <p:sp>
         <p:nvSpPr>
           <p:cNvPr id="33" name="Google Shape;33;p8"/>
-          <p:cNvSpPr txBox="1"/>
+          <p:cNvSpPr txBox="1">
+            <a:spLocks noGrp="1"/>
+          </p:cNvSpPr>
           <p:nvPr>
             <p:ph type="title"/>
           </p:nvPr>
@@ -4692,7 +4850,7 @@
           </a:prstGeom>
         </p:spPr>
         <p:txBody>
-          <a:bodyPr anchorCtr="0" anchor="ctr" bIns="91425" lIns="91425" spcFirstLastPara="1" rIns="91425" wrap="square" tIns="91425">
+          <a:bodyPr spcFirstLastPara="1" wrap="square" lIns="91425" tIns="91425" rIns="91425" bIns="91425" anchor="ctr" anchorCtr="0">
             <a:noAutofit/>
           </a:bodyPr>
           <a:lstStyle>
@@ -4796,15 +4954,19 @@
               <a:defRPr sz="4800"/>
             </a:lvl9pPr>
           </a:lstStyle>
-          <a:p/>
+          <a:p>
+            <a:endParaRPr/>
+          </a:p>
         </p:txBody>
       </p:sp>
       <p:sp>
         <p:nvSpPr>
           <p:cNvPr id="34" name="Google Shape;34;p8"/>
-          <p:cNvSpPr txBox="1"/>
+          <p:cNvSpPr txBox="1">
+            <a:spLocks noGrp="1"/>
+          </p:cNvSpPr>
           <p:nvPr>
-            <p:ph idx="12" type="sldNum"/>
+            <p:ph type="sldNum" idx="12"/>
           </p:nvPr>
         </p:nvSpPr>
         <p:spPr>
@@ -4817,7 +4979,7 @@
           </a:prstGeom>
         </p:spPr>
         <p:txBody>
-          <a:bodyPr anchorCtr="0" anchor="ctr" bIns="91425" lIns="91425" spcFirstLastPara="1" rIns="91425" wrap="square" tIns="91425">
+          <a:bodyPr spcFirstLastPara="1" wrap="square" lIns="91425" tIns="91425" rIns="91425" bIns="91425" anchor="ctr" anchorCtr="0">
             <a:noAutofit/>
           </a:bodyPr>
           <a:lstStyle>
@@ -4859,7 +5021,7 @@
             </a:lvl9pPr>
           </a:lstStyle>
           <a:p>
-            <a:pPr indent="0" lvl="0" marL="0" rtl="0" algn="r">
+            <a:pPr marL="0" lvl="0" indent="0" algn="r" rtl="0">
               <a:spcBef>
                 <a:spcPts val="0"/>
               </a:spcBef>
@@ -4885,11 +5047,11 @@
 </file>
 
 <file path=ppt/slideLayouts/slideLayout8.xml><?xml version="1.0" encoding="utf-8"?>
-<p:sldLayout xmlns:a="http://schemas.openxmlformats.org/drawingml/2006/main" xmlns:r="http://schemas.openxmlformats.org/officeDocument/2006/relationships" xmlns:mc="http://schemas.openxmlformats.org/markup-compatibility/2006" xmlns:mv="urn:schemas-microsoft-com:mac:vml" xmlns:p="http://schemas.openxmlformats.org/presentationml/2006/main" xmlns:c="http://schemas.openxmlformats.org/drawingml/2006/chart" xmlns:dgm="http://schemas.openxmlformats.org/drawingml/2006/diagram" xmlns:o="urn:schemas-microsoft-com:office:office" xmlns:v="urn:schemas-microsoft-com:vml" xmlns:pvml="urn:schemas-microsoft-com:office:powerpoint" xmlns:com="http://schemas.openxmlformats.org/drawingml/2006/compatibility" xmlns:p14="http://schemas.microsoft.com/office/powerpoint/2010/main" xmlns:p15="http://schemas.microsoft.com/office/powerpoint/2012/main" matchingName="Section title and description">
+<p:sldLayout xmlns:a="http://schemas.openxmlformats.org/drawingml/2006/main" xmlns:r="http://schemas.openxmlformats.org/officeDocument/2006/relationships" xmlns:p="http://schemas.openxmlformats.org/presentationml/2006/main" matchingName="Section title and description">
   <p:cSld name="SECTION_TITLE_AND_DESCRIPTION">
     <p:spTree>
       <p:nvGrpSpPr>
-        <p:cNvPr id="35" name="Shape 35"/>
+        <p:cNvPr id="1" name="Shape 35"/>
         <p:cNvGrpSpPr/>
         <p:nvPr/>
       </p:nvGrpSpPr>
@@ -4923,23 +5085,20 @@
           </a:ln>
         </p:spPr>
         <p:txBody>
-          <a:bodyPr anchorCtr="0" anchor="ctr" bIns="91425" lIns="91425" spcFirstLastPara="1" rIns="91425" wrap="square" tIns="91425">
+          <a:bodyPr spcFirstLastPara="1" wrap="square" lIns="91425" tIns="91425" rIns="91425" bIns="91425" anchor="ctr" anchorCtr="0">
             <a:noAutofit/>
           </a:bodyPr>
           <a:lstStyle/>
           <a:p>
-            <a:pPr indent="0" lvl="0" marL="0" rtl="0" algn="l">
-              <a:spcBef>
-                <a:spcPts val="0"/>
-              </a:spcBef>
-              <a:spcAft>
-                <a:spcPts val="0"/>
-              </a:spcAft>
-              <a:buNone/>
-            </a:pPr>
-            <a:r>
-              <a:t/>
-            </a:r>
+            <a:pPr marL="0" lvl="0" indent="0" algn="l" rtl="0">
+              <a:spcBef>
+                <a:spcPts val="0"/>
+              </a:spcBef>
+              <a:spcAft>
+                <a:spcPts val="0"/>
+              </a:spcAft>
+              <a:buNone/>
+            </a:pPr>
             <a:endParaRPr/>
           </a:p>
         </p:txBody>
@@ -4947,7 +5106,9 @@
       <p:sp>
         <p:nvSpPr>
           <p:cNvPr id="37" name="Google Shape;37;p9"/>
-          <p:cNvSpPr txBox="1"/>
+          <p:cNvSpPr txBox="1">
+            <a:spLocks noGrp="1"/>
+          </p:cNvSpPr>
           <p:nvPr>
             <p:ph type="title"/>
           </p:nvPr>
@@ -4962,7 +5123,7 @@
           </a:prstGeom>
         </p:spPr>
         <p:txBody>
-          <a:bodyPr anchorCtr="0" anchor="b" bIns="91425" lIns="91425" spcFirstLastPara="1" rIns="91425" wrap="square" tIns="91425">
+          <a:bodyPr spcFirstLastPara="1" wrap="square" lIns="91425" tIns="91425" rIns="91425" bIns="91425" anchor="b" anchorCtr="0">
             <a:noAutofit/>
           </a:bodyPr>
           <a:lstStyle>
@@ -5066,15 +5227,19 @@
               <a:defRPr sz="4200"/>
             </a:lvl9pPr>
           </a:lstStyle>
-          <a:p/>
+          <a:p>
+            <a:endParaRPr/>
+          </a:p>
         </p:txBody>
       </p:sp>
       <p:sp>
         <p:nvSpPr>
           <p:cNvPr id="38" name="Google Shape;38;p9"/>
-          <p:cNvSpPr txBox="1"/>
+          <p:cNvSpPr txBox="1">
+            <a:spLocks noGrp="1"/>
+          </p:cNvSpPr>
           <p:nvPr>
-            <p:ph idx="1" type="subTitle"/>
+            <p:ph type="subTitle" idx="1"/>
           </p:nvPr>
         </p:nvSpPr>
         <p:spPr>
@@ -5087,7 +5252,7 @@
           </a:prstGeom>
         </p:spPr>
         <p:txBody>
-          <a:bodyPr anchorCtr="0" anchor="t" bIns="91425" lIns="91425" spcFirstLastPara="1" rIns="91425" wrap="square" tIns="91425">
+          <a:bodyPr spcFirstLastPara="1" wrap="square" lIns="91425" tIns="91425" rIns="91425" bIns="91425" anchor="t" anchorCtr="0">
             <a:noAutofit/>
           </a:bodyPr>
           <a:lstStyle>
@@ -5218,15 +5383,19 @@
               <a:defRPr sz="2100"/>
             </a:lvl9pPr>
           </a:lstStyle>
-          <a:p/>
+          <a:p>
+            <a:endParaRPr/>
+          </a:p>
         </p:txBody>
       </p:sp>
       <p:sp>
         <p:nvSpPr>
           <p:cNvPr id="39" name="Google Shape;39;p9"/>
-          <p:cNvSpPr txBox="1"/>
+          <p:cNvSpPr txBox="1">
+            <a:spLocks noGrp="1"/>
+          </p:cNvSpPr>
           <p:nvPr>
-            <p:ph idx="2" type="body"/>
+            <p:ph type="body" idx="2"/>
           </p:nvPr>
         </p:nvSpPr>
         <p:spPr>
@@ -5239,11 +5408,11 @@
           </a:prstGeom>
         </p:spPr>
         <p:txBody>
-          <a:bodyPr anchorCtr="0" anchor="ctr" bIns="91425" lIns="91425" spcFirstLastPara="1" rIns="91425" wrap="square" tIns="91425">
+          <a:bodyPr spcFirstLastPara="1" wrap="square" lIns="91425" tIns="91425" rIns="91425" bIns="91425" anchor="ctr" anchorCtr="0">
             <a:noAutofit/>
           </a:bodyPr>
           <a:lstStyle>
-            <a:lvl1pPr indent="-342900" lvl="0" marL="457200">
+            <a:lvl1pPr marL="457200" lvl="0" indent="-342900">
               <a:spcBef>
                 <a:spcPts val="0"/>
               </a:spcBef>
@@ -5254,7 +5423,7 @@
               <a:buChar char="●"/>
               <a:defRPr/>
             </a:lvl1pPr>
-            <a:lvl2pPr indent="-317500" lvl="1" marL="914400">
+            <a:lvl2pPr marL="914400" lvl="1" indent="-317500">
               <a:spcBef>
                 <a:spcPts val="1600"/>
               </a:spcBef>
@@ -5265,7 +5434,7 @@
               <a:buChar char="○"/>
               <a:defRPr/>
             </a:lvl2pPr>
-            <a:lvl3pPr indent="-317500" lvl="2" marL="1371600">
+            <a:lvl3pPr marL="1371600" lvl="2" indent="-317500">
               <a:spcBef>
                 <a:spcPts val="1600"/>
               </a:spcBef>
@@ -5276,7 +5445,7 @@
               <a:buChar char="■"/>
               <a:defRPr/>
             </a:lvl3pPr>
-            <a:lvl4pPr indent="-317500" lvl="3" marL="1828800">
+            <a:lvl4pPr marL="1828800" lvl="3" indent="-317500">
               <a:spcBef>
                 <a:spcPts val="1600"/>
               </a:spcBef>
@@ -5287,7 +5456,7 @@
               <a:buChar char="●"/>
               <a:defRPr/>
             </a:lvl4pPr>
-            <a:lvl5pPr indent="-317500" lvl="4" marL="2286000">
+            <a:lvl5pPr marL="2286000" lvl="4" indent="-317500">
               <a:spcBef>
                 <a:spcPts val="1600"/>
               </a:spcBef>
@@ -5298,7 +5467,7 @@
               <a:buChar char="○"/>
               <a:defRPr/>
             </a:lvl5pPr>
-            <a:lvl6pPr indent="-317500" lvl="5" marL="2743200">
+            <a:lvl6pPr marL="2743200" lvl="5" indent="-317500">
               <a:spcBef>
                 <a:spcPts val="1600"/>
               </a:spcBef>
@@ -5309,7 +5478,7 @@
               <a:buChar char="■"/>
               <a:defRPr/>
             </a:lvl6pPr>
-            <a:lvl7pPr indent="-317500" lvl="6" marL="3200400">
+            <a:lvl7pPr marL="3200400" lvl="6" indent="-317500">
               <a:spcBef>
                 <a:spcPts val="1600"/>
               </a:spcBef>
@@ -5320,7 +5489,7 @@
               <a:buChar char="●"/>
               <a:defRPr/>
             </a:lvl7pPr>
-            <a:lvl8pPr indent="-317500" lvl="7" marL="3657600">
+            <a:lvl8pPr marL="3657600" lvl="7" indent="-317500">
               <a:spcBef>
                 <a:spcPts val="1600"/>
               </a:spcBef>
@@ -5331,7 +5500,7 @@
               <a:buChar char="○"/>
               <a:defRPr/>
             </a:lvl8pPr>
-            <a:lvl9pPr indent="-317500" lvl="8" marL="4114800">
+            <a:lvl9pPr marL="4114800" lvl="8" indent="-317500">
               <a:spcBef>
                 <a:spcPts val="1600"/>
               </a:spcBef>
@@ -5343,15 +5512,19 @@
               <a:defRPr/>
             </a:lvl9pPr>
           </a:lstStyle>
-          <a:p/>
+          <a:p>
+            <a:endParaRPr/>
+          </a:p>
         </p:txBody>
       </p:sp>
       <p:sp>
         <p:nvSpPr>
           <p:cNvPr id="40" name="Google Shape;40;p9"/>
-          <p:cNvSpPr txBox="1"/>
+          <p:cNvSpPr txBox="1">
+            <a:spLocks noGrp="1"/>
+          </p:cNvSpPr>
           <p:nvPr>
-            <p:ph idx="12" type="sldNum"/>
+            <p:ph type="sldNum" idx="12"/>
           </p:nvPr>
         </p:nvSpPr>
         <p:spPr>
@@ -5364,7 +5537,7 @@
           </a:prstGeom>
         </p:spPr>
         <p:txBody>
-          <a:bodyPr anchorCtr="0" anchor="ctr" bIns="91425" lIns="91425" spcFirstLastPara="1" rIns="91425" wrap="square" tIns="91425">
+          <a:bodyPr spcFirstLastPara="1" wrap="square" lIns="91425" tIns="91425" rIns="91425" bIns="91425" anchor="ctr" anchorCtr="0">
             <a:noAutofit/>
           </a:bodyPr>
           <a:lstStyle>
@@ -5406,7 +5579,7 @@
             </a:lvl9pPr>
           </a:lstStyle>
           <a:p>
-            <a:pPr indent="0" lvl="0" marL="0" rtl="0" algn="r">
+            <a:pPr marL="0" lvl="0" indent="0" algn="r" rtl="0">
               <a:spcBef>
                 <a:spcPts val="0"/>
               </a:spcBef>
@@ -5432,11 +5605,11 @@
 </file>
 
 <file path=ppt/slideLayouts/slideLayout9.xml><?xml version="1.0" encoding="utf-8"?>
-<p:sldLayout xmlns:a="http://schemas.openxmlformats.org/drawingml/2006/main" xmlns:r="http://schemas.openxmlformats.org/officeDocument/2006/relationships" xmlns:mc="http://schemas.openxmlformats.org/markup-compatibility/2006" xmlns:mv="urn:schemas-microsoft-com:mac:vml" xmlns:p="http://schemas.openxmlformats.org/presentationml/2006/main" xmlns:c="http://schemas.openxmlformats.org/drawingml/2006/chart" xmlns:dgm="http://schemas.openxmlformats.org/drawingml/2006/diagram" xmlns:o="urn:schemas-microsoft-com:office:office" xmlns:v="urn:schemas-microsoft-com:vml" xmlns:pvml="urn:schemas-microsoft-com:office:powerpoint" xmlns:com="http://schemas.openxmlformats.org/drawingml/2006/compatibility" xmlns:p14="http://schemas.microsoft.com/office/powerpoint/2010/main" xmlns:p15="http://schemas.microsoft.com/office/powerpoint/2012/main" matchingName="Caption">
+<p:sldLayout xmlns:a="http://schemas.openxmlformats.org/drawingml/2006/main" xmlns:r="http://schemas.openxmlformats.org/officeDocument/2006/relationships" xmlns:p="http://schemas.openxmlformats.org/presentationml/2006/main" matchingName="Caption">
   <p:cSld name="CAPTION_ONLY">
     <p:spTree>
       <p:nvGrpSpPr>
-        <p:cNvPr id="41" name="Shape 41"/>
+        <p:cNvPr id="1" name="Shape 41"/>
         <p:cNvGrpSpPr/>
         <p:nvPr/>
       </p:nvGrpSpPr>
@@ -5451,9 +5624,11 @@
       <p:sp>
         <p:nvSpPr>
           <p:cNvPr id="42" name="Google Shape;42;p10"/>
-          <p:cNvSpPr txBox="1"/>
+          <p:cNvSpPr txBox="1">
+            <a:spLocks noGrp="1"/>
+          </p:cNvSpPr>
           <p:nvPr>
-            <p:ph idx="1" type="body"/>
+            <p:ph type="body" idx="1"/>
           </p:nvPr>
         </p:nvSpPr>
         <p:spPr>
@@ -5466,11 +5641,11 @@
           </a:prstGeom>
         </p:spPr>
         <p:txBody>
-          <a:bodyPr anchorCtr="0" anchor="ctr" bIns="91425" lIns="91425" spcFirstLastPara="1" rIns="91425" wrap="square" tIns="91425">
+          <a:bodyPr spcFirstLastPara="1" wrap="square" lIns="91425" tIns="91425" rIns="91425" bIns="91425" anchor="ctr" anchorCtr="0">
             <a:noAutofit/>
           </a:bodyPr>
           <a:lstStyle>
-            <a:lvl1pPr indent="-228600" lvl="0" marL="457200">
+            <a:lvl1pPr marL="457200" lvl="0" indent="-228600">
               <a:lnSpc>
                 <a:spcPct val="100000"/>
               </a:lnSpc>
@@ -5485,15 +5660,19 @@
               <a:defRPr/>
             </a:lvl1pPr>
           </a:lstStyle>
-          <a:p/>
+          <a:p>
+            <a:endParaRPr/>
+          </a:p>
         </p:txBody>
       </p:sp>
       <p:sp>
         <p:nvSpPr>
           <p:cNvPr id="43" name="Google Shape;43;p10"/>
-          <p:cNvSpPr txBox="1"/>
+          <p:cNvSpPr txBox="1">
+            <a:spLocks noGrp="1"/>
+          </p:cNvSpPr>
           <p:nvPr>
-            <p:ph idx="12" type="sldNum"/>
+            <p:ph type="sldNum" idx="12"/>
           </p:nvPr>
         </p:nvSpPr>
         <p:spPr>
@@ -5506,7 +5685,7 @@
           </a:prstGeom>
         </p:spPr>
         <p:txBody>
-          <a:bodyPr anchorCtr="0" anchor="ctr" bIns="91425" lIns="91425" spcFirstLastPara="1" rIns="91425" wrap="square" tIns="91425">
+          <a:bodyPr spcFirstLastPara="1" wrap="square" lIns="91425" tIns="91425" rIns="91425" bIns="91425" anchor="ctr" anchorCtr="0">
             <a:noAutofit/>
           </a:bodyPr>
           <a:lstStyle>
@@ -5548,7 +5727,7 @@
             </a:lvl9pPr>
           </a:lstStyle>
           <a:p>
-            <a:pPr indent="0" lvl="0" marL="0" rtl="0" algn="r">
+            <a:pPr marL="0" lvl="0" indent="0" algn="r" rtl="0">
               <a:spcBef>
                 <a:spcPts val="0"/>
               </a:spcBef>
@@ -5574,18 +5753,19 @@
 </file>
 
 <file path=ppt/slideMasters/slideMaster1.xml><?xml version="1.0" encoding="utf-8"?>
-<p:sldMaster xmlns:a="http://schemas.openxmlformats.org/drawingml/2006/main" xmlns:r="http://schemas.openxmlformats.org/officeDocument/2006/relationships" xmlns:mc="http://schemas.openxmlformats.org/markup-compatibility/2006" xmlns:mv="urn:schemas-microsoft-com:mac:vml" xmlns:p="http://schemas.openxmlformats.org/presentationml/2006/main" xmlns:c="http://schemas.openxmlformats.org/drawingml/2006/chart" xmlns:dgm="http://schemas.openxmlformats.org/drawingml/2006/diagram" xmlns:o="urn:schemas-microsoft-com:office:office" xmlns:v="urn:schemas-microsoft-com:vml" xmlns:pvml="urn:schemas-microsoft-com:office:powerpoint" xmlns:com="http://schemas.openxmlformats.org/drawingml/2006/compatibility" xmlns:p14="http://schemas.microsoft.com/office/powerpoint/2010/main" xmlns:p15="http://schemas.microsoft.com/office/powerpoint/2012/main">
+<p:sldMaster xmlns:a="http://schemas.openxmlformats.org/drawingml/2006/main" xmlns:r="http://schemas.openxmlformats.org/officeDocument/2006/relationships" xmlns:p="http://schemas.openxmlformats.org/presentationml/2006/main">
   <p:cSld name="simple-light-2">
     <p:bg>
       <p:bgPr>
         <a:solidFill>
           <a:schemeClr val="lt1"/>
         </a:solidFill>
+        <a:effectLst/>
       </p:bgPr>
     </p:bg>
     <p:spTree>
       <p:nvGrpSpPr>
-        <p:cNvPr id="5" name="Shape 5"/>
+        <p:cNvPr id="1" name="Shape 5"/>
         <p:cNvGrpSpPr/>
         <p:nvPr/>
       </p:nvGrpSpPr>
@@ -5600,7 +5780,9 @@
       <p:sp>
         <p:nvSpPr>
           <p:cNvPr id="6" name="Google Shape;6;p1"/>
-          <p:cNvSpPr txBox="1"/>
+          <p:cNvSpPr txBox="1">
+            <a:spLocks noGrp="1"/>
+          </p:cNvSpPr>
           <p:nvPr>
             <p:ph type="title"/>
           </p:nvPr>
@@ -5619,7 +5801,7 @@
           </a:ln>
         </p:spPr>
         <p:txBody>
-          <a:bodyPr anchorCtr="0" anchor="t" bIns="91425" lIns="91425" spcFirstLastPara="1" rIns="91425" wrap="square" tIns="91425">
+          <a:bodyPr spcFirstLastPara="1" wrap="square" lIns="91425" tIns="91425" rIns="91425" bIns="91425" anchor="t" anchorCtr="0">
             <a:noAutofit/>
           </a:bodyPr>
           <a:lstStyle>
@@ -5786,15 +5968,19 @@
               </a:defRPr>
             </a:lvl9pPr>
           </a:lstStyle>
-          <a:p/>
+          <a:p>
+            <a:endParaRPr/>
+          </a:p>
         </p:txBody>
       </p:sp>
       <p:sp>
         <p:nvSpPr>
           <p:cNvPr id="7" name="Google Shape;7;p1"/>
-          <p:cNvSpPr txBox="1"/>
+          <p:cNvSpPr txBox="1">
+            <a:spLocks noGrp="1"/>
+          </p:cNvSpPr>
           <p:nvPr>
-            <p:ph idx="1" type="body"/>
+            <p:ph type="body" idx="1"/>
           </p:nvPr>
         </p:nvSpPr>
         <p:spPr>
@@ -5811,11 +5997,11 @@
           </a:ln>
         </p:spPr>
         <p:txBody>
-          <a:bodyPr anchorCtr="0" anchor="t" bIns="91425" lIns="91425" spcFirstLastPara="1" rIns="91425" wrap="square" tIns="91425">
+          <a:bodyPr spcFirstLastPara="1" wrap="square" lIns="91425" tIns="91425" rIns="91425" bIns="91425" anchor="t" anchorCtr="0">
             <a:noAutofit/>
           </a:bodyPr>
           <a:lstStyle>
-            <a:lvl1pPr indent="-342900" lvl="0" marL="457200">
+            <a:lvl1pPr marL="457200" lvl="0" indent="-342900">
               <a:lnSpc>
                 <a:spcPct val="115000"/>
               </a:lnSpc>
@@ -5836,7 +6022,7 @@
                 </a:solidFill>
               </a:defRPr>
             </a:lvl1pPr>
-            <a:lvl2pPr indent="-317500" lvl="1" marL="914400">
+            <a:lvl2pPr marL="914400" lvl="1" indent="-317500">
               <a:lnSpc>
                 <a:spcPct val="115000"/>
               </a:lnSpc>
@@ -5857,7 +6043,7 @@
                 </a:solidFill>
               </a:defRPr>
             </a:lvl2pPr>
-            <a:lvl3pPr indent="-317500" lvl="2" marL="1371600">
+            <a:lvl3pPr marL="1371600" lvl="2" indent="-317500">
               <a:lnSpc>
                 <a:spcPct val="115000"/>
               </a:lnSpc>
@@ -5878,7 +6064,7 @@
                 </a:solidFill>
               </a:defRPr>
             </a:lvl3pPr>
-            <a:lvl4pPr indent="-317500" lvl="3" marL="1828800">
+            <a:lvl4pPr marL="1828800" lvl="3" indent="-317500">
               <a:lnSpc>
                 <a:spcPct val="115000"/>
               </a:lnSpc>
@@ -5899,7 +6085,7 @@
                 </a:solidFill>
               </a:defRPr>
             </a:lvl4pPr>
-            <a:lvl5pPr indent="-317500" lvl="4" marL="2286000">
+            <a:lvl5pPr marL="2286000" lvl="4" indent="-317500">
               <a:lnSpc>
                 <a:spcPct val="115000"/>
               </a:lnSpc>
@@ -5920,7 +6106,7 @@
                 </a:solidFill>
               </a:defRPr>
             </a:lvl5pPr>
-            <a:lvl6pPr indent="-317500" lvl="5" marL="2743200">
+            <a:lvl6pPr marL="2743200" lvl="5" indent="-317500">
               <a:lnSpc>
                 <a:spcPct val="115000"/>
               </a:lnSpc>
@@ -5941,7 +6127,7 @@
                 </a:solidFill>
               </a:defRPr>
             </a:lvl6pPr>
-            <a:lvl7pPr indent="-317500" lvl="6" marL="3200400">
+            <a:lvl7pPr marL="3200400" lvl="6" indent="-317500">
               <a:lnSpc>
                 <a:spcPct val="115000"/>
               </a:lnSpc>
@@ -5962,7 +6148,7 @@
                 </a:solidFill>
               </a:defRPr>
             </a:lvl7pPr>
-            <a:lvl8pPr indent="-317500" lvl="7" marL="3657600">
+            <a:lvl8pPr marL="3657600" lvl="7" indent="-317500">
               <a:lnSpc>
                 <a:spcPct val="115000"/>
               </a:lnSpc>
@@ -5983,7 +6169,7 @@
                 </a:solidFill>
               </a:defRPr>
             </a:lvl8pPr>
-            <a:lvl9pPr indent="-317500" lvl="8" marL="4114800">
+            <a:lvl9pPr marL="4114800" lvl="8" indent="-317500">
               <a:lnSpc>
                 <a:spcPct val="115000"/>
               </a:lnSpc>
@@ -6005,15 +6191,19 @@
               </a:defRPr>
             </a:lvl9pPr>
           </a:lstStyle>
-          <a:p/>
+          <a:p>
+            <a:endParaRPr/>
+          </a:p>
         </p:txBody>
       </p:sp>
       <p:sp>
         <p:nvSpPr>
           <p:cNvPr id="8" name="Google Shape;8;p1"/>
-          <p:cNvSpPr txBox="1"/>
+          <p:cNvSpPr txBox="1">
+            <a:spLocks noGrp="1"/>
+          </p:cNvSpPr>
           <p:nvPr>
-            <p:ph idx="12" type="sldNum"/>
+            <p:ph type="sldNum" idx="12"/>
           </p:nvPr>
         </p:nvSpPr>
         <p:spPr>
@@ -6030,7 +6220,7 @@
           </a:ln>
         </p:spPr>
         <p:txBody>
-          <a:bodyPr anchorCtr="0" anchor="ctr" bIns="91425" lIns="91425" spcFirstLastPara="1" rIns="91425" wrap="square" tIns="91425">
+          <a:bodyPr spcFirstLastPara="1" wrap="square" lIns="91425" tIns="91425" rIns="91425" bIns="91425" anchor="ctr" anchorCtr="0">
             <a:noAutofit/>
           </a:bodyPr>
           <a:lstStyle>
@@ -6108,7 +6298,7 @@
             </a:lvl9pPr>
           </a:lstStyle>
           <a:p>
-            <a:pPr indent="0" lvl="0" marL="0" rtl="0" algn="r">
+            <a:pPr marL="0" lvl="0" indent="0" algn="r" rtl="0">
               <a:spcBef>
                 <a:spcPts val="0"/>
               </a:spcBef>
@@ -6127,7 +6317,7 @@
       </p:sp>
     </p:spTree>
   </p:cSld>
-  <p:clrMap accent1="accent1" accent2="accent2" accent3="accent3" accent4="accent4" accent5="accent5" accent6="accent6" bg1="lt1" bg2="dk2" tx1="dk1" tx2="lt2" folHlink="folHlink" hlink="hlink"/>
+  <p:clrMap bg1="lt1" tx1="dk1" bg2="dk2" tx2="lt2" accent1="accent1" accent2="accent2" accent3="accent3" accent4="accent4" accent5="accent5" accent6="accent6" hlink="hlink" folHlink="folHlink"/>
   <p:sldLayoutIdLst>
     <p:sldLayoutId id="2147483648" r:id="rId1"/>
     <p:sldLayoutId id="2147483649" r:id="rId2"/>
@@ -6141,10 +6331,10 @@
     <p:sldLayoutId id="2147483657" r:id="rId10"/>
     <p:sldLayoutId id="2147483658" r:id="rId11"/>
   </p:sldLayoutIdLst>
-  <p:hf dt="0" ftr="0" hdr="0" sldNum="0"/>
+  <p:hf sldNum="0" hdr="0" ftr="0" dt="0"/>
   <p:txStyles>
     <p:titleStyle>
-      <a:defPPr lvl="0" marR="0" rtl="0" algn="l">
+      <a:defPPr marR="0" lvl="0" algn="l" rtl="0">
         <a:lnSpc>
           <a:spcPct val="100000"/>
         </a:lnSpc>
@@ -6155,7 +6345,7 @@
           <a:spcPts val="0"/>
         </a:spcAft>
       </a:defPPr>
-      <a:lvl1pPr lvl="0" marR="0" rtl="0" algn="l">
+      <a:lvl1pPr marR="0" lvl="0" algn="l" rtl="0">
         <a:lnSpc>
           <a:spcPct val="100000"/>
         </a:lnSpc>
@@ -6169,7 +6359,7 @@
           <a:srgbClr val="000000"/>
         </a:buClr>
         <a:buFont typeface="Arial"/>
-        <a:defRPr b="0" i="0" sz="1400" u="none" cap="none" strike="noStrike">
+        <a:defRPr sz="1400" b="0" i="0" u="none" strike="noStrike" cap="none">
           <a:solidFill>
             <a:srgbClr val="000000"/>
           </a:solidFill>
@@ -6179,7 +6369,7 @@
           <a:sym typeface="Arial"/>
         </a:defRPr>
       </a:lvl1pPr>
-      <a:lvl2pPr lvl="1" marR="0" rtl="0" algn="l">
+      <a:lvl2pPr marR="0" lvl="1" algn="l" rtl="0">
         <a:lnSpc>
           <a:spcPct val="100000"/>
         </a:lnSpc>
@@ -6193,7 +6383,7 @@
           <a:srgbClr val="000000"/>
         </a:buClr>
         <a:buFont typeface="Arial"/>
-        <a:defRPr b="0" i="0" sz="1400" u="none" cap="none" strike="noStrike">
+        <a:defRPr sz="1400" b="0" i="0" u="none" strike="noStrike" cap="none">
           <a:solidFill>
             <a:srgbClr val="000000"/>
           </a:solidFill>
@@ -6203,7 +6393,7 @@
           <a:sym typeface="Arial"/>
         </a:defRPr>
       </a:lvl2pPr>
-      <a:lvl3pPr lvl="2" marR="0" rtl="0" algn="l">
+      <a:lvl3pPr marR="0" lvl="2" algn="l" rtl="0">
         <a:lnSpc>
           <a:spcPct val="100000"/>
         </a:lnSpc>
@@ -6217,7 +6407,7 @@
           <a:srgbClr val="000000"/>
         </a:buClr>
         <a:buFont typeface="Arial"/>
-        <a:defRPr b="0" i="0" sz="1400" u="none" cap="none" strike="noStrike">
+        <a:defRPr sz="1400" b="0" i="0" u="none" strike="noStrike" cap="none">
           <a:solidFill>
             <a:srgbClr val="000000"/>
           </a:solidFill>
@@ -6227,7 +6417,7 @@
           <a:sym typeface="Arial"/>
         </a:defRPr>
       </a:lvl3pPr>
-      <a:lvl4pPr lvl="3" marR="0" rtl="0" algn="l">
+      <a:lvl4pPr marR="0" lvl="3" algn="l" rtl="0">
         <a:lnSpc>
           <a:spcPct val="100000"/>
         </a:lnSpc>
@@ -6241,7 +6431,7 @@
           <a:srgbClr val="000000"/>
         </a:buClr>
         <a:buFont typeface="Arial"/>
-        <a:defRPr b="0" i="0" sz="1400" u="none" cap="none" strike="noStrike">
+        <a:defRPr sz="1400" b="0" i="0" u="none" strike="noStrike" cap="none">
           <a:solidFill>
             <a:srgbClr val="000000"/>
           </a:solidFill>
@@ -6251,7 +6441,7 @@
           <a:sym typeface="Arial"/>
         </a:defRPr>
       </a:lvl4pPr>
-      <a:lvl5pPr lvl="4" marR="0" rtl="0" algn="l">
+      <a:lvl5pPr marR="0" lvl="4" algn="l" rtl="0">
         <a:lnSpc>
           <a:spcPct val="100000"/>
         </a:lnSpc>
@@ -6265,7 +6455,7 @@
           <a:srgbClr val="000000"/>
         </a:buClr>
         <a:buFont typeface="Arial"/>
-        <a:defRPr b="0" i="0" sz="1400" u="none" cap="none" strike="noStrike">
+        <a:defRPr sz="1400" b="0" i="0" u="none" strike="noStrike" cap="none">
           <a:solidFill>
             <a:srgbClr val="000000"/>
           </a:solidFill>
@@ -6275,7 +6465,7 @@
           <a:sym typeface="Arial"/>
         </a:defRPr>
       </a:lvl5pPr>
-      <a:lvl6pPr lvl="5" marR="0" rtl="0" algn="l">
+      <a:lvl6pPr marR="0" lvl="5" algn="l" rtl="0">
         <a:lnSpc>
           <a:spcPct val="100000"/>
         </a:lnSpc>
@@ -6289,7 +6479,7 @@
           <a:srgbClr val="000000"/>
         </a:buClr>
         <a:buFont typeface="Arial"/>
-        <a:defRPr b="0" i="0" sz="1400" u="none" cap="none" strike="noStrike">
+        <a:defRPr sz="1400" b="0" i="0" u="none" strike="noStrike" cap="none">
           <a:solidFill>
             <a:srgbClr val="000000"/>
           </a:solidFill>
@@ -6299,7 +6489,7 @@
           <a:sym typeface="Arial"/>
         </a:defRPr>
       </a:lvl6pPr>
-      <a:lvl7pPr lvl="6" marR="0" rtl="0" algn="l">
+      <a:lvl7pPr marR="0" lvl="6" algn="l" rtl="0">
         <a:lnSpc>
           <a:spcPct val="100000"/>
         </a:lnSpc>
@@ -6313,7 +6503,7 @@
           <a:srgbClr val="000000"/>
         </a:buClr>
         <a:buFont typeface="Arial"/>
-        <a:defRPr b="0" i="0" sz="1400" u="none" cap="none" strike="noStrike">
+        <a:defRPr sz="1400" b="0" i="0" u="none" strike="noStrike" cap="none">
           <a:solidFill>
             <a:srgbClr val="000000"/>
           </a:solidFill>
@@ -6323,7 +6513,7 @@
           <a:sym typeface="Arial"/>
         </a:defRPr>
       </a:lvl7pPr>
-      <a:lvl8pPr lvl="7" marR="0" rtl="0" algn="l">
+      <a:lvl8pPr marR="0" lvl="7" algn="l" rtl="0">
         <a:lnSpc>
           <a:spcPct val="100000"/>
         </a:lnSpc>
@@ -6337,7 +6527,7 @@
           <a:srgbClr val="000000"/>
         </a:buClr>
         <a:buFont typeface="Arial"/>
-        <a:defRPr b="0" i="0" sz="1400" u="none" cap="none" strike="noStrike">
+        <a:defRPr sz="1400" b="0" i="0" u="none" strike="noStrike" cap="none">
           <a:solidFill>
             <a:srgbClr val="000000"/>
           </a:solidFill>
@@ -6347,7 +6537,7 @@
           <a:sym typeface="Arial"/>
         </a:defRPr>
       </a:lvl8pPr>
-      <a:lvl9pPr lvl="8" marR="0" rtl="0" algn="l">
+      <a:lvl9pPr marR="0" lvl="8" algn="l" rtl="0">
         <a:lnSpc>
           <a:spcPct val="100000"/>
         </a:lnSpc>
@@ -6361,7 +6551,7 @@
           <a:srgbClr val="000000"/>
         </a:buClr>
         <a:buFont typeface="Arial"/>
-        <a:defRPr b="0" i="0" sz="1400" u="none" cap="none" strike="noStrike">
+        <a:defRPr sz="1400" b="0" i="0" u="none" strike="noStrike" cap="none">
           <a:solidFill>
             <a:srgbClr val="000000"/>
           </a:solidFill>
@@ -6373,7 +6563,7 @@
       </a:lvl9pPr>
     </p:titleStyle>
     <p:bodyStyle>
-      <a:defPPr lvl="0" marR="0" rtl="0" algn="l">
+      <a:defPPr marR="0" lvl="0" algn="l" rtl="0">
         <a:lnSpc>
           <a:spcPct val="100000"/>
         </a:lnSpc>
@@ -6384,7 +6574,7 @@
           <a:spcPts val="0"/>
         </a:spcAft>
       </a:defPPr>
-      <a:lvl1pPr lvl="0" marR="0" rtl="0" algn="l">
+      <a:lvl1pPr marR="0" lvl="0" algn="l" rtl="0">
         <a:lnSpc>
           <a:spcPct val="100000"/>
         </a:lnSpc>
@@ -6398,7 +6588,7 @@
           <a:srgbClr val="000000"/>
         </a:buClr>
         <a:buFont typeface="Arial"/>
-        <a:defRPr b="0" i="0" sz="1400" u="none" cap="none" strike="noStrike">
+        <a:defRPr sz="1400" b="0" i="0" u="none" strike="noStrike" cap="none">
           <a:solidFill>
             <a:srgbClr val="000000"/>
           </a:solidFill>
@@ -6408,7 +6598,7 @@
           <a:sym typeface="Arial"/>
         </a:defRPr>
       </a:lvl1pPr>
-      <a:lvl2pPr lvl="1" marR="0" rtl="0" algn="l">
+      <a:lvl2pPr marR="0" lvl="1" algn="l" rtl="0">
         <a:lnSpc>
           <a:spcPct val="100000"/>
         </a:lnSpc>
@@ -6422,7 +6612,7 @@
           <a:srgbClr val="000000"/>
         </a:buClr>
         <a:buFont typeface="Arial"/>
-        <a:defRPr b="0" i="0" sz="1400" u="none" cap="none" strike="noStrike">
+        <a:defRPr sz="1400" b="0" i="0" u="none" strike="noStrike" cap="none">
           <a:solidFill>
             <a:srgbClr val="000000"/>
           </a:solidFill>
@@ -6432,7 +6622,7 @@
           <a:sym typeface="Arial"/>
         </a:defRPr>
       </a:lvl2pPr>
-      <a:lvl3pPr lvl="2" marR="0" rtl="0" algn="l">
+      <a:lvl3pPr marR="0" lvl="2" algn="l" rtl="0">
         <a:lnSpc>
           <a:spcPct val="100000"/>
         </a:lnSpc>
@@ -6446,7 +6636,7 @@
           <a:srgbClr val="000000"/>
         </a:buClr>
         <a:buFont typeface="Arial"/>
-        <a:defRPr b="0" i="0" sz="1400" u="none" cap="none" strike="noStrike">
+        <a:defRPr sz="1400" b="0" i="0" u="none" strike="noStrike" cap="none">
           <a:solidFill>
             <a:srgbClr val="000000"/>
           </a:solidFill>
@@ -6456,7 +6646,7 @@
           <a:sym typeface="Arial"/>
         </a:defRPr>
       </a:lvl3pPr>
-      <a:lvl4pPr lvl="3" marR="0" rtl="0" algn="l">
+      <a:lvl4pPr marR="0" lvl="3" algn="l" rtl="0">
         <a:lnSpc>
           <a:spcPct val="100000"/>
         </a:lnSpc>
@@ -6470,7 +6660,7 @@
           <a:srgbClr val="000000"/>
         </a:buClr>
         <a:buFont typeface="Arial"/>
-        <a:defRPr b="0" i="0" sz="1400" u="none" cap="none" strike="noStrike">
+        <a:defRPr sz="1400" b="0" i="0" u="none" strike="noStrike" cap="none">
           <a:solidFill>
             <a:srgbClr val="000000"/>
           </a:solidFill>
@@ -6480,7 +6670,7 @@
           <a:sym typeface="Arial"/>
         </a:defRPr>
       </a:lvl4pPr>
-      <a:lvl5pPr lvl="4" marR="0" rtl="0" algn="l">
+      <a:lvl5pPr marR="0" lvl="4" algn="l" rtl="0">
         <a:lnSpc>
           <a:spcPct val="100000"/>
         </a:lnSpc>
@@ -6494,7 +6684,7 @@
           <a:srgbClr val="000000"/>
         </a:buClr>
         <a:buFont typeface="Arial"/>
-        <a:defRPr b="0" i="0" sz="1400" u="none" cap="none" strike="noStrike">
+        <a:defRPr sz="1400" b="0" i="0" u="none" strike="noStrike" cap="none">
           <a:solidFill>
             <a:srgbClr val="000000"/>
           </a:solidFill>
@@ -6504,7 +6694,7 @@
           <a:sym typeface="Arial"/>
         </a:defRPr>
       </a:lvl5pPr>
-      <a:lvl6pPr lvl="5" marR="0" rtl="0" algn="l">
+      <a:lvl6pPr marR="0" lvl="5" algn="l" rtl="0">
         <a:lnSpc>
           <a:spcPct val="100000"/>
         </a:lnSpc>
@@ -6518,7 +6708,7 @@
           <a:srgbClr val="000000"/>
         </a:buClr>
         <a:buFont typeface="Arial"/>
-        <a:defRPr b="0" i="0" sz="1400" u="none" cap="none" strike="noStrike">
+        <a:defRPr sz="1400" b="0" i="0" u="none" strike="noStrike" cap="none">
           <a:solidFill>
             <a:srgbClr val="000000"/>
           </a:solidFill>
@@ -6528,7 +6718,7 @@
           <a:sym typeface="Arial"/>
         </a:defRPr>
       </a:lvl6pPr>
-      <a:lvl7pPr lvl="6" marR="0" rtl="0" algn="l">
+      <a:lvl7pPr marR="0" lvl="6" algn="l" rtl="0">
         <a:lnSpc>
           <a:spcPct val="100000"/>
         </a:lnSpc>
@@ -6542,7 +6732,7 @@
           <a:srgbClr val="000000"/>
         </a:buClr>
         <a:buFont typeface="Arial"/>
-        <a:defRPr b="0" i="0" sz="1400" u="none" cap="none" strike="noStrike">
+        <a:defRPr sz="1400" b="0" i="0" u="none" strike="noStrike" cap="none">
           <a:solidFill>
             <a:srgbClr val="000000"/>
           </a:solidFill>
@@ -6552,7 +6742,7 @@
           <a:sym typeface="Arial"/>
         </a:defRPr>
       </a:lvl7pPr>
-      <a:lvl8pPr lvl="7" marR="0" rtl="0" algn="l">
+      <a:lvl8pPr marR="0" lvl="7" algn="l" rtl="0">
         <a:lnSpc>
           <a:spcPct val="100000"/>
         </a:lnSpc>
@@ -6566,7 +6756,7 @@
           <a:srgbClr val="000000"/>
         </a:buClr>
         <a:buFont typeface="Arial"/>
-        <a:defRPr b="0" i="0" sz="1400" u="none" cap="none" strike="noStrike">
+        <a:defRPr sz="1400" b="0" i="0" u="none" strike="noStrike" cap="none">
           <a:solidFill>
             <a:srgbClr val="000000"/>
           </a:solidFill>
@@ -6576,7 +6766,7 @@
           <a:sym typeface="Arial"/>
         </a:defRPr>
       </a:lvl8pPr>
-      <a:lvl9pPr lvl="8" marR="0" rtl="0" algn="l">
+      <a:lvl9pPr marR="0" lvl="8" algn="l" rtl="0">
         <a:lnSpc>
           <a:spcPct val="100000"/>
         </a:lnSpc>
@@ -6590,7 +6780,7 @@
           <a:srgbClr val="000000"/>
         </a:buClr>
         <a:buFont typeface="Arial"/>
-        <a:defRPr b="0" i="0" sz="1400" u="none" cap="none" strike="noStrike">
+        <a:defRPr sz="1400" b="0" i="0" u="none" strike="noStrike" cap="none">
           <a:solidFill>
             <a:srgbClr val="000000"/>
           </a:solidFill>
@@ -6602,7 +6792,7 @@
       </a:lvl9pPr>
     </p:bodyStyle>
     <p:otherStyle>
-      <a:defPPr lvl="0" marR="0" rtl="0" algn="l">
+      <a:defPPr marR="0" lvl="0" algn="l" rtl="0">
         <a:lnSpc>
           <a:spcPct val="100000"/>
         </a:lnSpc>
@@ -6613,7 +6803,7 @@
           <a:spcPts val="0"/>
         </a:spcAft>
       </a:defPPr>
-      <a:lvl1pPr lvl="0" marR="0" rtl="0" algn="l">
+      <a:lvl1pPr marR="0" lvl="0" algn="l" rtl="0">
         <a:lnSpc>
           <a:spcPct val="100000"/>
         </a:lnSpc>
@@ -6627,7 +6817,7 @@
           <a:srgbClr val="000000"/>
         </a:buClr>
         <a:buFont typeface="Arial"/>
-        <a:defRPr b="0" i="0" sz="1400" u="none" cap="none" strike="noStrike">
+        <a:defRPr sz="1400" b="0" i="0" u="none" strike="noStrike" cap="none">
           <a:solidFill>
             <a:srgbClr val="000000"/>
           </a:solidFill>
@@ -6637,7 +6827,7 @@
           <a:sym typeface="Arial"/>
         </a:defRPr>
       </a:lvl1pPr>
-      <a:lvl2pPr lvl="1" marR="0" rtl="0" algn="l">
+      <a:lvl2pPr marR="0" lvl="1" algn="l" rtl="0">
         <a:lnSpc>
           <a:spcPct val="100000"/>
         </a:lnSpc>
@@ -6651,7 +6841,7 @@
           <a:srgbClr val="000000"/>
         </a:buClr>
         <a:buFont typeface="Arial"/>
-        <a:defRPr b="0" i="0" sz="1400" u="none" cap="none" strike="noStrike">
+        <a:defRPr sz="1400" b="0" i="0" u="none" strike="noStrike" cap="none">
           <a:solidFill>
             <a:srgbClr val="000000"/>
           </a:solidFill>
@@ -6661,7 +6851,7 @@
           <a:sym typeface="Arial"/>
         </a:defRPr>
       </a:lvl2pPr>
-      <a:lvl3pPr lvl="2" marR="0" rtl="0" algn="l">
+      <a:lvl3pPr marR="0" lvl="2" algn="l" rtl="0">
         <a:lnSpc>
           <a:spcPct val="100000"/>
         </a:lnSpc>
@@ -6675,7 +6865,7 @@
           <a:srgbClr val="000000"/>
         </a:buClr>
         <a:buFont typeface="Arial"/>
-        <a:defRPr b="0" i="0" sz="1400" u="none" cap="none" strike="noStrike">
+        <a:defRPr sz="1400" b="0" i="0" u="none" strike="noStrike" cap="none">
           <a:solidFill>
             <a:srgbClr val="000000"/>
           </a:solidFill>
@@ -6685,7 +6875,7 @@
           <a:sym typeface="Arial"/>
         </a:defRPr>
       </a:lvl3pPr>
-      <a:lvl4pPr lvl="3" marR="0" rtl="0" algn="l">
+      <a:lvl4pPr marR="0" lvl="3" algn="l" rtl="0">
         <a:lnSpc>
           <a:spcPct val="100000"/>
         </a:lnSpc>
@@ -6699,7 +6889,7 @@
           <a:srgbClr val="000000"/>
         </a:buClr>
         <a:buFont typeface="Arial"/>
-        <a:defRPr b="0" i="0" sz="1400" u="none" cap="none" strike="noStrike">
+        <a:defRPr sz="1400" b="0" i="0" u="none" strike="noStrike" cap="none">
           <a:solidFill>
             <a:srgbClr val="000000"/>
           </a:solidFill>
@@ -6709,7 +6899,7 @@
           <a:sym typeface="Arial"/>
         </a:defRPr>
       </a:lvl4pPr>
-      <a:lvl5pPr lvl="4" marR="0" rtl="0" algn="l">
+      <a:lvl5pPr marR="0" lvl="4" algn="l" rtl="0">
         <a:lnSpc>
           <a:spcPct val="100000"/>
         </a:lnSpc>
@@ -6723,7 +6913,7 @@
           <a:srgbClr val="000000"/>
         </a:buClr>
         <a:buFont typeface="Arial"/>
-        <a:defRPr b="0" i="0" sz="1400" u="none" cap="none" strike="noStrike">
+        <a:defRPr sz="1400" b="0" i="0" u="none" strike="noStrike" cap="none">
           <a:solidFill>
             <a:srgbClr val="000000"/>
           </a:solidFill>
@@ -6733,7 +6923,7 @@
           <a:sym typeface="Arial"/>
         </a:defRPr>
       </a:lvl5pPr>
-      <a:lvl6pPr lvl="5" marR="0" rtl="0" algn="l">
+      <a:lvl6pPr marR="0" lvl="5" algn="l" rtl="0">
         <a:lnSpc>
           <a:spcPct val="100000"/>
         </a:lnSpc>
@@ -6747,7 +6937,7 @@
           <a:srgbClr val="000000"/>
         </a:buClr>
         <a:buFont typeface="Arial"/>
-        <a:defRPr b="0" i="0" sz="1400" u="none" cap="none" strike="noStrike">
+        <a:defRPr sz="1400" b="0" i="0" u="none" strike="noStrike" cap="none">
           <a:solidFill>
             <a:srgbClr val="000000"/>
           </a:solidFill>
@@ -6757,7 +6947,7 @@
           <a:sym typeface="Arial"/>
         </a:defRPr>
       </a:lvl6pPr>
-      <a:lvl7pPr lvl="6" marR="0" rtl="0" algn="l">
+      <a:lvl7pPr marR="0" lvl="6" algn="l" rtl="0">
         <a:lnSpc>
           <a:spcPct val="100000"/>
         </a:lnSpc>
@@ -6771,7 +6961,7 @@
           <a:srgbClr val="000000"/>
         </a:buClr>
         <a:buFont typeface="Arial"/>
-        <a:defRPr b="0" i="0" sz="1400" u="none" cap="none" strike="noStrike">
+        <a:defRPr sz="1400" b="0" i="0" u="none" strike="noStrike" cap="none">
           <a:solidFill>
             <a:srgbClr val="000000"/>
           </a:solidFill>
@@ -6781,7 +6971,7 @@
           <a:sym typeface="Arial"/>
         </a:defRPr>
       </a:lvl7pPr>
-      <a:lvl8pPr lvl="7" marR="0" rtl="0" algn="l">
+      <a:lvl8pPr marR="0" lvl="7" algn="l" rtl="0">
         <a:lnSpc>
           <a:spcPct val="100000"/>
         </a:lnSpc>
@@ -6795,7 +6985,7 @@
           <a:srgbClr val="000000"/>
         </a:buClr>
         <a:buFont typeface="Arial"/>
-        <a:defRPr b="0" i="0" sz="1400" u="none" cap="none" strike="noStrike">
+        <a:defRPr sz="1400" b="0" i="0" u="none" strike="noStrike" cap="none">
           <a:solidFill>
             <a:srgbClr val="000000"/>
           </a:solidFill>
@@ -6805,7 +6995,7 @@
           <a:sym typeface="Arial"/>
         </a:defRPr>
       </a:lvl8pPr>
-      <a:lvl9pPr lvl="8" marR="0" rtl="0" algn="l">
+      <a:lvl9pPr marR="0" lvl="8" algn="l" rtl="0">
         <a:lnSpc>
           <a:spcPct val="100000"/>
         </a:lnSpc>
@@ -6819,7 +7009,7 @@
           <a:srgbClr val="000000"/>
         </a:buClr>
         <a:buFont typeface="Arial"/>
-        <a:defRPr b="0" i="0" sz="1400" u="none" cap="none" strike="noStrike">
+        <a:defRPr sz="1400" b="0" i="0" u="none" strike="noStrike" cap="none">
           <a:solidFill>
             <a:srgbClr val="000000"/>
           </a:solidFill>
@@ -6835,11 +7025,11 @@
 </file>
 
 <file path=ppt/slides/slide1.xml><?xml version="1.0" encoding="utf-8"?>
-<p:sld xmlns:a="http://schemas.openxmlformats.org/drawingml/2006/main" xmlns:r="http://schemas.openxmlformats.org/officeDocument/2006/relationships" xmlns:mc="http://schemas.openxmlformats.org/markup-compatibility/2006" xmlns:mv="urn:schemas-microsoft-com:mac:vml" xmlns:p="http://schemas.openxmlformats.org/presentationml/2006/main" xmlns:c="http://schemas.openxmlformats.org/drawingml/2006/chart" xmlns:dgm="http://schemas.openxmlformats.org/drawingml/2006/diagram" xmlns:o="urn:schemas-microsoft-com:office:office" xmlns:v="urn:schemas-microsoft-com:vml" xmlns:pvml="urn:schemas-microsoft-com:office:powerpoint" xmlns:com="http://schemas.openxmlformats.org/drawingml/2006/compatibility" xmlns:p14="http://schemas.microsoft.com/office/powerpoint/2010/main" xmlns:p15="http://schemas.microsoft.com/office/powerpoint/2012/main">
+<p:sld xmlns:a="http://schemas.openxmlformats.org/drawingml/2006/main" xmlns:r="http://schemas.openxmlformats.org/officeDocument/2006/relationships" xmlns:p="http://schemas.openxmlformats.org/presentationml/2006/main">
   <p:cSld>
     <p:spTree>
       <p:nvGrpSpPr>
-        <p:cNvPr id="53" name="Shape 53"/>
+        <p:cNvPr id="1" name="Shape 53"/>
         <p:cNvGrpSpPr/>
         <p:nvPr/>
       </p:nvGrpSpPr>
@@ -6854,7 +7044,9 @@
       <p:sp>
         <p:nvSpPr>
           <p:cNvPr id="54" name="Google Shape;54;p13"/>
-          <p:cNvSpPr txBox="1"/>
+          <p:cNvSpPr txBox="1">
+            <a:spLocks noGrp="1"/>
+          </p:cNvSpPr>
           <p:nvPr>
             <p:ph type="ctrTitle"/>
           </p:nvPr>
@@ -6869,12 +7061,12 @@
           </a:prstGeom>
         </p:spPr>
         <p:txBody>
-          <a:bodyPr anchorCtr="0" anchor="b" bIns="91425" lIns="91425" spcFirstLastPara="1" rIns="91425" wrap="square" tIns="91425">
+          <a:bodyPr spcFirstLastPara="1" wrap="square" lIns="91425" tIns="91425" rIns="91425" bIns="91425" anchor="b" anchorCtr="0">
             <a:noAutofit/>
           </a:bodyPr>
           <a:lstStyle/>
           <a:p>
-            <a:pPr indent="0" lvl="0" marL="0" rtl="0" algn="ctr">
+            <a:pPr marL="0" lvl="0" indent="0" algn="ctr" rtl="0">
               <a:spcBef>
                 <a:spcPts val="0"/>
               </a:spcBef>
@@ -6894,9 +7086,11 @@
       <p:sp>
         <p:nvSpPr>
           <p:cNvPr id="55" name="Google Shape;55;p13"/>
-          <p:cNvSpPr txBox="1"/>
+          <p:cNvSpPr txBox="1">
+            <a:spLocks noGrp="1"/>
+          </p:cNvSpPr>
           <p:nvPr>
-            <p:ph idx="1" type="subTitle"/>
+            <p:ph type="subTitle" idx="1"/>
           </p:nvPr>
         </p:nvSpPr>
         <p:spPr>
@@ -6909,12 +7103,12 @@
           </a:prstGeom>
         </p:spPr>
         <p:txBody>
-          <a:bodyPr anchorCtr="0" anchor="t" bIns="91425" lIns="91425" spcFirstLastPara="1" rIns="91425" wrap="square" tIns="91425">
+          <a:bodyPr spcFirstLastPara="1" wrap="square" lIns="91425" tIns="91425" rIns="91425" bIns="91425" anchor="t" anchorCtr="0">
             <a:noAutofit/>
           </a:bodyPr>
           <a:lstStyle/>
           <a:p>
-            <a:pPr indent="0" lvl="0" marL="0" rtl="0" algn="ctr">
+            <a:pPr marL="0" lvl="0" indent="0" algn="ctr" rtl="0">
               <a:spcBef>
                 <a:spcPts val="0"/>
               </a:spcBef>
@@ -6968,11 +7162,11 @@
 </file>
 
 <file path=ppt/slides/slide10.xml><?xml version="1.0" encoding="utf-8"?>
-<p:sld xmlns:a="http://schemas.openxmlformats.org/drawingml/2006/main" xmlns:r="http://schemas.openxmlformats.org/officeDocument/2006/relationships" xmlns:mc="http://schemas.openxmlformats.org/markup-compatibility/2006" xmlns:mv="urn:schemas-microsoft-com:mac:vml" xmlns:p="http://schemas.openxmlformats.org/presentationml/2006/main" xmlns:c="http://schemas.openxmlformats.org/drawingml/2006/chart" xmlns:dgm="http://schemas.openxmlformats.org/drawingml/2006/diagram" xmlns:o="urn:schemas-microsoft-com:office:office" xmlns:v="urn:schemas-microsoft-com:vml" xmlns:pvml="urn:schemas-microsoft-com:office:powerpoint" xmlns:com="http://schemas.openxmlformats.org/drawingml/2006/compatibility" xmlns:p14="http://schemas.microsoft.com/office/powerpoint/2010/main" xmlns:p15="http://schemas.microsoft.com/office/powerpoint/2012/main">
+<p:sld xmlns:a="http://schemas.openxmlformats.org/drawingml/2006/main" xmlns:r="http://schemas.openxmlformats.org/officeDocument/2006/relationships" xmlns:p="http://schemas.openxmlformats.org/presentationml/2006/main">
   <p:cSld>
     <p:spTree>
       <p:nvGrpSpPr>
-        <p:cNvPr id="111" name="Shape 111"/>
+        <p:cNvPr id="1" name="Shape 111"/>
         <p:cNvGrpSpPr/>
         <p:nvPr/>
       </p:nvGrpSpPr>
@@ -6987,7 +7181,9 @@
       <p:sp>
         <p:nvSpPr>
           <p:cNvPr id="112" name="Google Shape;112;p22"/>
-          <p:cNvSpPr txBox="1"/>
+          <p:cNvSpPr txBox="1">
+            <a:spLocks noGrp="1"/>
+          </p:cNvSpPr>
           <p:nvPr>
             <p:ph type="title"/>
           </p:nvPr>
@@ -7002,12 +7198,12 @@
           </a:prstGeom>
         </p:spPr>
         <p:txBody>
-          <a:bodyPr anchorCtr="0" anchor="t" bIns="91425" lIns="91425" spcFirstLastPara="1" rIns="91425" wrap="square" tIns="91425">
+          <a:bodyPr spcFirstLastPara="1" wrap="square" lIns="91425" tIns="91425" rIns="91425" bIns="91425" anchor="t" anchorCtr="0">
             <a:noAutofit/>
           </a:bodyPr>
           <a:lstStyle/>
           <a:p>
-            <a:pPr indent="0" lvl="0" marL="0" rtl="0" algn="l">
+            <a:pPr marL="0" lvl="0" indent="0" algn="l" rtl="0">
               <a:spcBef>
                 <a:spcPts val="0"/>
               </a:spcBef>
@@ -7017,19 +7213,29 @@
               <a:buNone/>
             </a:pPr>
             <a:r>
-              <a:rPr lang="ru"/>
-              <a:t>CeckMate</a:t>
+              <a:rPr lang="ru" dirty="0"/>
+              <a:t>Cec</a:t>
             </a:r>
-            <a:endParaRPr/>
+            <a:r>
+              <a:rPr lang="en-US" dirty="0"/>
+              <a:t>h</a:t>
+            </a:r>
+            <a:r>
+              <a:rPr lang="ru" dirty="0"/>
+              <a:t>Mate</a:t>
+            </a:r>
+            <a:endParaRPr dirty="0"/>
           </a:p>
         </p:txBody>
       </p:sp>
       <p:sp>
         <p:nvSpPr>
           <p:cNvPr id="113" name="Google Shape;113;p22"/>
-          <p:cNvSpPr txBox="1"/>
+          <p:cNvSpPr txBox="1">
+            <a:spLocks noGrp="1"/>
+          </p:cNvSpPr>
           <p:nvPr>
-            <p:ph idx="1" type="body"/>
+            <p:ph type="body" idx="1"/>
           </p:nvPr>
         </p:nvSpPr>
         <p:spPr>
@@ -7042,12 +7248,12 @@
           </a:prstGeom>
         </p:spPr>
         <p:txBody>
-          <a:bodyPr anchorCtr="0" anchor="t" bIns="91425" lIns="91425" spcFirstLastPara="1" rIns="91425" wrap="square" tIns="91425">
+          <a:bodyPr spcFirstLastPara="1" wrap="square" lIns="91425" tIns="91425" rIns="91425" bIns="91425" anchor="t" anchorCtr="0">
             <a:noAutofit/>
           </a:bodyPr>
           <a:lstStyle/>
           <a:p>
-            <a:pPr indent="0" lvl="0" marL="0" rtl="0" algn="l">
+            <a:pPr marL="0" lvl="0" indent="0" algn="l" rtl="0">
               <a:spcBef>
                 <a:spcPts val="0"/>
               </a:spcBef>
@@ -7057,13 +7263,13 @@
               <a:buNone/>
             </a:pPr>
             <a:r>
-              <a:rPr lang="ru"/>
+              <a:rPr lang="ru" dirty="0"/>
               <a:t>Documentation:</a:t>
             </a:r>
-            <a:endParaRPr/>
-          </a:p>
-          <a:p>
-            <a:pPr indent="0" lvl="0" marL="0" rtl="0" algn="l">
+            <a:endParaRPr dirty="0"/>
+          </a:p>
+          <a:p>
+            <a:pPr marL="0" lvl="0" indent="0" algn="l" rtl="0">
               <a:spcBef>
                 <a:spcPts val="1600"/>
               </a:spcBef>
@@ -7073,11 +7279,11 @@
               <a:buNone/>
             </a:pPr>
             <a:r>
-              <a:rPr lang="ru"/>
+              <a:rPr lang="ru" dirty="0"/>
               <a:t>	</a:t>
             </a:r>
             <a:r>
-              <a:rPr lang="ru" u="sng">
+              <a:rPr lang="ru" u="sng" dirty="0">
                 <a:solidFill>
                   <a:schemeClr val="hlink"/>
                 </a:solidFill>
@@ -7085,10 +7291,10 @@
               </a:rPr>
               <a:t>https://cechmate.scikit-tda.org/</a:t>
             </a:r>
-            <a:endParaRPr/>
-          </a:p>
-          <a:p>
-            <a:pPr indent="0" lvl="0" marL="0" rtl="0" algn="l">
+            <a:endParaRPr dirty="0"/>
+          </a:p>
+          <a:p>
+            <a:pPr marL="0" lvl="0" indent="0" algn="l" rtl="0">
               <a:spcBef>
                 <a:spcPts val="1600"/>
               </a:spcBef>
@@ -7098,13 +7304,13 @@
               <a:buNone/>
             </a:pPr>
             <a:r>
-              <a:rPr lang="ru"/>
+              <a:rPr lang="ru" dirty="0"/>
               <a:t>Installation:</a:t>
             </a:r>
-            <a:endParaRPr/>
-          </a:p>
-          <a:p>
-            <a:pPr indent="0" lvl="0" marL="0" rtl="0" algn="l">
+            <a:endParaRPr dirty="0"/>
+          </a:p>
+          <a:p>
+            <a:pPr marL="0" lvl="0" indent="0" algn="l" rtl="0">
               <a:spcBef>
                 <a:spcPts val="1600"/>
               </a:spcBef>
@@ -7114,11 +7320,11 @@
               <a:buNone/>
             </a:pPr>
             <a:r>
-              <a:rPr lang="ru"/>
+              <a:rPr lang="ru" dirty="0"/>
               <a:t>	</a:t>
             </a:r>
             <a:r>
-              <a:rPr lang="ru">
+              <a:rPr lang="ru" dirty="0">
                 <a:solidFill>
                   <a:schemeClr val="dk1"/>
                 </a:solidFill>
@@ -7129,7 +7335,7 @@
               </a:rPr>
               <a:t>pip install cechmate</a:t>
             </a:r>
-            <a:endParaRPr>
+            <a:endParaRPr dirty="0">
               <a:solidFill>
                 <a:schemeClr val="dk1"/>
               </a:solidFill>
@@ -7140,7 +7346,7 @@
             </a:endParaRPr>
           </a:p>
           <a:p>
-            <a:pPr indent="0" lvl="0" marL="0" rtl="0" algn="l">
+            <a:pPr marL="0" lvl="0" indent="0" algn="l" rtl="0">
               <a:spcBef>
                 <a:spcPts val="1600"/>
               </a:spcBef>
@@ -7149,10 +7355,7 @@
               </a:spcAft>
               <a:buNone/>
             </a:pPr>
-            <a:r>
-              <a:t/>
-            </a:r>
-            <a:endParaRPr/>
+            <a:endParaRPr dirty="0"/>
           </a:p>
         </p:txBody>
       </p:sp>
@@ -7165,11 +7368,11 @@
 </file>
 
 <file path=ppt/slides/slide11.xml><?xml version="1.0" encoding="utf-8"?>
-<p:sld xmlns:a="http://schemas.openxmlformats.org/drawingml/2006/main" xmlns:r="http://schemas.openxmlformats.org/officeDocument/2006/relationships" xmlns:mc="http://schemas.openxmlformats.org/markup-compatibility/2006" xmlns:mv="urn:schemas-microsoft-com:mac:vml" xmlns:p="http://schemas.openxmlformats.org/presentationml/2006/main" xmlns:c="http://schemas.openxmlformats.org/drawingml/2006/chart" xmlns:dgm="http://schemas.openxmlformats.org/drawingml/2006/diagram" xmlns:o="urn:schemas-microsoft-com:office:office" xmlns:v="urn:schemas-microsoft-com:vml" xmlns:pvml="urn:schemas-microsoft-com:office:powerpoint" xmlns:com="http://schemas.openxmlformats.org/drawingml/2006/compatibility" xmlns:p14="http://schemas.microsoft.com/office/powerpoint/2010/main" xmlns:p15="http://schemas.microsoft.com/office/powerpoint/2012/main">
+<p:sld xmlns:a="http://schemas.openxmlformats.org/drawingml/2006/main" xmlns:r="http://schemas.openxmlformats.org/officeDocument/2006/relationships" xmlns:p="http://schemas.openxmlformats.org/presentationml/2006/main">
   <p:cSld>
     <p:spTree>
       <p:nvGrpSpPr>
-        <p:cNvPr id="117" name="Shape 117"/>
+        <p:cNvPr id="1" name="Shape 117"/>
         <p:cNvGrpSpPr/>
         <p:nvPr/>
       </p:nvGrpSpPr>
@@ -7184,7 +7387,9 @@
       <p:sp>
         <p:nvSpPr>
           <p:cNvPr id="118" name="Google Shape;118;p23"/>
-          <p:cNvSpPr txBox="1"/>
+          <p:cNvSpPr txBox="1">
+            <a:spLocks noGrp="1"/>
+          </p:cNvSpPr>
           <p:nvPr>
             <p:ph type="title"/>
           </p:nvPr>
@@ -7199,12 +7404,12 @@
           </a:prstGeom>
         </p:spPr>
         <p:txBody>
-          <a:bodyPr anchorCtr="0" anchor="t" bIns="91425" lIns="91425" spcFirstLastPara="1" rIns="91425" wrap="square" tIns="91425">
+          <a:bodyPr spcFirstLastPara="1" wrap="square" lIns="91425" tIns="91425" rIns="91425" bIns="91425" anchor="t" anchorCtr="0">
             <a:noAutofit/>
           </a:bodyPr>
           <a:lstStyle/>
           <a:p>
-            <a:pPr indent="0" lvl="0" marL="0" rtl="0" algn="l">
+            <a:pPr marL="0" lvl="0" indent="0" algn="l" rtl="0">
               <a:spcBef>
                 <a:spcPts val="0"/>
               </a:spcBef>
@@ -7224,9 +7429,11 @@
       <p:sp>
         <p:nvSpPr>
           <p:cNvPr id="119" name="Google Shape;119;p23"/>
-          <p:cNvSpPr txBox="1"/>
+          <p:cNvSpPr txBox="1">
+            <a:spLocks noGrp="1"/>
+          </p:cNvSpPr>
           <p:nvPr>
-            <p:ph idx="1" type="body"/>
+            <p:ph type="body" idx="1"/>
           </p:nvPr>
         </p:nvSpPr>
         <p:spPr>
@@ -7239,12 +7446,12 @@
           </a:prstGeom>
         </p:spPr>
         <p:txBody>
-          <a:bodyPr anchorCtr="0" anchor="t" bIns="91425" lIns="91425" spcFirstLastPara="1" rIns="91425" wrap="square" tIns="91425">
+          <a:bodyPr spcFirstLastPara="1" wrap="square" lIns="91425" tIns="91425" rIns="91425" bIns="91425" anchor="t" anchorCtr="0">
             <a:noAutofit/>
           </a:bodyPr>
           <a:lstStyle/>
           <a:p>
-            <a:pPr indent="0" lvl="0" marL="0" rtl="0" algn="l">
+            <a:pPr marL="0" lvl="0" indent="0" algn="l" rtl="0">
               <a:spcBef>
                 <a:spcPts val="0"/>
               </a:spcBef>
@@ -7255,16 +7462,12 @@
             </a:pPr>
             <a:r>
               <a:rPr lang="ru"/>
-              <a:t>Documentation</a:t>
-            </a:r>
-            <a:r>
-              <a:rPr lang="ru"/>
-              <a:t> - 1/4</a:t>
+              <a:t>Documentation - 1/4</a:t>
             </a:r>
             <a:endParaRPr/>
           </a:p>
           <a:p>
-            <a:pPr indent="0" lvl="0" marL="0" rtl="0" algn="l">
+            <a:pPr marL="0" lvl="0" indent="0" algn="l" rtl="0">
               <a:spcBef>
                 <a:spcPts val="1600"/>
               </a:spcBef>
@@ -7280,7 +7483,7 @@
             <a:endParaRPr/>
           </a:p>
           <a:p>
-            <a:pPr indent="0" lvl="0" marL="0" rtl="0" algn="l">
+            <a:pPr marL="0" lvl="0" indent="0" algn="l" rtl="0">
               <a:spcBef>
                 <a:spcPts val="1600"/>
               </a:spcBef>
@@ -7306,11 +7509,11 @@
 </file>
 
 <file path=ppt/slides/slide12.xml><?xml version="1.0" encoding="utf-8"?>
-<p:sld xmlns:a="http://schemas.openxmlformats.org/drawingml/2006/main" xmlns:r="http://schemas.openxmlformats.org/officeDocument/2006/relationships" xmlns:mc="http://schemas.openxmlformats.org/markup-compatibility/2006" xmlns:mv="urn:schemas-microsoft-com:mac:vml" xmlns:p="http://schemas.openxmlformats.org/presentationml/2006/main" xmlns:c="http://schemas.openxmlformats.org/drawingml/2006/chart" xmlns:dgm="http://schemas.openxmlformats.org/drawingml/2006/diagram" xmlns:o="urn:schemas-microsoft-com:office:office" xmlns:v="urn:schemas-microsoft-com:vml" xmlns:pvml="urn:schemas-microsoft-com:office:powerpoint" xmlns:com="http://schemas.openxmlformats.org/drawingml/2006/compatibility" xmlns:p14="http://schemas.microsoft.com/office/powerpoint/2010/main" xmlns:p15="http://schemas.microsoft.com/office/powerpoint/2012/main">
+<p:sld xmlns:a="http://schemas.openxmlformats.org/drawingml/2006/main" xmlns:r="http://schemas.openxmlformats.org/officeDocument/2006/relationships" xmlns:p="http://schemas.openxmlformats.org/presentationml/2006/main">
   <p:cSld>
     <p:spTree>
       <p:nvGrpSpPr>
-        <p:cNvPr id="123" name="Shape 123"/>
+        <p:cNvPr id="1" name="Shape 123"/>
         <p:cNvGrpSpPr/>
         <p:nvPr/>
       </p:nvGrpSpPr>
@@ -7325,7 +7528,9 @@
       <p:sp>
         <p:nvSpPr>
           <p:cNvPr id="124" name="Google Shape;124;p24"/>
-          <p:cNvSpPr txBox="1"/>
+          <p:cNvSpPr txBox="1">
+            <a:spLocks noGrp="1"/>
+          </p:cNvSpPr>
           <p:nvPr>
             <p:ph type="title"/>
           </p:nvPr>
@@ -7340,12 +7545,12 @@
           </a:prstGeom>
         </p:spPr>
         <p:txBody>
-          <a:bodyPr anchorCtr="0" anchor="t" bIns="91425" lIns="91425" spcFirstLastPara="1" rIns="91425" wrap="square" tIns="91425">
+          <a:bodyPr spcFirstLastPara="1" wrap="square" lIns="91425" tIns="91425" rIns="91425" bIns="91425" anchor="t" anchorCtr="0">
             <a:noAutofit/>
           </a:bodyPr>
           <a:lstStyle/>
           <a:p>
-            <a:pPr indent="0" lvl="0" marL="0" rtl="0" algn="l">
+            <a:pPr marL="0" lvl="0" indent="0" algn="l" rtl="0">
               <a:spcBef>
                 <a:spcPts val="0"/>
               </a:spcBef>
@@ -7365,9 +7570,11 @@
       <p:sp>
         <p:nvSpPr>
           <p:cNvPr id="125" name="Google Shape;125;p24"/>
-          <p:cNvSpPr txBox="1"/>
+          <p:cNvSpPr txBox="1">
+            <a:spLocks noGrp="1"/>
+          </p:cNvSpPr>
           <p:nvPr>
-            <p:ph idx="1" type="body"/>
+            <p:ph type="body" idx="1"/>
           </p:nvPr>
         </p:nvSpPr>
         <p:spPr>
@@ -7380,12 +7587,12 @@
           </a:prstGeom>
         </p:spPr>
         <p:txBody>
-          <a:bodyPr anchorCtr="0" anchor="t" bIns="91425" lIns="91425" spcFirstLastPara="1" rIns="91425" wrap="square" tIns="91425">
+          <a:bodyPr spcFirstLastPara="1" wrap="square" lIns="91425" tIns="91425" rIns="91425" bIns="91425" anchor="t" anchorCtr="0">
             <a:noAutofit/>
           </a:bodyPr>
           <a:lstStyle/>
           <a:p>
-            <a:pPr indent="-342900" lvl="0" marL="457200" rtl="0" algn="l">
+            <a:pPr marL="457200" lvl="0" indent="-342900" algn="l" rtl="0">
               <a:spcBef>
                 <a:spcPts val="0"/>
               </a:spcBef>
@@ -7397,16 +7604,12 @@
             </a:pPr>
             <a:r>
               <a:rPr lang="ru"/>
-              <a:t>U</a:t>
-            </a:r>
-            <a:r>
-              <a:rPr lang="ru"/>
-              <a:t>tilities for creating and loading data sets that are useful for Topological Data Analysis.</a:t>
+              <a:t>Utilities for creating and loading data sets that are useful for Topological Data Analysis.</a:t>
             </a:r>
             <a:endParaRPr/>
           </a:p>
           <a:p>
-            <a:pPr indent="-342900" lvl="0" marL="457200" rtl="0" algn="l">
+            <a:pPr marL="457200" lvl="0" indent="-342900" algn="l" rtl="0">
               <a:spcBef>
                 <a:spcPts val="0"/>
               </a:spcBef>
@@ -7423,7 +7626,7 @@
             <a:endParaRPr/>
           </a:p>
           <a:p>
-            <a:pPr indent="-342900" lvl="1" marL="914400" rtl="0" algn="l">
+            <a:pPr marL="914400" lvl="1" indent="-342900" algn="l" rtl="0">
               <a:spcBef>
                 <a:spcPts val="0"/>
               </a:spcBef>
@@ -7451,7 +7654,7 @@
             </a:endParaRPr>
           </a:p>
           <a:p>
-            <a:pPr indent="-342900" lvl="1" marL="914400" rtl="0" algn="l">
+            <a:pPr marL="914400" lvl="1" indent="-342900" algn="l" rtl="0">
               <a:spcBef>
                 <a:spcPts val="0"/>
               </a:spcBef>
@@ -7479,7 +7682,7 @@
             </a:endParaRPr>
           </a:p>
           <a:p>
-            <a:pPr indent="-342900" lvl="1" marL="914400" rtl="0" algn="l">
+            <a:pPr marL="914400" lvl="1" indent="-342900" algn="l" rtl="0">
               <a:spcBef>
                 <a:spcPts val="0"/>
               </a:spcBef>
@@ -7507,7 +7710,7 @@
             </a:endParaRPr>
           </a:p>
           <a:p>
-            <a:pPr indent="-342900" lvl="1" marL="914400" rtl="0" algn="l">
+            <a:pPr marL="914400" lvl="1" indent="-342900" algn="l" rtl="0">
               <a:spcBef>
                 <a:spcPts val="0"/>
               </a:spcBef>
@@ -7569,11 +7772,11 @@
 </file>
 
 <file path=ppt/slides/slide13.xml><?xml version="1.0" encoding="utf-8"?>
-<p:sld xmlns:a="http://schemas.openxmlformats.org/drawingml/2006/main" xmlns:r="http://schemas.openxmlformats.org/officeDocument/2006/relationships" xmlns:mc="http://schemas.openxmlformats.org/markup-compatibility/2006" xmlns:mv="urn:schemas-microsoft-com:mac:vml" xmlns:p="http://schemas.openxmlformats.org/presentationml/2006/main" xmlns:c="http://schemas.openxmlformats.org/drawingml/2006/chart" xmlns:dgm="http://schemas.openxmlformats.org/drawingml/2006/diagram" xmlns:o="urn:schemas-microsoft-com:office:office" xmlns:v="urn:schemas-microsoft-com:vml" xmlns:pvml="urn:schemas-microsoft-com:office:powerpoint" xmlns:com="http://schemas.openxmlformats.org/drawingml/2006/compatibility" xmlns:p14="http://schemas.microsoft.com/office/powerpoint/2010/main" xmlns:p15="http://schemas.microsoft.com/office/powerpoint/2012/main">
+<p:sld xmlns:a="http://schemas.openxmlformats.org/drawingml/2006/main" xmlns:r="http://schemas.openxmlformats.org/officeDocument/2006/relationships" xmlns:p="http://schemas.openxmlformats.org/presentationml/2006/main">
   <p:cSld>
     <p:spTree>
       <p:nvGrpSpPr>
-        <p:cNvPr id="130" name="Shape 130"/>
+        <p:cNvPr id="1" name="Shape 130"/>
         <p:cNvGrpSpPr/>
         <p:nvPr/>
       </p:nvGrpSpPr>
@@ -7588,7 +7791,9 @@
       <p:sp>
         <p:nvSpPr>
           <p:cNvPr id="131" name="Google Shape;131;p25"/>
-          <p:cNvSpPr txBox="1"/>
+          <p:cNvSpPr txBox="1">
+            <a:spLocks noGrp="1"/>
+          </p:cNvSpPr>
           <p:nvPr>
             <p:ph type="title"/>
           </p:nvPr>
@@ -7603,12 +7808,12 @@
           </a:prstGeom>
         </p:spPr>
         <p:txBody>
-          <a:bodyPr anchorCtr="0" anchor="t" bIns="91425" lIns="91425" spcFirstLastPara="1" rIns="91425" wrap="square" tIns="91425">
+          <a:bodyPr spcFirstLastPara="1" wrap="square" lIns="91425" tIns="91425" rIns="91425" bIns="91425" anchor="t" anchorCtr="0">
             <a:noAutofit/>
           </a:bodyPr>
           <a:lstStyle/>
           <a:p>
-            <a:pPr indent="0" lvl="0" marL="0" rtl="0" algn="l">
+            <a:pPr marL="0" lvl="0" indent="0" algn="l" rtl="0">
               <a:spcBef>
                 <a:spcPts val="0"/>
               </a:spcBef>
@@ -7628,9 +7833,11 @@
       <p:sp>
         <p:nvSpPr>
           <p:cNvPr id="132" name="Google Shape;132;p25"/>
-          <p:cNvSpPr txBox="1"/>
+          <p:cNvSpPr txBox="1">
+            <a:spLocks noGrp="1"/>
+          </p:cNvSpPr>
           <p:nvPr>
-            <p:ph idx="1" type="body"/>
+            <p:ph type="body" idx="1"/>
           </p:nvPr>
         </p:nvSpPr>
         <p:spPr>
@@ -7643,12 +7850,12 @@
           </a:prstGeom>
         </p:spPr>
         <p:txBody>
-          <a:bodyPr anchorCtr="0" anchor="t" bIns="91425" lIns="91425" spcFirstLastPara="1" rIns="91425" wrap="square" tIns="91425">
+          <a:bodyPr spcFirstLastPara="1" wrap="square" lIns="91425" tIns="91425" rIns="91425" bIns="91425" anchor="t" anchorCtr="0">
             <a:noAutofit/>
           </a:bodyPr>
           <a:lstStyle/>
           <a:p>
-            <a:pPr indent="0" lvl="0" marL="0" rtl="0" algn="l">
+            <a:pPr marL="0" lvl="0" indent="0" algn="l" rtl="0">
               <a:spcBef>
                 <a:spcPts val="0"/>
               </a:spcBef>
@@ -7664,7 +7871,7 @@
             <a:endParaRPr/>
           </a:p>
           <a:p>
-            <a:pPr indent="0" lvl="0" marL="0" rtl="0" algn="l">
+            <a:pPr marL="0" lvl="0" indent="0" algn="l" rtl="0">
               <a:spcBef>
                 <a:spcPts val="1600"/>
               </a:spcBef>
@@ -7689,7 +7896,7 @@
             <a:endParaRPr/>
           </a:p>
           <a:p>
-            <a:pPr indent="0" lvl="0" marL="0" rtl="0" algn="l">
+            <a:pPr marL="0" lvl="0" indent="0" algn="l" rtl="0">
               <a:spcBef>
                 <a:spcPts val="1600"/>
               </a:spcBef>
@@ -7705,7 +7912,7 @@
             <a:endParaRPr/>
           </a:p>
           <a:p>
-            <a:pPr indent="0" lvl="0" marL="0" rtl="0" algn="l">
+            <a:pPr marL="0" lvl="0" indent="0" algn="l" rtl="0">
               <a:spcBef>
                 <a:spcPts val="1600"/>
               </a:spcBef>
@@ -7741,7 +7948,7 @@
             </a:endParaRPr>
           </a:p>
           <a:p>
-            <a:pPr indent="0" lvl="0" marL="0" rtl="0" algn="l">
+            <a:pPr marL="0" lvl="0" indent="0" algn="l" rtl="0">
               <a:spcBef>
                 <a:spcPts val="1600"/>
               </a:spcBef>
@@ -7750,9 +7957,6 @@
               </a:spcAft>
               <a:buNone/>
             </a:pPr>
-            <a:r>
-              <a:t/>
-            </a:r>
             <a:endParaRPr/>
           </a:p>
         </p:txBody>
@@ -7766,11 +7970,11 @@
 </file>
 
 <file path=ppt/slides/slide14.xml><?xml version="1.0" encoding="utf-8"?>
-<p:sld xmlns:a="http://schemas.openxmlformats.org/drawingml/2006/main" xmlns:r="http://schemas.openxmlformats.org/officeDocument/2006/relationships" xmlns:mc="http://schemas.openxmlformats.org/markup-compatibility/2006" xmlns:mv="urn:schemas-microsoft-com:mac:vml" xmlns:p="http://schemas.openxmlformats.org/presentationml/2006/main" xmlns:c="http://schemas.openxmlformats.org/drawingml/2006/chart" xmlns:dgm="http://schemas.openxmlformats.org/drawingml/2006/diagram" xmlns:o="urn:schemas-microsoft-com:office:office" xmlns:v="urn:schemas-microsoft-com:vml" xmlns:pvml="urn:schemas-microsoft-com:office:powerpoint" xmlns:com="http://schemas.openxmlformats.org/drawingml/2006/compatibility" xmlns:p14="http://schemas.microsoft.com/office/powerpoint/2010/main" xmlns:p15="http://schemas.microsoft.com/office/powerpoint/2012/main">
+<p:sld xmlns:a="http://schemas.openxmlformats.org/drawingml/2006/main" xmlns:r="http://schemas.openxmlformats.org/officeDocument/2006/relationships" xmlns:p="http://schemas.openxmlformats.org/presentationml/2006/main">
   <p:cSld>
     <p:spTree>
       <p:nvGrpSpPr>
-        <p:cNvPr id="136" name="Shape 136"/>
+        <p:cNvPr id="1" name="Shape 136"/>
         <p:cNvGrpSpPr/>
         <p:nvPr/>
       </p:nvGrpSpPr>
@@ -7785,7 +7989,9 @@
       <p:sp>
         <p:nvSpPr>
           <p:cNvPr id="137" name="Google Shape;137;p26"/>
-          <p:cNvSpPr txBox="1"/>
+          <p:cNvSpPr txBox="1">
+            <a:spLocks noGrp="1"/>
+          </p:cNvSpPr>
           <p:nvPr>
             <p:ph type="title"/>
           </p:nvPr>
@@ -7800,12 +8006,12 @@
           </a:prstGeom>
         </p:spPr>
         <p:txBody>
-          <a:bodyPr anchorCtr="0" anchor="t" bIns="91425" lIns="91425" spcFirstLastPara="1" rIns="91425" wrap="square" tIns="91425">
+          <a:bodyPr spcFirstLastPara="1" wrap="square" lIns="91425" tIns="91425" rIns="91425" bIns="91425" anchor="t" anchorCtr="0">
             <a:noAutofit/>
           </a:bodyPr>
           <a:lstStyle/>
           <a:p>
-            <a:pPr indent="0" lvl="0" marL="0" rtl="0" algn="l">
+            <a:pPr marL="0" lvl="0" indent="0" algn="l" rtl="0">
               <a:spcBef>
                 <a:spcPts val="0"/>
               </a:spcBef>
@@ -7825,9 +8031,11 @@
       <p:sp>
         <p:nvSpPr>
           <p:cNvPr id="138" name="Google Shape;138;p26"/>
-          <p:cNvSpPr txBox="1"/>
+          <p:cNvSpPr txBox="1">
+            <a:spLocks noGrp="1"/>
+          </p:cNvSpPr>
           <p:nvPr>
-            <p:ph idx="1" type="body"/>
+            <p:ph type="body" idx="1"/>
           </p:nvPr>
         </p:nvSpPr>
         <p:spPr>
@@ -7840,12 +8048,12 @@
           </a:prstGeom>
         </p:spPr>
         <p:txBody>
-          <a:bodyPr anchorCtr="0" anchor="t" bIns="91425" lIns="91425" spcFirstLastPara="1" rIns="91425" wrap="square" tIns="91425">
+          <a:bodyPr spcFirstLastPara="1" wrap="square" lIns="91425" tIns="91425" rIns="91425" bIns="91425" anchor="t" anchorCtr="0">
             <a:noAutofit/>
           </a:bodyPr>
           <a:lstStyle/>
           <a:p>
-            <a:pPr indent="0" lvl="0" marL="0" rtl="0" algn="l">
+            <a:pPr marL="0" lvl="0" indent="0" algn="l" rtl="0">
               <a:spcBef>
                 <a:spcPts val="0"/>
               </a:spcBef>
@@ -7861,7 +8069,7 @@
             <a:endParaRPr/>
           </a:p>
           <a:p>
-            <a:pPr indent="0" lvl="0" marL="0" rtl="0" algn="l">
+            <a:pPr marL="0" lvl="0" indent="0" algn="l" rtl="0">
               <a:spcBef>
                 <a:spcPts val="1600"/>
               </a:spcBef>
@@ -7877,7 +8085,7 @@
             <a:endParaRPr/>
           </a:p>
           <a:p>
-            <a:pPr indent="0" lvl="0" marL="0" rtl="0" algn="l">
+            <a:pPr marL="0" lvl="0" indent="0" algn="l" rtl="0">
               <a:spcBef>
                 <a:spcPts val="1600"/>
               </a:spcBef>
@@ -7903,11 +8111,11 @@
 </file>
 
 <file path=ppt/slides/slide15.xml><?xml version="1.0" encoding="utf-8"?>
-<p:sld xmlns:a="http://schemas.openxmlformats.org/drawingml/2006/main" xmlns:r="http://schemas.openxmlformats.org/officeDocument/2006/relationships" xmlns:mc="http://schemas.openxmlformats.org/markup-compatibility/2006" xmlns:mv="urn:schemas-microsoft-com:mac:vml" xmlns:p="http://schemas.openxmlformats.org/presentationml/2006/main" xmlns:c="http://schemas.openxmlformats.org/drawingml/2006/chart" xmlns:dgm="http://schemas.openxmlformats.org/drawingml/2006/diagram" xmlns:o="urn:schemas-microsoft-com:office:office" xmlns:v="urn:schemas-microsoft-com:vml" xmlns:pvml="urn:schemas-microsoft-com:office:powerpoint" xmlns:com="http://schemas.openxmlformats.org/drawingml/2006/compatibility" xmlns:p14="http://schemas.microsoft.com/office/powerpoint/2010/main" xmlns:p15="http://schemas.microsoft.com/office/powerpoint/2012/main">
+<p:sld xmlns:a="http://schemas.openxmlformats.org/drawingml/2006/main" xmlns:r="http://schemas.openxmlformats.org/officeDocument/2006/relationships" xmlns:p="http://schemas.openxmlformats.org/presentationml/2006/main">
   <p:cSld>
     <p:spTree>
       <p:nvGrpSpPr>
-        <p:cNvPr id="142" name="Shape 142"/>
+        <p:cNvPr id="1" name="Shape 142"/>
         <p:cNvGrpSpPr/>
         <p:nvPr/>
       </p:nvGrpSpPr>
@@ -7922,7 +8130,9 @@
       <p:sp>
         <p:nvSpPr>
           <p:cNvPr id="143" name="Google Shape;143;p27"/>
-          <p:cNvSpPr txBox="1"/>
+          <p:cNvSpPr txBox="1">
+            <a:spLocks noGrp="1"/>
+          </p:cNvSpPr>
           <p:nvPr>
             <p:ph type="title"/>
           </p:nvPr>
@@ -7937,12 +8147,12 @@
           </a:prstGeom>
         </p:spPr>
         <p:txBody>
-          <a:bodyPr anchorCtr="0" anchor="t" bIns="91425" lIns="91425" spcFirstLastPara="1" rIns="91425" wrap="square" tIns="91425">
+          <a:bodyPr spcFirstLastPara="1" wrap="square" lIns="91425" tIns="91425" rIns="91425" bIns="91425" anchor="t" anchorCtr="0">
             <a:noAutofit/>
           </a:bodyPr>
           <a:lstStyle/>
           <a:p>
-            <a:pPr indent="0" lvl="0" marL="0" rtl="0" algn="l">
+            <a:pPr marL="0" lvl="0" indent="0" algn="l" rtl="0">
               <a:spcBef>
                 <a:spcPts val="0"/>
               </a:spcBef>
@@ -7962,9 +8172,11 @@
       <p:sp>
         <p:nvSpPr>
           <p:cNvPr id="144" name="Google Shape;144;p27"/>
-          <p:cNvSpPr txBox="1"/>
+          <p:cNvSpPr txBox="1">
+            <a:spLocks noGrp="1"/>
+          </p:cNvSpPr>
           <p:nvPr>
-            <p:ph idx="1" type="body"/>
+            <p:ph type="body" idx="1"/>
           </p:nvPr>
         </p:nvSpPr>
         <p:spPr>
@@ -7977,12 +8189,12 @@
           </a:prstGeom>
         </p:spPr>
         <p:txBody>
-          <a:bodyPr anchorCtr="0" anchor="t" bIns="91425" lIns="91425" spcFirstLastPara="1" rIns="91425" wrap="square" tIns="91425">
+          <a:bodyPr spcFirstLastPara="1" wrap="square" lIns="91425" tIns="91425" rIns="91425" bIns="91425" anchor="t" anchorCtr="0">
             <a:noAutofit/>
           </a:bodyPr>
           <a:lstStyle/>
           <a:p>
-            <a:pPr indent="0" lvl="0" marL="0" rtl="0" algn="l">
+            <a:pPr marL="0" lvl="0" indent="0" algn="l" rtl="0">
               <a:spcBef>
                 <a:spcPts val="0"/>
               </a:spcBef>
@@ -7991,9 +8203,6 @@
               </a:spcAft>
               <a:buNone/>
             </a:pPr>
-            <a:r>
-              <a:t/>
-            </a:r>
             <a:endParaRPr/>
           </a:p>
         </p:txBody>
@@ -8007,11 +8216,11 @@
 </file>
 
 <file path=ppt/slides/slide2.xml><?xml version="1.0" encoding="utf-8"?>
-<p:sld xmlns:a="http://schemas.openxmlformats.org/drawingml/2006/main" xmlns:r="http://schemas.openxmlformats.org/officeDocument/2006/relationships" xmlns:mc="http://schemas.openxmlformats.org/markup-compatibility/2006" xmlns:mv="urn:schemas-microsoft-com:mac:vml" xmlns:p="http://schemas.openxmlformats.org/presentationml/2006/main" xmlns:c="http://schemas.openxmlformats.org/drawingml/2006/chart" xmlns:dgm="http://schemas.openxmlformats.org/drawingml/2006/diagram" xmlns:o="urn:schemas-microsoft-com:office:office" xmlns:v="urn:schemas-microsoft-com:vml" xmlns:pvml="urn:schemas-microsoft-com:office:powerpoint" xmlns:com="http://schemas.openxmlformats.org/drawingml/2006/compatibility" xmlns:p14="http://schemas.microsoft.com/office/powerpoint/2010/main" xmlns:p15="http://schemas.microsoft.com/office/powerpoint/2012/main">
+<p:sld xmlns:a="http://schemas.openxmlformats.org/drawingml/2006/main" xmlns:r="http://schemas.openxmlformats.org/officeDocument/2006/relationships" xmlns:p="http://schemas.openxmlformats.org/presentationml/2006/main">
   <p:cSld>
     <p:spTree>
       <p:nvGrpSpPr>
-        <p:cNvPr id="60" name="Shape 60"/>
+        <p:cNvPr id="1" name="Shape 60"/>
         <p:cNvGrpSpPr/>
         <p:nvPr/>
       </p:nvGrpSpPr>
@@ -8026,7 +8235,9 @@
       <p:sp>
         <p:nvSpPr>
           <p:cNvPr id="61" name="Google Shape;61;p14"/>
-          <p:cNvSpPr txBox="1"/>
+          <p:cNvSpPr txBox="1">
+            <a:spLocks noGrp="1"/>
+          </p:cNvSpPr>
           <p:nvPr>
             <p:ph type="title"/>
           </p:nvPr>
@@ -8041,12 +8252,12 @@
           </a:prstGeom>
         </p:spPr>
         <p:txBody>
-          <a:bodyPr anchorCtr="0" anchor="t" bIns="91425" lIns="91425" spcFirstLastPara="1" rIns="91425" wrap="square" tIns="91425">
+          <a:bodyPr spcFirstLastPara="1" wrap="square" lIns="91425" tIns="91425" rIns="91425" bIns="91425" anchor="t" anchorCtr="0">
             <a:noAutofit/>
           </a:bodyPr>
           <a:lstStyle/>
           <a:p>
-            <a:pPr indent="0" lvl="0" marL="0" rtl="0" algn="l">
+            <a:pPr marL="0" lvl="0" indent="0" algn="l" rtl="0">
               <a:spcBef>
                 <a:spcPts val="0"/>
               </a:spcBef>
@@ -8066,9 +8277,11 @@
       <p:sp>
         <p:nvSpPr>
           <p:cNvPr id="62" name="Google Shape;62;p14"/>
-          <p:cNvSpPr txBox="1"/>
+          <p:cNvSpPr txBox="1">
+            <a:spLocks noGrp="1"/>
+          </p:cNvSpPr>
           <p:nvPr>
-            <p:ph idx="1" type="body"/>
+            <p:ph type="body" idx="1"/>
           </p:nvPr>
         </p:nvSpPr>
         <p:spPr>
@@ -8081,12 +8294,12 @@
           </a:prstGeom>
         </p:spPr>
         <p:txBody>
-          <a:bodyPr anchorCtr="0" anchor="t" bIns="91425" lIns="91425" spcFirstLastPara="1" rIns="91425" wrap="square" tIns="91425">
+          <a:bodyPr spcFirstLastPara="1" wrap="square" lIns="91425" tIns="91425" rIns="91425" bIns="91425" anchor="t" anchorCtr="0">
             <a:noAutofit/>
           </a:bodyPr>
           <a:lstStyle/>
           <a:p>
-            <a:pPr indent="-342900" lvl="0" marL="457200" rtl="0" algn="l">
+            <a:pPr marL="457200" lvl="0" indent="-342900" algn="l" rtl="0">
               <a:spcBef>
                 <a:spcPts val="0"/>
               </a:spcBef>
@@ -8103,7 +8316,7 @@
             <a:endParaRPr/>
           </a:p>
           <a:p>
-            <a:pPr indent="0" lvl="0" marL="0" rtl="0" algn="l">
+            <a:pPr marL="0" lvl="0" indent="0" algn="l" rtl="0">
               <a:spcBef>
                 <a:spcPts val="1600"/>
               </a:spcBef>
@@ -8119,7 +8332,7 @@
             <a:endParaRPr/>
           </a:p>
           <a:p>
-            <a:pPr indent="457200" lvl="0" marL="0" rtl="0" algn="l">
+            <a:pPr marL="0" lvl="0" indent="457200" algn="l" rtl="0">
               <a:spcBef>
                 <a:spcPts val="1600"/>
               </a:spcBef>
@@ -8135,7 +8348,7 @@
             <a:endParaRPr/>
           </a:p>
           <a:p>
-            <a:pPr indent="0" lvl="0" marL="0" rtl="0" algn="l">
+            <a:pPr marL="0" lvl="0" indent="0" algn="l" rtl="0">
               <a:spcBef>
                 <a:spcPts val="1600"/>
               </a:spcBef>
@@ -8151,7 +8364,7 @@
             <a:endParaRPr/>
           </a:p>
           <a:p>
-            <a:pPr indent="457200" lvl="0" marL="0" rtl="0" algn="l">
+            <a:pPr marL="0" lvl="0" indent="457200" algn="l" rtl="0">
               <a:spcBef>
                 <a:spcPts val="1600"/>
               </a:spcBef>
@@ -8212,7 +8425,7 @@
             </a:endParaRPr>
           </a:p>
           <a:p>
-            <a:pPr indent="0" lvl="0" marL="0" rtl="0" algn="l">
+            <a:pPr marL="0" lvl="0" indent="0" algn="l" rtl="0">
               <a:spcBef>
                 <a:spcPts val="0"/>
               </a:spcBef>
@@ -8221,9 +8434,6 @@
               </a:spcAft>
               <a:buNone/>
             </a:pPr>
-            <a:r>
-              <a:t/>
-            </a:r>
             <a:endParaRPr/>
           </a:p>
         </p:txBody>
@@ -8237,11 +8447,11 @@
 </file>
 
 <file path=ppt/slides/slide3.xml><?xml version="1.0" encoding="utf-8"?>
-<p:sld xmlns:a="http://schemas.openxmlformats.org/drawingml/2006/main" xmlns:r="http://schemas.openxmlformats.org/officeDocument/2006/relationships" xmlns:mc="http://schemas.openxmlformats.org/markup-compatibility/2006" xmlns:mv="urn:schemas-microsoft-com:mac:vml" xmlns:p="http://schemas.openxmlformats.org/presentationml/2006/main" xmlns:c="http://schemas.openxmlformats.org/drawingml/2006/chart" xmlns:dgm="http://schemas.openxmlformats.org/drawingml/2006/diagram" xmlns:o="urn:schemas-microsoft-com:office:office" xmlns:v="urn:schemas-microsoft-com:vml" xmlns:pvml="urn:schemas-microsoft-com:office:powerpoint" xmlns:com="http://schemas.openxmlformats.org/drawingml/2006/compatibility" xmlns:p14="http://schemas.microsoft.com/office/powerpoint/2010/main" xmlns:p15="http://schemas.microsoft.com/office/powerpoint/2012/main">
+<p:sld xmlns:a="http://schemas.openxmlformats.org/drawingml/2006/main" xmlns:r="http://schemas.openxmlformats.org/officeDocument/2006/relationships" xmlns:p="http://schemas.openxmlformats.org/presentationml/2006/main">
   <p:cSld>
     <p:spTree>
       <p:nvGrpSpPr>
-        <p:cNvPr id="66" name="Shape 66"/>
+        <p:cNvPr id="1" name="Shape 66"/>
         <p:cNvGrpSpPr/>
         <p:nvPr/>
       </p:nvGrpSpPr>
@@ -8256,7 +8466,9 @@
       <p:sp>
         <p:nvSpPr>
           <p:cNvPr id="67" name="Google Shape;67;p15"/>
-          <p:cNvSpPr txBox="1"/>
+          <p:cNvSpPr txBox="1">
+            <a:spLocks noGrp="1"/>
+          </p:cNvSpPr>
           <p:nvPr>
             <p:ph type="title"/>
           </p:nvPr>
@@ -8271,12 +8483,12 @@
           </a:prstGeom>
         </p:spPr>
         <p:txBody>
-          <a:bodyPr anchorCtr="0" anchor="t" bIns="91425" lIns="91425" spcFirstLastPara="1" rIns="91425" wrap="square" tIns="91425">
+          <a:bodyPr spcFirstLastPara="1" wrap="square" lIns="91425" tIns="91425" rIns="91425" bIns="91425" anchor="t" anchorCtr="0">
             <a:noAutofit/>
           </a:bodyPr>
           <a:lstStyle/>
           <a:p>
-            <a:pPr indent="0" lvl="0" marL="0" rtl="0" algn="l">
+            <a:pPr marL="0" lvl="0" indent="0" algn="l" rtl="0">
               <a:spcBef>
                 <a:spcPts val="0"/>
               </a:spcBef>
@@ -8296,9 +8508,11 @@
       <p:sp>
         <p:nvSpPr>
           <p:cNvPr id="68" name="Google Shape;68;p15"/>
-          <p:cNvSpPr txBox="1"/>
+          <p:cNvSpPr txBox="1">
+            <a:spLocks noGrp="1"/>
+          </p:cNvSpPr>
           <p:nvPr>
-            <p:ph idx="1" type="body"/>
+            <p:ph type="body" idx="1"/>
           </p:nvPr>
         </p:nvSpPr>
         <p:spPr>
@@ -8311,12 +8525,12 @@
           </a:prstGeom>
         </p:spPr>
         <p:txBody>
-          <a:bodyPr anchorCtr="0" anchor="t" bIns="91425" lIns="91425" spcFirstLastPara="1" rIns="91425" wrap="square" tIns="91425">
+          <a:bodyPr spcFirstLastPara="1" wrap="square" lIns="91425" tIns="91425" rIns="91425" bIns="91425" anchor="t" anchorCtr="0">
             <a:noAutofit/>
           </a:bodyPr>
           <a:lstStyle/>
           <a:p>
-            <a:pPr indent="-342900" lvl="0" marL="457200" rtl="0" algn="l">
+            <a:pPr marL="457200" lvl="0" indent="-342900" algn="l" rtl="0">
               <a:spcBef>
                 <a:spcPts val="0"/>
               </a:spcBef>
@@ -8333,7 +8547,7 @@
             <a:endParaRPr/>
           </a:p>
           <a:p>
-            <a:pPr indent="-342900" lvl="0" marL="457200" rtl="0" algn="l">
+            <a:pPr marL="457200" lvl="0" indent="-342900" algn="l" rtl="0">
               <a:spcBef>
                 <a:spcPts val="0"/>
               </a:spcBef>
@@ -8350,7 +8564,7 @@
             <a:endParaRPr/>
           </a:p>
           <a:p>
-            <a:pPr indent="-342900" lvl="0" marL="457200" rtl="0" algn="l">
+            <a:pPr marL="457200" lvl="0" indent="-342900" algn="l" rtl="0">
               <a:spcBef>
                 <a:spcPts val="0"/>
               </a:spcBef>
@@ -8367,7 +8581,7 @@
             <a:endParaRPr/>
           </a:p>
           <a:p>
-            <a:pPr indent="-342900" lvl="1" marL="914400" rtl="0" algn="l">
+            <a:pPr marL="914400" lvl="1" indent="-342900" algn="l" rtl="0">
               <a:spcBef>
                 <a:spcPts val="0"/>
               </a:spcBef>
@@ -8395,7 +8609,7 @@
             </a:endParaRPr>
           </a:p>
           <a:p>
-            <a:pPr indent="-342900" lvl="1" marL="914400" rtl="0" algn="l">
+            <a:pPr marL="914400" lvl="1" indent="-342900" algn="l" rtl="0">
               <a:spcBef>
                 <a:spcPts val="0"/>
               </a:spcBef>
@@ -8423,7 +8637,7 @@
             </a:endParaRPr>
           </a:p>
           <a:p>
-            <a:pPr indent="-342900" lvl="1" marL="914400" rtl="0" algn="l">
+            <a:pPr marL="914400" lvl="1" indent="-342900" algn="l" rtl="0">
               <a:spcBef>
                 <a:spcPts val="0"/>
               </a:spcBef>
@@ -8451,7 +8665,7 @@
             </a:endParaRPr>
           </a:p>
           <a:p>
-            <a:pPr indent="-342900" lvl="1" marL="914400" rtl="0" algn="l">
+            <a:pPr marL="914400" lvl="1" indent="-342900" algn="l" rtl="0">
               <a:spcBef>
                 <a:spcPts val="0"/>
               </a:spcBef>
@@ -8479,7 +8693,7 @@
             </a:endParaRPr>
           </a:p>
           <a:p>
-            <a:pPr indent="0" lvl="0" marL="457200" rtl="0" algn="l">
+            <a:pPr marL="457200" lvl="0" indent="0" algn="l" rtl="0">
               <a:spcBef>
                 <a:spcPts val="1200"/>
               </a:spcBef>
@@ -8488,9 +8702,6 @@
               </a:spcAft>
               <a:buNone/>
             </a:pPr>
-            <a:r>
-              <a:t/>
-            </a:r>
             <a:endParaRPr/>
           </a:p>
         </p:txBody>
@@ -8532,11 +8743,11 @@
 </file>
 
 <file path=ppt/slides/slide4.xml><?xml version="1.0" encoding="utf-8"?>
-<p:sld xmlns:a="http://schemas.openxmlformats.org/drawingml/2006/main" xmlns:r="http://schemas.openxmlformats.org/officeDocument/2006/relationships" xmlns:mc="http://schemas.openxmlformats.org/markup-compatibility/2006" xmlns:mv="urn:schemas-microsoft-com:mac:vml" xmlns:p="http://schemas.openxmlformats.org/presentationml/2006/main" xmlns:c="http://schemas.openxmlformats.org/drawingml/2006/chart" xmlns:dgm="http://schemas.openxmlformats.org/drawingml/2006/diagram" xmlns:o="urn:schemas-microsoft-com:office:office" xmlns:v="urn:schemas-microsoft-com:vml" xmlns:pvml="urn:schemas-microsoft-com:office:powerpoint" xmlns:com="http://schemas.openxmlformats.org/drawingml/2006/compatibility" xmlns:p14="http://schemas.microsoft.com/office/powerpoint/2010/main" xmlns:p15="http://schemas.microsoft.com/office/powerpoint/2012/main">
+<p:sld xmlns:a="http://schemas.openxmlformats.org/drawingml/2006/main" xmlns:r="http://schemas.openxmlformats.org/officeDocument/2006/relationships" xmlns:p="http://schemas.openxmlformats.org/presentationml/2006/main">
   <p:cSld>
     <p:spTree>
       <p:nvGrpSpPr>
-        <p:cNvPr id="73" name="Shape 73"/>
+        <p:cNvPr id="1" name="Shape 73"/>
         <p:cNvGrpSpPr/>
         <p:nvPr/>
       </p:nvGrpSpPr>
@@ -8551,7 +8762,9 @@
       <p:sp>
         <p:nvSpPr>
           <p:cNvPr id="74" name="Google Shape;74;p16"/>
-          <p:cNvSpPr txBox="1"/>
+          <p:cNvSpPr txBox="1">
+            <a:spLocks noGrp="1"/>
+          </p:cNvSpPr>
           <p:nvPr>
             <p:ph type="title"/>
           </p:nvPr>
@@ -8566,12 +8779,12 @@
           </a:prstGeom>
         </p:spPr>
         <p:txBody>
-          <a:bodyPr anchorCtr="0" anchor="t" bIns="91425" lIns="91425" spcFirstLastPara="1" rIns="91425" wrap="square" tIns="91425">
+          <a:bodyPr spcFirstLastPara="1" wrap="square" lIns="91425" tIns="91425" rIns="91425" bIns="91425" anchor="t" anchorCtr="0">
             <a:noAutofit/>
           </a:bodyPr>
           <a:lstStyle/>
           <a:p>
-            <a:pPr indent="0" lvl="0" marL="0" rtl="0" algn="l">
+            <a:pPr marL="0" lvl="0" indent="0" algn="l" rtl="0">
               <a:spcBef>
                 <a:spcPts val="0"/>
               </a:spcBef>
@@ -8596,9 +8809,11 @@
       <p:sp>
         <p:nvSpPr>
           <p:cNvPr id="75" name="Google Shape;75;p16"/>
-          <p:cNvSpPr txBox="1"/>
+          <p:cNvSpPr txBox="1">
+            <a:spLocks noGrp="1"/>
+          </p:cNvSpPr>
           <p:nvPr>
-            <p:ph idx="1" type="body"/>
+            <p:ph type="body" idx="1"/>
           </p:nvPr>
         </p:nvSpPr>
         <p:spPr>
@@ -8611,12 +8826,12 @@
           </a:prstGeom>
         </p:spPr>
         <p:txBody>
-          <a:bodyPr anchorCtr="0" anchor="t" bIns="91425" lIns="91425" spcFirstLastPara="1" rIns="91425" wrap="square" tIns="91425">
+          <a:bodyPr spcFirstLastPara="1" wrap="square" lIns="91425" tIns="91425" rIns="91425" bIns="91425" anchor="t" anchorCtr="0">
             <a:noAutofit/>
           </a:bodyPr>
           <a:lstStyle/>
           <a:p>
-            <a:pPr indent="0" lvl="0" marL="0" rtl="0" algn="l">
+            <a:pPr marL="0" lvl="0" indent="0" algn="l" rtl="0">
               <a:spcBef>
                 <a:spcPts val="0"/>
               </a:spcBef>
@@ -8632,7 +8847,7 @@
             <a:endParaRPr/>
           </a:p>
           <a:p>
-            <a:pPr indent="457200" lvl="0" marL="0" rtl="0" algn="l">
+            <a:pPr marL="0" lvl="0" indent="457200" algn="l" rtl="0">
               <a:spcBef>
                 <a:spcPts val="1600"/>
               </a:spcBef>
@@ -8653,7 +8868,7 @@
             <a:endParaRPr/>
           </a:p>
           <a:p>
-            <a:pPr indent="0" lvl="0" marL="0" rtl="0" algn="l">
+            <a:pPr marL="0" lvl="0" indent="0" algn="l" rtl="0">
               <a:spcBef>
                 <a:spcPts val="1600"/>
               </a:spcBef>
@@ -8669,7 +8884,7 @@
             <a:endParaRPr/>
           </a:p>
           <a:p>
-            <a:pPr indent="0" lvl="0" marL="0" rtl="0" algn="l">
+            <a:pPr marL="0" lvl="0" indent="0" algn="l" rtl="0">
               <a:spcBef>
                 <a:spcPts val="1600"/>
               </a:spcBef>
@@ -8705,7 +8920,7 @@
             </a:endParaRPr>
           </a:p>
           <a:p>
-            <a:pPr indent="457200" lvl="0" marL="0" rtl="0" algn="l">
+            <a:pPr marL="0" lvl="0" indent="457200" algn="l" rtl="0">
               <a:spcBef>
                 <a:spcPts val="1600"/>
               </a:spcBef>
@@ -8742,18 +8957,15 @@
             </a:endParaRPr>
           </a:p>
           <a:p>
-            <a:pPr indent="0" lvl="0" marL="0" rtl="0" algn="l">
-              <a:spcBef>
-                <a:spcPts val="0"/>
-              </a:spcBef>
-              <a:spcAft>
-                <a:spcPts val="0"/>
-              </a:spcAft>
-              <a:buNone/>
-            </a:pPr>
-            <a:r>
-              <a:t/>
-            </a:r>
+            <a:pPr marL="0" lvl="0" indent="0" algn="l" rtl="0">
+              <a:spcBef>
+                <a:spcPts val="0"/>
+              </a:spcBef>
+              <a:spcAft>
+                <a:spcPts val="0"/>
+              </a:spcAft>
+              <a:buNone/>
+            </a:pPr>
             <a:endParaRPr sz="1100">
               <a:solidFill>
                 <a:schemeClr val="dk1"/>
@@ -8765,7 +8977,7 @@
             </a:endParaRPr>
           </a:p>
           <a:p>
-            <a:pPr indent="0" lvl="0" marL="0" rtl="0" algn="l">
+            <a:pPr marL="0" lvl="0" indent="0" algn="l" rtl="0">
               <a:spcBef>
                 <a:spcPts val="1600"/>
               </a:spcBef>
@@ -8774,13 +8986,10 @@
               </a:spcAft>
               <a:buNone/>
             </a:pPr>
-            <a:r>
-              <a:t/>
-            </a:r>
             <a:endParaRPr/>
           </a:p>
           <a:p>
-            <a:pPr indent="0" lvl="0" marL="0" rtl="0" algn="l">
+            <a:pPr marL="0" lvl="0" indent="0" algn="l" rtl="0">
               <a:spcBef>
                 <a:spcPts val="1600"/>
               </a:spcBef>
@@ -8806,11 +9015,11 @@
 </file>
 
 <file path=ppt/slides/slide5.xml><?xml version="1.0" encoding="utf-8"?>
-<p:sld xmlns:a="http://schemas.openxmlformats.org/drawingml/2006/main" xmlns:r="http://schemas.openxmlformats.org/officeDocument/2006/relationships" xmlns:mc="http://schemas.openxmlformats.org/markup-compatibility/2006" xmlns:mv="urn:schemas-microsoft-com:mac:vml" xmlns:p="http://schemas.openxmlformats.org/presentationml/2006/main" xmlns:c="http://schemas.openxmlformats.org/drawingml/2006/chart" xmlns:dgm="http://schemas.openxmlformats.org/drawingml/2006/diagram" xmlns:o="urn:schemas-microsoft-com:office:office" xmlns:v="urn:schemas-microsoft-com:vml" xmlns:pvml="urn:schemas-microsoft-com:office:powerpoint" xmlns:com="http://schemas.openxmlformats.org/drawingml/2006/compatibility" xmlns:p14="http://schemas.microsoft.com/office/powerpoint/2010/main" xmlns:p15="http://schemas.microsoft.com/office/powerpoint/2012/main">
+<p:sld xmlns:a="http://schemas.openxmlformats.org/drawingml/2006/main" xmlns:r="http://schemas.openxmlformats.org/officeDocument/2006/relationships" xmlns:p="http://schemas.openxmlformats.org/presentationml/2006/main">
   <p:cSld>
     <p:spTree>
       <p:nvGrpSpPr>
-        <p:cNvPr id="79" name="Shape 79"/>
+        <p:cNvPr id="1" name="Shape 79"/>
         <p:cNvGrpSpPr/>
         <p:nvPr/>
       </p:nvGrpSpPr>
@@ -8825,7 +9034,9 @@
       <p:sp>
         <p:nvSpPr>
           <p:cNvPr id="80" name="Google Shape;80;p17"/>
-          <p:cNvSpPr txBox="1"/>
+          <p:cNvSpPr txBox="1">
+            <a:spLocks noGrp="1"/>
+          </p:cNvSpPr>
           <p:nvPr>
             <p:ph type="title"/>
           </p:nvPr>
@@ -8840,12 +9051,12 @@
           </a:prstGeom>
         </p:spPr>
         <p:txBody>
-          <a:bodyPr anchorCtr="0" anchor="t" bIns="91425" lIns="91425" spcFirstLastPara="1" rIns="91425" wrap="square" tIns="91425">
+          <a:bodyPr spcFirstLastPara="1" wrap="square" lIns="91425" tIns="91425" rIns="91425" bIns="91425" anchor="t" anchorCtr="0">
             <a:noAutofit/>
           </a:bodyPr>
           <a:lstStyle/>
           <a:p>
-            <a:pPr indent="0" lvl="0" marL="0" rtl="0" algn="l">
+            <a:pPr marL="0" lvl="0" indent="0" algn="l" rtl="0">
               <a:spcBef>
                 <a:spcPts val="0"/>
               </a:spcBef>
@@ -8870,9 +9081,11 @@
       <p:sp>
         <p:nvSpPr>
           <p:cNvPr id="81" name="Google Shape;81;p17"/>
-          <p:cNvSpPr txBox="1"/>
+          <p:cNvSpPr txBox="1">
+            <a:spLocks noGrp="1"/>
+          </p:cNvSpPr>
           <p:nvPr>
-            <p:ph idx="1" type="body"/>
+            <p:ph type="body" idx="1"/>
           </p:nvPr>
         </p:nvSpPr>
         <p:spPr>
@@ -8885,12 +9098,12 @@
           </a:prstGeom>
         </p:spPr>
         <p:txBody>
-          <a:bodyPr anchorCtr="0" anchor="t" bIns="91425" lIns="91425" spcFirstLastPara="1" rIns="91425" wrap="square" tIns="91425">
+          <a:bodyPr spcFirstLastPara="1" wrap="square" lIns="91425" tIns="91425" rIns="91425" bIns="91425" anchor="t" anchorCtr="0">
             <a:noAutofit/>
           </a:bodyPr>
           <a:lstStyle/>
           <a:p>
-            <a:pPr indent="0" lvl="0" marL="0" rtl="0" algn="l">
+            <a:pPr marL="0" lvl="0" indent="0" algn="l" rtl="0">
               <a:spcBef>
                 <a:spcPts val="0"/>
               </a:spcBef>
@@ -8906,7 +9119,7 @@
             <a:endParaRPr sz="2400"/>
           </a:p>
           <a:p>
-            <a:pPr indent="0" lvl="0" marL="0" rtl="0" algn="l">
+            <a:pPr marL="0" lvl="0" indent="0" algn="l" rtl="0">
               <a:spcBef>
                 <a:spcPts val="1600"/>
               </a:spcBef>
@@ -8922,7 +9135,7 @@
             <a:endParaRPr sz="2400"/>
           </a:p>
           <a:p>
-            <a:pPr indent="0" lvl="0" marL="0" rtl="0" algn="l">
+            <a:pPr marL="0" lvl="0" indent="0" algn="l" rtl="0">
               <a:spcBef>
                 <a:spcPts val="1600"/>
               </a:spcBef>
@@ -8948,11 +9161,11 @@
 </file>
 
 <file path=ppt/slides/slide6.xml><?xml version="1.0" encoding="utf-8"?>
-<p:sld xmlns:a="http://schemas.openxmlformats.org/drawingml/2006/main" xmlns:r="http://schemas.openxmlformats.org/officeDocument/2006/relationships" xmlns:mc="http://schemas.openxmlformats.org/markup-compatibility/2006" xmlns:mv="urn:schemas-microsoft-com:mac:vml" xmlns:p="http://schemas.openxmlformats.org/presentationml/2006/main" xmlns:c="http://schemas.openxmlformats.org/drawingml/2006/chart" xmlns:dgm="http://schemas.openxmlformats.org/drawingml/2006/diagram" xmlns:o="urn:schemas-microsoft-com:office:office" xmlns:v="urn:schemas-microsoft-com:vml" xmlns:pvml="urn:schemas-microsoft-com:office:powerpoint" xmlns:com="http://schemas.openxmlformats.org/drawingml/2006/compatibility" xmlns:p14="http://schemas.microsoft.com/office/powerpoint/2010/main" xmlns:p15="http://schemas.microsoft.com/office/powerpoint/2012/main">
+<p:sld xmlns:a="http://schemas.openxmlformats.org/drawingml/2006/main" xmlns:r="http://schemas.openxmlformats.org/officeDocument/2006/relationships" xmlns:p="http://schemas.openxmlformats.org/presentationml/2006/main">
   <p:cSld>
     <p:spTree>
       <p:nvGrpSpPr>
-        <p:cNvPr id="85" name="Shape 85"/>
+        <p:cNvPr id="1" name="Shape 85"/>
         <p:cNvGrpSpPr/>
         <p:nvPr/>
       </p:nvGrpSpPr>
@@ -8967,7 +9180,9 @@
       <p:sp>
         <p:nvSpPr>
           <p:cNvPr id="86" name="Google Shape;86;p18"/>
-          <p:cNvSpPr txBox="1"/>
+          <p:cNvSpPr txBox="1">
+            <a:spLocks noGrp="1"/>
+          </p:cNvSpPr>
           <p:nvPr>
             <p:ph type="title"/>
           </p:nvPr>
@@ -8982,12 +9197,12 @@
           </a:prstGeom>
         </p:spPr>
         <p:txBody>
-          <a:bodyPr anchorCtr="0" anchor="t" bIns="91425" lIns="91425" spcFirstLastPara="1" rIns="91425" wrap="square" tIns="91425">
+          <a:bodyPr spcFirstLastPara="1" wrap="square" lIns="91425" tIns="91425" rIns="91425" bIns="91425" anchor="t" anchorCtr="0">
             <a:noAutofit/>
           </a:bodyPr>
           <a:lstStyle/>
           <a:p>
-            <a:pPr indent="0" lvl="0" marL="0" rtl="0" algn="l">
+            <a:pPr marL="0" lvl="0" indent="0" algn="l" rtl="0">
               <a:spcBef>
                 <a:spcPts val="0"/>
               </a:spcBef>
@@ -9007,9 +9222,11 @@
       <p:sp>
         <p:nvSpPr>
           <p:cNvPr id="87" name="Google Shape;87;p18"/>
-          <p:cNvSpPr txBox="1"/>
+          <p:cNvSpPr txBox="1">
+            <a:spLocks noGrp="1"/>
+          </p:cNvSpPr>
           <p:nvPr>
-            <p:ph idx="1" type="body"/>
+            <p:ph type="body" idx="1"/>
           </p:nvPr>
         </p:nvSpPr>
         <p:spPr>
@@ -9022,12 +9239,12 @@
           </a:prstGeom>
         </p:spPr>
         <p:txBody>
-          <a:bodyPr anchorCtr="0" anchor="t" bIns="91425" lIns="91425" spcFirstLastPara="1" rIns="91425" wrap="square" tIns="91425">
+          <a:bodyPr spcFirstLastPara="1" wrap="square" lIns="91425" tIns="91425" rIns="91425" bIns="91425" anchor="t" anchorCtr="0">
             <a:noAutofit/>
           </a:bodyPr>
           <a:lstStyle/>
           <a:p>
-            <a:pPr indent="-342900" lvl="0" marL="457200" rtl="0" algn="l">
+            <a:pPr marL="457200" lvl="0" indent="-342900" algn="l" rtl="0">
               <a:spcBef>
                 <a:spcPts val="0"/>
               </a:spcBef>
@@ -9044,7 +9261,7 @@
             <a:endParaRPr/>
           </a:p>
           <a:p>
-            <a:pPr indent="-342900" lvl="0" marL="457200" rtl="0" algn="l">
+            <a:pPr marL="457200" lvl="0" indent="-342900" algn="l" rtl="0">
               <a:spcBef>
                 <a:spcPts val="0"/>
               </a:spcBef>
@@ -9061,7 +9278,7 @@
             <a:endParaRPr/>
           </a:p>
           <a:p>
-            <a:pPr indent="-342900" lvl="1" marL="914400" rtl="0" algn="l">
+            <a:pPr marL="914400" lvl="1" indent="-342900" algn="l" rtl="0">
               <a:spcBef>
                 <a:spcPts val="0"/>
               </a:spcBef>
@@ -9089,7 +9306,7 @@
             </a:endParaRPr>
           </a:p>
           <a:p>
-            <a:pPr indent="-342900" lvl="1" marL="914400" rtl="0" algn="l">
+            <a:pPr marL="914400" lvl="1" indent="-342900" algn="l" rtl="0">
               <a:spcBef>
                 <a:spcPts val="0"/>
               </a:spcBef>
@@ -9117,7 +9334,7 @@
             </a:endParaRPr>
           </a:p>
           <a:p>
-            <a:pPr indent="-342900" lvl="1" marL="914400" rtl="0" algn="l">
+            <a:pPr marL="914400" lvl="1" indent="-342900" algn="l" rtl="0">
               <a:spcBef>
                 <a:spcPts val="0"/>
               </a:spcBef>
@@ -9145,7 +9362,7 @@
             </a:endParaRPr>
           </a:p>
           <a:p>
-            <a:pPr indent="0" lvl="0" marL="0" rtl="0" algn="l">
+            <a:pPr marL="0" lvl="0" indent="0" algn="l" rtl="0">
               <a:spcBef>
                 <a:spcPts val="1200"/>
               </a:spcBef>
@@ -9154,9 +9371,6 @@
               </a:spcAft>
               <a:buNone/>
             </a:pPr>
-            <a:r>
-              <a:t/>
-            </a:r>
             <a:endParaRPr/>
           </a:p>
         </p:txBody>
@@ -9198,11 +9412,11 @@
 </file>
 
 <file path=ppt/slides/slide7.xml><?xml version="1.0" encoding="utf-8"?>
-<p:sld xmlns:a="http://schemas.openxmlformats.org/drawingml/2006/main" xmlns:r="http://schemas.openxmlformats.org/officeDocument/2006/relationships" xmlns:mc="http://schemas.openxmlformats.org/markup-compatibility/2006" xmlns:mv="urn:schemas-microsoft-com:mac:vml" xmlns:p="http://schemas.openxmlformats.org/presentationml/2006/main" xmlns:c="http://schemas.openxmlformats.org/drawingml/2006/chart" xmlns:dgm="http://schemas.openxmlformats.org/drawingml/2006/diagram" xmlns:o="urn:schemas-microsoft-com:office:office" xmlns:v="urn:schemas-microsoft-com:vml" xmlns:pvml="urn:schemas-microsoft-com:office:powerpoint" xmlns:com="http://schemas.openxmlformats.org/drawingml/2006/compatibility" xmlns:p14="http://schemas.microsoft.com/office/powerpoint/2010/main" xmlns:p15="http://schemas.microsoft.com/office/powerpoint/2012/main">
+<p:sld xmlns:a="http://schemas.openxmlformats.org/drawingml/2006/main" xmlns:r="http://schemas.openxmlformats.org/officeDocument/2006/relationships" xmlns:p="http://schemas.openxmlformats.org/presentationml/2006/main">
   <p:cSld>
     <p:spTree>
       <p:nvGrpSpPr>
-        <p:cNvPr id="92" name="Shape 92"/>
+        <p:cNvPr id="1" name="Shape 92"/>
         <p:cNvGrpSpPr/>
         <p:nvPr/>
       </p:nvGrpSpPr>
@@ -9217,7 +9431,9 @@
       <p:sp>
         <p:nvSpPr>
           <p:cNvPr id="93" name="Google Shape;93;p19"/>
-          <p:cNvSpPr txBox="1"/>
+          <p:cNvSpPr txBox="1">
+            <a:spLocks noGrp="1"/>
+          </p:cNvSpPr>
           <p:nvPr>
             <p:ph type="title"/>
           </p:nvPr>
@@ -9232,12 +9448,12 @@
           </a:prstGeom>
         </p:spPr>
         <p:txBody>
-          <a:bodyPr anchorCtr="0" anchor="t" bIns="91425" lIns="91425" spcFirstLastPara="1" rIns="91425" wrap="square" tIns="91425">
+          <a:bodyPr spcFirstLastPara="1" wrap="square" lIns="91425" tIns="91425" rIns="91425" bIns="91425" anchor="t" anchorCtr="0">
             <a:noAutofit/>
           </a:bodyPr>
           <a:lstStyle/>
           <a:p>
-            <a:pPr indent="0" lvl="0" marL="0" rtl="0" algn="l">
+            <a:pPr marL="0" lvl="0" indent="0" algn="l" rtl="0">
               <a:spcBef>
                 <a:spcPts val="0"/>
               </a:spcBef>
@@ -9257,9 +9473,11 @@
       <p:sp>
         <p:nvSpPr>
           <p:cNvPr id="94" name="Google Shape;94;p19"/>
-          <p:cNvSpPr txBox="1"/>
+          <p:cNvSpPr txBox="1">
+            <a:spLocks noGrp="1"/>
+          </p:cNvSpPr>
           <p:nvPr>
-            <p:ph idx="1" type="body"/>
+            <p:ph type="body" idx="1"/>
           </p:nvPr>
         </p:nvSpPr>
         <p:spPr>
@@ -9272,12 +9490,12 @@
           </a:prstGeom>
         </p:spPr>
         <p:txBody>
-          <a:bodyPr anchorCtr="0" anchor="t" bIns="91425" lIns="91425" spcFirstLastPara="1" rIns="91425" wrap="square" tIns="91425">
+          <a:bodyPr spcFirstLastPara="1" wrap="square" lIns="91425" tIns="91425" rIns="91425" bIns="91425" anchor="t" anchorCtr="0">
             <a:noAutofit/>
           </a:bodyPr>
           <a:lstStyle/>
           <a:p>
-            <a:pPr indent="0" lvl="0" marL="0" rtl="0" algn="l">
+            <a:pPr marL="0" lvl="0" indent="0" algn="l" rtl="0">
               <a:spcBef>
                 <a:spcPts val="0"/>
               </a:spcBef>
@@ -9293,7 +9511,7 @@
             <a:endParaRPr/>
           </a:p>
           <a:p>
-            <a:pPr indent="0" lvl="0" marL="0" rtl="0" algn="l">
+            <a:pPr marL="0" lvl="0" indent="0" algn="l" rtl="0">
               <a:spcBef>
                 <a:spcPts val="1600"/>
               </a:spcBef>
@@ -9318,7 +9536,7 @@
             <a:endParaRPr/>
           </a:p>
           <a:p>
-            <a:pPr indent="0" lvl="0" marL="0" rtl="0" algn="l">
+            <a:pPr marL="0" lvl="0" indent="0" algn="l" rtl="0">
               <a:spcBef>
                 <a:spcPts val="1600"/>
               </a:spcBef>
@@ -9334,7 +9552,7 @@
             <a:endParaRPr/>
           </a:p>
           <a:p>
-            <a:pPr indent="457200" lvl="0" marL="0" rtl="0" algn="l">
+            <a:pPr marL="0" lvl="0" indent="457200" algn="l" rtl="0">
               <a:spcBef>
                 <a:spcPts val="1600"/>
               </a:spcBef>
@@ -9371,7 +9589,7 @@
             </a:endParaRPr>
           </a:p>
           <a:p>
-            <a:pPr indent="0" lvl="0" marL="0" rtl="0" algn="l">
+            <a:pPr marL="0" lvl="0" indent="0" algn="l" rtl="0">
               <a:spcBef>
                 <a:spcPts val="0"/>
               </a:spcBef>
@@ -9380,9 +9598,6 @@
               </a:spcAft>
               <a:buNone/>
             </a:pPr>
-            <a:r>
-              <a:t/>
-            </a:r>
             <a:endParaRPr/>
           </a:p>
         </p:txBody>
@@ -9396,11 +9611,11 @@
 </file>
 
 <file path=ppt/slides/slide8.xml><?xml version="1.0" encoding="utf-8"?>
-<p:sld xmlns:a="http://schemas.openxmlformats.org/drawingml/2006/main" xmlns:r="http://schemas.openxmlformats.org/officeDocument/2006/relationships" xmlns:mc="http://schemas.openxmlformats.org/markup-compatibility/2006" xmlns:mv="urn:schemas-microsoft-com:mac:vml" xmlns:p="http://schemas.openxmlformats.org/presentationml/2006/main" xmlns:c="http://schemas.openxmlformats.org/drawingml/2006/chart" xmlns:dgm="http://schemas.openxmlformats.org/drawingml/2006/diagram" xmlns:o="urn:schemas-microsoft-com:office:office" xmlns:v="urn:schemas-microsoft-com:vml" xmlns:pvml="urn:schemas-microsoft-com:office:powerpoint" xmlns:com="http://schemas.openxmlformats.org/drawingml/2006/compatibility" xmlns:p14="http://schemas.microsoft.com/office/powerpoint/2010/main" xmlns:p15="http://schemas.microsoft.com/office/powerpoint/2012/main">
+<p:sld xmlns:a="http://schemas.openxmlformats.org/drawingml/2006/main" xmlns:r="http://schemas.openxmlformats.org/officeDocument/2006/relationships" xmlns:p="http://schemas.openxmlformats.org/presentationml/2006/main">
   <p:cSld>
     <p:spTree>
       <p:nvGrpSpPr>
-        <p:cNvPr id="98" name="Shape 98"/>
+        <p:cNvPr id="1" name="Shape 98"/>
         <p:cNvGrpSpPr/>
         <p:nvPr/>
       </p:nvGrpSpPr>
@@ -9415,7 +9630,9 @@
       <p:sp>
         <p:nvSpPr>
           <p:cNvPr id="99" name="Google Shape;99;p20"/>
-          <p:cNvSpPr txBox="1"/>
+          <p:cNvSpPr txBox="1">
+            <a:spLocks noGrp="1"/>
+          </p:cNvSpPr>
           <p:nvPr>
             <p:ph type="title"/>
           </p:nvPr>
@@ -9430,12 +9647,12 @@
           </a:prstGeom>
         </p:spPr>
         <p:txBody>
-          <a:bodyPr anchorCtr="0" anchor="t" bIns="91425" lIns="91425" spcFirstLastPara="1" rIns="91425" wrap="square" tIns="91425">
+          <a:bodyPr spcFirstLastPara="1" wrap="square" lIns="91425" tIns="91425" rIns="91425" bIns="91425" anchor="t" anchorCtr="0">
             <a:noAutofit/>
           </a:bodyPr>
           <a:lstStyle/>
           <a:p>
-            <a:pPr indent="0" lvl="0" marL="0" rtl="0" algn="l">
+            <a:pPr marL="0" lvl="0" indent="0" algn="l" rtl="0">
               <a:spcBef>
                 <a:spcPts val="0"/>
               </a:spcBef>
@@ -9455,9 +9672,11 @@
       <p:sp>
         <p:nvSpPr>
           <p:cNvPr id="100" name="Google Shape;100;p20"/>
-          <p:cNvSpPr txBox="1"/>
+          <p:cNvSpPr txBox="1">
+            <a:spLocks noGrp="1"/>
+          </p:cNvSpPr>
           <p:nvPr>
-            <p:ph idx="1" type="body"/>
+            <p:ph type="body" idx="1"/>
           </p:nvPr>
         </p:nvSpPr>
         <p:spPr>
@@ -9470,12 +9689,12 @@
           </a:prstGeom>
         </p:spPr>
         <p:txBody>
-          <a:bodyPr anchorCtr="0" anchor="t" bIns="91425" lIns="91425" spcFirstLastPara="1" rIns="91425" wrap="square" tIns="91425">
+          <a:bodyPr spcFirstLastPara="1" wrap="square" lIns="91425" tIns="91425" rIns="91425" bIns="91425" anchor="t" anchorCtr="0">
             <a:noAutofit/>
           </a:bodyPr>
           <a:lstStyle/>
           <a:p>
-            <a:pPr indent="0" lvl="0" marL="0" rtl="0" algn="l">
+            <a:pPr marL="0" lvl="0" indent="0" algn="l" rtl="0">
               <a:spcBef>
                 <a:spcPts val="0"/>
               </a:spcBef>
@@ -9491,7 +9710,7 @@
             <a:endParaRPr sz="2400"/>
           </a:p>
           <a:p>
-            <a:pPr indent="0" lvl="0" marL="0" rtl="0" algn="l">
+            <a:pPr marL="0" lvl="0" indent="0" algn="l" rtl="0">
               <a:spcBef>
                 <a:spcPts val="1600"/>
               </a:spcBef>
@@ -9502,16 +9721,12 @@
             </a:pPr>
             <a:r>
               <a:rPr lang="ru" sz="2400"/>
-              <a:t>Tutorials - </a:t>
-            </a:r>
-            <a:r>
-              <a:rPr lang="ru" sz="2400"/>
-              <a:t>2/5</a:t>
+              <a:t>Tutorials - 2/5</a:t>
             </a:r>
             <a:endParaRPr sz="2400"/>
           </a:p>
           <a:p>
-            <a:pPr indent="0" lvl="0" marL="0" rtl="0" algn="l">
+            <a:pPr marL="0" lvl="0" indent="0" algn="l" rtl="0">
               <a:spcBef>
                 <a:spcPts val="1600"/>
               </a:spcBef>
@@ -9527,7 +9742,7 @@
             <a:endParaRPr sz="2400"/>
           </a:p>
           <a:p>
-            <a:pPr indent="0" lvl="0" marL="0" rtl="0" algn="l">
+            <a:pPr marL="0" lvl="0" indent="0" algn="l" rtl="0">
               <a:spcBef>
                 <a:spcPts val="1600"/>
               </a:spcBef>
@@ -9536,13 +9751,10 @@
               </a:spcAft>
               <a:buNone/>
             </a:pPr>
-            <a:r>
-              <a:t/>
-            </a:r>
             <a:endParaRPr/>
           </a:p>
           <a:p>
-            <a:pPr indent="0" lvl="0" marL="0" rtl="0" algn="l">
+            <a:pPr marL="0" lvl="0" indent="0" algn="l" rtl="0">
               <a:spcBef>
                 <a:spcPts val="1600"/>
               </a:spcBef>
@@ -9551,9 +9763,6 @@
               </a:spcAft>
               <a:buNone/>
             </a:pPr>
-            <a:r>
-              <a:t/>
-            </a:r>
             <a:endParaRPr/>
           </a:p>
         </p:txBody>
@@ -9567,11 +9776,11 @@
 </file>
 
 <file path=ppt/slides/slide9.xml><?xml version="1.0" encoding="utf-8"?>
-<p:sld xmlns:a="http://schemas.openxmlformats.org/drawingml/2006/main" xmlns:r="http://schemas.openxmlformats.org/officeDocument/2006/relationships" xmlns:mc="http://schemas.openxmlformats.org/markup-compatibility/2006" xmlns:mv="urn:schemas-microsoft-com:mac:vml" xmlns:p="http://schemas.openxmlformats.org/presentationml/2006/main" xmlns:c="http://schemas.openxmlformats.org/drawingml/2006/chart" xmlns:dgm="http://schemas.openxmlformats.org/drawingml/2006/diagram" xmlns:o="urn:schemas-microsoft-com:office:office" xmlns:v="urn:schemas-microsoft-com:vml" xmlns:pvml="urn:schemas-microsoft-com:office:powerpoint" xmlns:com="http://schemas.openxmlformats.org/drawingml/2006/compatibility" xmlns:p14="http://schemas.microsoft.com/office/powerpoint/2010/main" xmlns:p15="http://schemas.microsoft.com/office/powerpoint/2012/main">
+<p:sld xmlns:a="http://schemas.openxmlformats.org/drawingml/2006/main" xmlns:r="http://schemas.openxmlformats.org/officeDocument/2006/relationships" xmlns:p="http://schemas.openxmlformats.org/presentationml/2006/main">
   <p:cSld>
     <p:spTree>
       <p:nvGrpSpPr>
-        <p:cNvPr id="104" name="Shape 104"/>
+        <p:cNvPr id="1" name="Shape 104"/>
         <p:cNvGrpSpPr/>
         <p:nvPr/>
       </p:nvGrpSpPr>
@@ -9586,7 +9795,9 @@
       <p:sp>
         <p:nvSpPr>
           <p:cNvPr id="105" name="Google Shape;105;p21"/>
-          <p:cNvSpPr txBox="1"/>
+          <p:cNvSpPr txBox="1">
+            <a:spLocks noGrp="1"/>
+          </p:cNvSpPr>
           <p:nvPr>
             <p:ph type="title"/>
           </p:nvPr>
@@ -9601,12 +9812,12 @@
           </a:prstGeom>
         </p:spPr>
         <p:txBody>
-          <a:bodyPr anchorCtr="0" anchor="t" bIns="91425" lIns="91425" spcFirstLastPara="1" rIns="91425" wrap="square" tIns="91425">
+          <a:bodyPr spcFirstLastPara="1" wrap="square" lIns="91425" tIns="91425" rIns="91425" bIns="91425" anchor="t" anchorCtr="0">
             <a:noAutofit/>
           </a:bodyPr>
           <a:lstStyle/>
           <a:p>
-            <a:pPr indent="0" lvl="0" marL="0" rtl="0" algn="l">
+            <a:pPr marL="0" lvl="0" indent="0" algn="l" rtl="0">
               <a:spcBef>
                 <a:spcPts val="0"/>
               </a:spcBef>
@@ -9626,9 +9837,11 @@
       <p:sp>
         <p:nvSpPr>
           <p:cNvPr id="106" name="Google Shape;106;p21"/>
-          <p:cNvSpPr txBox="1"/>
+          <p:cNvSpPr txBox="1">
+            <a:spLocks noGrp="1"/>
+          </p:cNvSpPr>
           <p:nvPr>
-            <p:ph idx="1" type="body"/>
+            <p:ph type="body" idx="1"/>
           </p:nvPr>
         </p:nvSpPr>
         <p:spPr>
@@ -9641,12 +9854,12 @@
           </a:prstGeom>
         </p:spPr>
         <p:txBody>
-          <a:bodyPr anchorCtr="0" anchor="t" bIns="91425" lIns="91425" spcFirstLastPara="1" rIns="91425" wrap="square" tIns="91425">
+          <a:bodyPr spcFirstLastPara="1" wrap="square" lIns="91425" tIns="91425" rIns="91425" bIns="91425" anchor="t" anchorCtr="0">
             <a:noAutofit/>
           </a:bodyPr>
           <a:lstStyle/>
           <a:p>
-            <a:pPr indent="-342900" lvl="0" marL="457200" rtl="0" algn="l">
+            <a:pPr marL="457200" lvl="0" indent="-342900" algn="l" rtl="0">
               <a:spcBef>
                 <a:spcPts val="0"/>
               </a:spcBef>
@@ -9658,16 +9871,12 @@
             </a:pPr>
             <a:r>
               <a:rPr lang="ru"/>
-              <a:t>P</a:t>
-            </a:r>
-            <a:r>
-              <a:rPr lang="ru"/>
-              <a:t>rovides easy to use constructors for custom filtrations that are suitable for use with Phat. Phat currently provides a clean interface for persistence reduction algorithms for boundary matrices. This tool helps bridge the gap between data and boundary matrices.</a:t>
+              <a:t>Provides easy to use constructors for custom filtrations that are suitable for use with Phat. Phat currently provides a clean interface for persistence reduction algorithms for boundary matrices. This tool helps bridge the gap between data and boundary matrices.</a:t>
             </a:r>
             <a:endParaRPr/>
           </a:p>
           <a:p>
-            <a:pPr indent="-342900" lvl="0" marL="457200" rtl="0" algn="l">
+            <a:pPr marL="457200" lvl="0" indent="-342900" algn="l" rtl="0">
               <a:spcBef>
                 <a:spcPts val="0"/>
               </a:spcBef>
@@ -9684,7 +9893,7 @@
             <a:endParaRPr/>
           </a:p>
           <a:p>
-            <a:pPr indent="-342900" lvl="1" marL="914400" rtl="0" algn="l">
+            <a:pPr marL="914400" lvl="1" indent="-342900" algn="l" rtl="0">
               <a:spcBef>
                 <a:spcPts val="0"/>
               </a:spcBef>
@@ -9712,7 +9921,7 @@
             </a:endParaRPr>
           </a:p>
           <a:p>
-            <a:pPr indent="-342900" lvl="1" marL="914400" rtl="0" algn="l">
+            <a:pPr marL="914400" lvl="1" indent="-342900" algn="l" rtl="0">
               <a:spcBef>
                 <a:spcPts val="0"/>
               </a:spcBef>
@@ -9740,7 +9949,7 @@
             </a:endParaRPr>
           </a:p>
           <a:p>
-            <a:pPr indent="-342900" lvl="1" marL="914400" rtl="0" algn="l">
+            <a:pPr marL="914400" lvl="1" indent="-342900" algn="l" rtl="0">
               <a:spcBef>
                 <a:spcPts val="0"/>
               </a:spcBef>
@@ -9768,7 +9977,7 @@
             </a:endParaRPr>
           </a:p>
           <a:p>
-            <a:pPr indent="-342900" lvl="1" marL="914400" rtl="0" algn="l">
+            <a:pPr marL="914400" lvl="1" indent="-342900" algn="l" rtl="0">
               <a:spcBef>
                 <a:spcPts val="0"/>
               </a:spcBef>
@@ -9796,7 +10005,7 @@
             </a:endParaRPr>
           </a:p>
           <a:p>
-            <a:pPr indent="0" lvl="0" marL="914400" rtl="0" algn="l">
+            <a:pPr marL="914400" lvl="0" indent="0" algn="l" rtl="0">
               <a:spcBef>
                 <a:spcPts val="1200"/>
               </a:spcBef>
@@ -9805,9 +10014,6 @@
               </a:spcAft>
               <a:buNone/>
             </a:pPr>
-            <a:r>
-              <a:t/>
-            </a:r>
             <a:endParaRPr/>
           </a:p>
         </p:txBody>
@@ -9849,7 +10055,288 @@
 </file>
 
 <file path=ppt/theme/theme1.xml><?xml version="1.0" encoding="utf-8"?>
-<a:theme xmlns:a="http://schemas.openxmlformats.org/drawingml/2006/main" xmlns:r="http://schemas.openxmlformats.org/officeDocument/2006/relationships">
+<a:theme xmlns:a="http://schemas.openxmlformats.org/drawingml/2006/main" name="Simple Light">
+  <a:themeElements>
+    <a:clrScheme name="Simple Light">
+      <a:dk1>
+        <a:srgbClr val="000000"/>
+      </a:dk1>
+      <a:lt1>
+        <a:srgbClr val="FFFFFF"/>
+      </a:lt1>
+      <a:dk2>
+        <a:srgbClr val="595959"/>
+      </a:dk2>
+      <a:lt2>
+        <a:srgbClr val="EEEEEE"/>
+      </a:lt2>
+      <a:accent1>
+        <a:srgbClr val="FFAB40"/>
+      </a:accent1>
+      <a:accent2>
+        <a:srgbClr val="212121"/>
+      </a:accent2>
+      <a:accent3>
+        <a:srgbClr val="78909C"/>
+      </a:accent3>
+      <a:accent4>
+        <a:srgbClr val="FFAB40"/>
+      </a:accent4>
+      <a:accent5>
+        <a:srgbClr val="0097A7"/>
+      </a:accent5>
+      <a:accent6>
+        <a:srgbClr val="EEFF41"/>
+      </a:accent6>
+      <a:hlink>
+        <a:srgbClr val="0097A7"/>
+      </a:hlink>
+      <a:folHlink>
+        <a:srgbClr val="0097A7"/>
+      </a:folHlink>
+    </a:clrScheme>
+    <a:fontScheme name="Office">
+      <a:majorFont>
+        <a:latin typeface="Arial"/>
+        <a:ea typeface=""/>
+        <a:cs typeface=""/>
+        <a:font script="Jpan" typeface="ＭＳ Ｐゴシック"/>
+        <a:font script="Hang" typeface="맑은 고딕"/>
+        <a:font script="Hans" typeface="宋体"/>
+        <a:font script="Hant" typeface="新細明體"/>
+        <a:font script="Arab" typeface="Times New Roman"/>
+        <a:font script="Hebr" typeface="Times New Roman"/>
+        <a:font script="Thai" typeface="Angsana New"/>
+        <a:font script="Ethi" typeface="Nyala"/>
+        <a:font script="Beng" typeface="Vrinda"/>
+        <a:font script="Gujr" typeface="Shruti"/>
+        <a:font script="Khmr" typeface="MoolBoran"/>
+        <a:font script="Knda" typeface="Tunga"/>
+        <a:font script="Guru" typeface="Raavi"/>
+        <a:font script="Cans" typeface="Euphemia"/>
+        <a:font script="Cher" typeface="Plantagenet Cherokee"/>
+        <a:font script="Yiii" typeface="Microsoft Yi Baiti"/>
+        <a:font script="Tibt" typeface="Microsoft Himalaya"/>
+        <a:font script="Thaa" typeface="MV Boli"/>
+        <a:font script="Deva" typeface="Mangal"/>
+        <a:font script="Telu" typeface="Gautami"/>
+        <a:font script="Taml" typeface="Latha"/>
+        <a:font script="Syrc" typeface="Estrangelo Edessa"/>
+        <a:font script="Orya" typeface="Kalinga"/>
+        <a:font script="Mlym" typeface="Kartika"/>
+        <a:font script="Laoo" typeface="DokChampa"/>
+        <a:font script="Sinh" typeface="Iskoola Pota"/>
+        <a:font script="Mong" typeface="Mongolian Baiti"/>
+        <a:font script="Viet" typeface="Times New Roman"/>
+        <a:font script="Uigh" typeface="Microsoft Uighur"/>
+        <a:font script="Geor" typeface="Sylfaen"/>
+      </a:majorFont>
+      <a:minorFont>
+        <a:latin typeface="Arial"/>
+        <a:ea typeface=""/>
+        <a:cs typeface=""/>
+        <a:font script="Jpan" typeface="ＭＳ Ｐゴシック"/>
+        <a:font script="Hang" typeface="맑은 고딕"/>
+        <a:font script="Hans" typeface="宋体"/>
+        <a:font script="Hant" typeface="新細明體"/>
+        <a:font script="Arab" typeface="Arial"/>
+        <a:font script="Hebr" typeface="Arial"/>
+        <a:font script="Thai" typeface="Cordia New"/>
+        <a:font script="Ethi" typeface="Nyala"/>
+        <a:font script="Beng" typeface="Vrinda"/>
+        <a:font script="Gujr" typeface="Shruti"/>
+        <a:font script="Khmr" typeface="DaunPenh"/>
+        <a:font script="Knda" typeface="Tunga"/>
+        <a:font script="Guru" typeface="Raavi"/>
+        <a:font script="Cans" typeface="Euphemia"/>
+        <a:font script="Cher" typeface="Plantagenet Cherokee"/>
+        <a:font script="Yiii" typeface="Microsoft Yi Baiti"/>
+        <a:font script="Tibt" typeface="Microsoft Himalaya"/>
+        <a:font script="Thaa" typeface="MV Boli"/>
+        <a:font script="Deva" typeface="Mangal"/>
+        <a:font script="Telu" typeface="Gautami"/>
+        <a:font script="Taml" typeface="Latha"/>
+        <a:font script="Syrc" typeface="Estrangelo Edessa"/>
+        <a:font script="Orya" typeface="Kalinga"/>
+        <a:font script="Mlym" typeface="Kartika"/>
+        <a:font script="Laoo" typeface="DokChampa"/>
+        <a:font script="Sinh" typeface="Iskoola Pota"/>
+        <a:font script="Mong" typeface="Mongolian Baiti"/>
+        <a:font script="Viet" typeface="Arial"/>
+        <a:font script="Uigh" typeface="Microsoft Uighur"/>
+        <a:font script="Geor" typeface="Sylfaen"/>
+      </a:minorFont>
+    </a:fontScheme>
+    <a:fmtScheme name="Office">
+      <a:fillStyleLst>
+        <a:solidFill>
+          <a:schemeClr val="phClr"/>
+        </a:solidFill>
+        <a:gradFill rotWithShape="1">
+          <a:gsLst>
+            <a:gs pos="0">
+              <a:schemeClr val="phClr">
+                <a:tint val="50000"/>
+                <a:satMod val="300000"/>
+              </a:schemeClr>
+            </a:gs>
+            <a:gs pos="35000">
+              <a:schemeClr val="phClr">
+                <a:tint val="37000"/>
+                <a:satMod val="300000"/>
+              </a:schemeClr>
+            </a:gs>
+            <a:gs pos="100000">
+              <a:schemeClr val="phClr">
+                <a:tint val="15000"/>
+                <a:satMod val="350000"/>
+              </a:schemeClr>
+            </a:gs>
+          </a:gsLst>
+          <a:lin ang="16200000" scaled="1"/>
+        </a:gradFill>
+        <a:gradFill rotWithShape="1">
+          <a:gsLst>
+            <a:gs pos="0">
+              <a:schemeClr val="phClr">
+                <a:tint val="100000"/>
+                <a:shade val="100000"/>
+                <a:satMod val="130000"/>
+              </a:schemeClr>
+            </a:gs>
+            <a:gs pos="100000">
+              <a:schemeClr val="phClr">
+                <a:tint val="50000"/>
+                <a:shade val="100000"/>
+                <a:satMod val="350000"/>
+              </a:schemeClr>
+            </a:gs>
+          </a:gsLst>
+          <a:lin ang="16200000" scaled="0"/>
+        </a:gradFill>
+      </a:fillStyleLst>
+      <a:lnStyleLst>
+        <a:ln w="9525" cap="flat" cmpd="sng" algn="ctr">
+          <a:solidFill>
+            <a:schemeClr val="phClr">
+              <a:shade val="95000"/>
+              <a:satMod val="105000"/>
+            </a:schemeClr>
+          </a:solidFill>
+          <a:prstDash val="solid"/>
+        </a:ln>
+        <a:ln w="25400" cap="flat" cmpd="sng" algn="ctr">
+          <a:solidFill>
+            <a:schemeClr val="phClr"/>
+          </a:solidFill>
+          <a:prstDash val="solid"/>
+        </a:ln>
+        <a:ln w="38100" cap="flat" cmpd="sng" algn="ctr">
+          <a:solidFill>
+            <a:schemeClr val="phClr"/>
+          </a:solidFill>
+          <a:prstDash val="solid"/>
+        </a:ln>
+      </a:lnStyleLst>
+      <a:effectStyleLst>
+        <a:effectStyle>
+          <a:effectLst>
+            <a:outerShdw blurRad="40000" dist="20000" dir="5400000" rotWithShape="0">
+              <a:srgbClr val="000000">
+                <a:alpha val="38000"/>
+              </a:srgbClr>
+            </a:outerShdw>
+          </a:effectLst>
+        </a:effectStyle>
+        <a:effectStyle>
+          <a:effectLst>
+            <a:outerShdw blurRad="40000" dist="23000" dir="5400000" rotWithShape="0">
+              <a:srgbClr val="000000">
+                <a:alpha val="35000"/>
+              </a:srgbClr>
+            </a:outerShdw>
+          </a:effectLst>
+        </a:effectStyle>
+        <a:effectStyle>
+          <a:effectLst>
+            <a:outerShdw blurRad="40000" dist="23000" dir="5400000" rotWithShape="0">
+              <a:srgbClr val="000000">
+                <a:alpha val="35000"/>
+              </a:srgbClr>
+            </a:outerShdw>
+          </a:effectLst>
+          <a:scene3d>
+            <a:camera prst="orthographicFront">
+              <a:rot lat="0" lon="0" rev="0"/>
+            </a:camera>
+            <a:lightRig rig="threePt" dir="t">
+              <a:rot lat="0" lon="0" rev="1200000"/>
+            </a:lightRig>
+          </a:scene3d>
+          <a:sp3d>
+            <a:bevelT w="63500" h="25400"/>
+          </a:sp3d>
+        </a:effectStyle>
+      </a:effectStyleLst>
+      <a:bgFillStyleLst>
+        <a:solidFill>
+          <a:schemeClr val="phClr"/>
+        </a:solidFill>
+        <a:gradFill rotWithShape="1">
+          <a:gsLst>
+            <a:gs pos="0">
+              <a:schemeClr val="phClr">
+                <a:tint val="40000"/>
+                <a:satMod val="350000"/>
+              </a:schemeClr>
+            </a:gs>
+            <a:gs pos="40000">
+              <a:schemeClr val="phClr">
+                <a:tint val="45000"/>
+                <a:shade val="99000"/>
+                <a:satMod val="350000"/>
+              </a:schemeClr>
+            </a:gs>
+            <a:gs pos="100000">
+              <a:schemeClr val="phClr">
+                <a:shade val="20000"/>
+                <a:satMod val="255000"/>
+              </a:schemeClr>
+            </a:gs>
+          </a:gsLst>
+          <a:path path="circle">
+            <a:fillToRect l="50000" t="-80000" r="50000" b="180000"/>
+          </a:path>
+        </a:gradFill>
+        <a:gradFill rotWithShape="1">
+          <a:gsLst>
+            <a:gs pos="0">
+              <a:schemeClr val="phClr">
+                <a:tint val="80000"/>
+                <a:satMod val="300000"/>
+              </a:schemeClr>
+            </a:gs>
+            <a:gs pos="100000">
+              <a:schemeClr val="phClr">
+                <a:shade val="30000"/>
+                <a:satMod val="200000"/>
+              </a:schemeClr>
+            </a:gs>
+          </a:gsLst>
+          <a:path path="circle">
+            <a:fillToRect l="50000" t="50000" r="50000" b="50000"/>
+          </a:path>
+        </a:gradFill>
+      </a:bgFillStyleLst>
+    </a:fmtScheme>
+  </a:themeElements>
+  <a:objectDefaults/>
+  <a:extraClrSchemeLst/>
+</a:theme>
+</file>
+
+<file path=ppt/theme/theme2.xml><?xml version="1.0" encoding="utf-8"?>
+<a:theme xmlns:a="http://schemas.openxmlformats.org/drawingml/2006/main">
   <a:themeElements>
     <a:clrScheme name="Default">
       <a:dk1>
@@ -10124,284 +10611,7 @@
       </a:bgFillStyleLst>
     </a:fmtScheme>
   </a:themeElements>
-</a:theme>
-</file>
-
-<file path=ppt/theme/theme2.xml><?xml version="1.0" encoding="utf-8"?>
-<a:theme xmlns:a="http://schemas.openxmlformats.org/drawingml/2006/main" xmlns:r="http://schemas.openxmlformats.org/officeDocument/2006/relationships" name="Simple Light">
-  <a:themeElements>
-    <a:clrScheme name="Simple Light">
-      <a:dk1>
-        <a:srgbClr val="000000"/>
-      </a:dk1>
-      <a:lt1>
-        <a:srgbClr val="FFFFFF"/>
-      </a:lt1>
-      <a:dk2>
-        <a:srgbClr val="595959"/>
-      </a:dk2>
-      <a:lt2>
-        <a:srgbClr val="EEEEEE"/>
-      </a:lt2>
-      <a:accent1>
-        <a:srgbClr val="FFAB40"/>
-      </a:accent1>
-      <a:accent2>
-        <a:srgbClr val="212121"/>
-      </a:accent2>
-      <a:accent3>
-        <a:srgbClr val="78909C"/>
-      </a:accent3>
-      <a:accent4>
-        <a:srgbClr val="FFAB40"/>
-      </a:accent4>
-      <a:accent5>
-        <a:srgbClr val="0097A7"/>
-      </a:accent5>
-      <a:accent6>
-        <a:srgbClr val="EEFF41"/>
-      </a:accent6>
-      <a:hlink>
-        <a:srgbClr val="0097A7"/>
-      </a:hlink>
-      <a:folHlink>
-        <a:srgbClr val="0097A7"/>
-      </a:folHlink>
-    </a:clrScheme>
-    <a:fontScheme name="Office">
-      <a:majorFont>
-        <a:latin typeface="Arial"/>
-        <a:ea typeface=""/>
-        <a:cs typeface=""/>
-        <a:font script="Jpan" typeface="ＭＳ Ｐゴシック"/>
-        <a:font script="Hang" typeface="맑은 고딕"/>
-        <a:font script="Hans" typeface="宋体"/>
-        <a:font script="Hant" typeface="新細明體"/>
-        <a:font script="Arab" typeface="Times New Roman"/>
-        <a:font script="Hebr" typeface="Times New Roman"/>
-        <a:font script="Thai" typeface="Angsana New"/>
-        <a:font script="Ethi" typeface="Nyala"/>
-        <a:font script="Beng" typeface="Vrinda"/>
-        <a:font script="Gujr" typeface="Shruti"/>
-        <a:font script="Khmr" typeface="MoolBoran"/>
-        <a:font script="Knda" typeface="Tunga"/>
-        <a:font script="Guru" typeface="Raavi"/>
-        <a:font script="Cans" typeface="Euphemia"/>
-        <a:font script="Cher" typeface="Plantagenet Cherokee"/>
-        <a:font script="Yiii" typeface="Microsoft Yi Baiti"/>
-        <a:font script="Tibt" typeface="Microsoft Himalaya"/>
-        <a:font script="Thaa" typeface="MV Boli"/>
-        <a:font script="Deva" typeface="Mangal"/>
-        <a:font script="Telu" typeface="Gautami"/>
-        <a:font script="Taml" typeface="Latha"/>
-        <a:font script="Syrc" typeface="Estrangelo Edessa"/>
-        <a:font script="Orya" typeface="Kalinga"/>
-        <a:font script="Mlym" typeface="Kartika"/>
-        <a:font script="Laoo" typeface="DokChampa"/>
-        <a:font script="Sinh" typeface="Iskoola Pota"/>
-        <a:font script="Mong" typeface="Mongolian Baiti"/>
-        <a:font script="Viet" typeface="Times New Roman"/>
-        <a:font script="Uigh" typeface="Microsoft Uighur"/>
-        <a:font script="Geor" typeface="Sylfaen"/>
-      </a:majorFont>
-      <a:minorFont>
-        <a:latin typeface="Arial"/>
-        <a:ea typeface=""/>
-        <a:cs typeface=""/>
-        <a:font script="Jpan" typeface="ＭＳ Ｐゴシック"/>
-        <a:font script="Hang" typeface="맑은 고딕"/>
-        <a:font script="Hans" typeface="宋体"/>
-        <a:font script="Hant" typeface="新細明體"/>
-        <a:font script="Arab" typeface="Arial"/>
-        <a:font script="Hebr" typeface="Arial"/>
-        <a:font script="Thai" typeface="Cordia New"/>
-        <a:font script="Ethi" typeface="Nyala"/>
-        <a:font script="Beng" typeface="Vrinda"/>
-        <a:font script="Gujr" typeface="Shruti"/>
-        <a:font script="Khmr" typeface="DaunPenh"/>
-        <a:font script="Knda" typeface="Tunga"/>
-        <a:font script="Guru" typeface="Raavi"/>
-        <a:font script="Cans" typeface="Euphemia"/>
-        <a:font script="Cher" typeface="Plantagenet Cherokee"/>
-        <a:font script="Yiii" typeface="Microsoft Yi Baiti"/>
-        <a:font script="Tibt" typeface="Microsoft Himalaya"/>
-        <a:font script="Thaa" typeface="MV Boli"/>
-        <a:font script="Deva" typeface="Mangal"/>
-        <a:font script="Telu" typeface="Gautami"/>
-        <a:font script="Taml" typeface="Latha"/>
-        <a:font script="Syrc" typeface="Estrangelo Edessa"/>
-        <a:font script="Orya" typeface="Kalinga"/>
-        <a:font script="Mlym" typeface="Kartika"/>
-        <a:font script="Laoo" typeface="DokChampa"/>
-        <a:font script="Sinh" typeface="Iskoola Pota"/>
-        <a:font script="Mong" typeface="Mongolian Baiti"/>
-        <a:font script="Viet" typeface="Arial"/>
-        <a:font script="Uigh" typeface="Microsoft Uighur"/>
-        <a:font script="Geor" typeface="Sylfaen"/>
-      </a:minorFont>
-    </a:fontScheme>
-    <a:fmtScheme name="Office">
-      <a:fillStyleLst>
-        <a:solidFill>
-          <a:schemeClr val="phClr"/>
-        </a:solidFill>
-        <a:gradFill rotWithShape="1">
-          <a:gsLst>
-            <a:gs pos="0">
-              <a:schemeClr val="phClr">
-                <a:tint val="50000"/>
-                <a:satMod val="300000"/>
-              </a:schemeClr>
-            </a:gs>
-            <a:gs pos="35000">
-              <a:schemeClr val="phClr">
-                <a:tint val="37000"/>
-                <a:satMod val="300000"/>
-              </a:schemeClr>
-            </a:gs>
-            <a:gs pos="100000">
-              <a:schemeClr val="phClr">
-                <a:tint val="15000"/>
-                <a:satMod val="350000"/>
-              </a:schemeClr>
-            </a:gs>
-          </a:gsLst>
-          <a:lin ang="16200000" scaled="1"/>
-        </a:gradFill>
-        <a:gradFill rotWithShape="1">
-          <a:gsLst>
-            <a:gs pos="0">
-              <a:schemeClr val="phClr">
-                <a:tint val="100000"/>
-                <a:shade val="100000"/>
-                <a:satMod val="130000"/>
-              </a:schemeClr>
-            </a:gs>
-            <a:gs pos="100000">
-              <a:schemeClr val="phClr">
-                <a:tint val="50000"/>
-                <a:shade val="100000"/>
-                <a:satMod val="350000"/>
-              </a:schemeClr>
-            </a:gs>
-          </a:gsLst>
-          <a:lin ang="16200000" scaled="0"/>
-        </a:gradFill>
-      </a:fillStyleLst>
-      <a:lnStyleLst>
-        <a:ln w="9525" cap="flat" cmpd="sng" algn="ctr">
-          <a:solidFill>
-            <a:schemeClr val="phClr">
-              <a:shade val="95000"/>
-              <a:satMod val="105000"/>
-            </a:schemeClr>
-          </a:solidFill>
-          <a:prstDash val="solid"/>
-        </a:ln>
-        <a:ln w="25400" cap="flat" cmpd="sng" algn="ctr">
-          <a:solidFill>
-            <a:schemeClr val="phClr"/>
-          </a:solidFill>
-          <a:prstDash val="solid"/>
-        </a:ln>
-        <a:ln w="38100" cap="flat" cmpd="sng" algn="ctr">
-          <a:solidFill>
-            <a:schemeClr val="phClr"/>
-          </a:solidFill>
-          <a:prstDash val="solid"/>
-        </a:ln>
-      </a:lnStyleLst>
-      <a:effectStyleLst>
-        <a:effectStyle>
-          <a:effectLst>
-            <a:outerShdw blurRad="40000" dist="20000" dir="5400000" rotWithShape="0">
-              <a:srgbClr val="000000">
-                <a:alpha val="38000"/>
-              </a:srgbClr>
-            </a:outerShdw>
-          </a:effectLst>
-        </a:effectStyle>
-        <a:effectStyle>
-          <a:effectLst>
-            <a:outerShdw blurRad="40000" dist="23000" dir="5400000" rotWithShape="0">
-              <a:srgbClr val="000000">
-                <a:alpha val="35000"/>
-              </a:srgbClr>
-            </a:outerShdw>
-          </a:effectLst>
-        </a:effectStyle>
-        <a:effectStyle>
-          <a:effectLst>
-            <a:outerShdw blurRad="40000" dist="23000" dir="5400000" rotWithShape="0">
-              <a:srgbClr val="000000">
-                <a:alpha val="35000"/>
-              </a:srgbClr>
-            </a:outerShdw>
-          </a:effectLst>
-          <a:scene3d>
-            <a:camera prst="orthographicFront">
-              <a:rot lat="0" lon="0" rev="0"/>
-            </a:camera>
-            <a:lightRig rig="threePt" dir="t">
-              <a:rot lat="0" lon="0" rev="1200000"/>
-            </a:lightRig>
-          </a:scene3d>
-          <a:sp3d>
-            <a:bevelT w="63500" h="25400"/>
-          </a:sp3d>
-        </a:effectStyle>
-      </a:effectStyleLst>
-      <a:bgFillStyleLst>
-        <a:solidFill>
-          <a:schemeClr val="phClr"/>
-        </a:solidFill>
-        <a:gradFill rotWithShape="1">
-          <a:gsLst>
-            <a:gs pos="0">
-              <a:schemeClr val="phClr">
-                <a:tint val="40000"/>
-                <a:satMod val="350000"/>
-              </a:schemeClr>
-            </a:gs>
-            <a:gs pos="40000">
-              <a:schemeClr val="phClr">
-                <a:tint val="45000"/>
-                <a:shade val="99000"/>
-                <a:satMod val="350000"/>
-              </a:schemeClr>
-            </a:gs>
-            <a:gs pos="100000">
-              <a:schemeClr val="phClr">
-                <a:shade val="20000"/>
-                <a:satMod val="255000"/>
-              </a:schemeClr>
-            </a:gs>
-          </a:gsLst>
-          <a:path path="circle">
-            <a:fillToRect l="50000" t="-80000" r="50000" b="180000"/>
-          </a:path>
-        </a:gradFill>
-        <a:gradFill rotWithShape="1">
-          <a:gsLst>
-            <a:gs pos="0">
-              <a:schemeClr val="phClr">
-                <a:tint val="80000"/>
-                <a:satMod val="300000"/>
-              </a:schemeClr>
-            </a:gs>
-            <a:gs pos="100000">
-              <a:schemeClr val="phClr">
-                <a:shade val="30000"/>
-                <a:satMod val="200000"/>
-              </a:schemeClr>
-            </a:gs>
-          </a:gsLst>
-          <a:path path="circle">
-            <a:fillToRect l="50000" t="50000" r="50000" b="50000"/>
-          </a:path>
-        </a:gradFill>
-      </a:bgFillStyleLst>
-    </a:fmtScheme>
-  </a:themeElements>
+  <a:objectDefaults/>
+  <a:extraClrSchemeLst/>
 </a:theme>
 </file>